--- a/csverse/hex/hex_dependencies.pptx
+++ b/csverse/hex/hex_dependencies.pptx
@@ -5,10 +5,11 @@
     <p:sldMasterId id="2147483648" r:id="rId4"/>
   </p:sldMasterIdLst>
   <p:notesMasterIdLst>
-    <p:notesMasterId r:id="rId6"/>
+    <p:notesMasterId r:id="rId7"/>
   </p:notesMasterIdLst>
   <p:sldIdLst>
     <p:sldId id="256" r:id="rId5"/>
+    <p:sldId id="257" r:id="rId6"/>
   </p:sldIdLst>
   <p:sldSz cx="13970000" cy="10795000"/>
   <p:notesSz cx="6858000" cy="9144000"/>
@@ -321,7 +322,7 @@
 <file path=ppt/revisionInfo.xml><?xml version="1.0" encoding="utf-8"?>
 <p1510:revInfo xmlns:a="http://schemas.openxmlformats.org/drawingml/2006/main" xmlns:r="http://schemas.openxmlformats.org/officeDocument/2006/relationships" xmlns:p1510="http://schemas.microsoft.com/office/powerpoint/2015/10/main">
   <p1510:revLst>
-    <p1510:client id="{C8D8A3AE-FFB4-1B43-A185-C17B759289B5}" v="1" dt="2022-10-04T03:30:03.762"/>
+    <p1510:client id="{41902603-BEC2-D546-AAC9-9DCBF0145105}" v="21" dt="2022-11-08T09:37:03.842"/>
   </p1510:revLst>
 </p1510:revInfo>
 </file>
@@ -1211,6 +1212,454 @@
           </pc:sldLayoutMkLst>
         </pc:sldLayoutChg>
       </pc:sldMasterChg>
+    </pc:docChg>
+  </pc:docChgLst>
+  <pc:docChgLst>
+    <pc:chgData name="Richard Aubrey White" userId="3de9d349-88be-4931-9e64-c6590894c061" providerId="ADAL" clId="{41902603-BEC2-D546-AAC9-9DCBF0145105}"/>
+    <pc:docChg chg="undo custSel modSld">
+      <pc:chgData name="Richard Aubrey White" userId="3de9d349-88be-4931-9e64-c6590894c061" providerId="ADAL" clId="{41902603-BEC2-D546-AAC9-9DCBF0145105}" dt="2022-11-08T09:37:23.066" v="130" actId="1037"/>
+      <pc:docMkLst>
+        <pc:docMk/>
+      </pc:docMkLst>
+      <pc:sldChg chg="addSp delSp modSp mod">
+        <pc:chgData name="Richard Aubrey White" userId="3de9d349-88be-4931-9e64-c6590894c061" providerId="ADAL" clId="{41902603-BEC2-D546-AAC9-9DCBF0145105}" dt="2022-11-08T09:37:23.066" v="130" actId="1037"/>
+        <pc:sldMkLst>
+          <pc:docMk/>
+          <pc:sldMk cId="0" sldId="256"/>
+        </pc:sldMkLst>
+        <pc:spChg chg="mod">
+          <ac:chgData name="Richard Aubrey White" userId="3de9d349-88be-4931-9e64-c6590894c061" providerId="ADAL" clId="{41902603-BEC2-D546-AAC9-9DCBF0145105}" dt="2022-11-08T09:34:18.219" v="61" actId="1076"/>
+          <ac:spMkLst>
+            <pc:docMk/>
+            <pc:sldMk cId="0" sldId="256"/>
+            <ac:spMk id="19" creationId="{028BF13F-1728-E042-9E63-BD2652ADDBC1}"/>
+          </ac:spMkLst>
+        </pc:spChg>
+        <pc:spChg chg="mod topLvl">
+          <ac:chgData name="Richard Aubrey White" userId="3de9d349-88be-4931-9e64-c6590894c061" providerId="ADAL" clId="{41902603-BEC2-D546-AAC9-9DCBF0145105}" dt="2022-11-08T09:36:36.656" v="85" actId="164"/>
+          <ac:spMkLst>
+            <pc:docMk/>
+            <pc:sldMk cId="0" sldId="256"/>
+            <ac:spMk id="40" creationId="{AFDAFAEB-D9A8-4145-9D42-61F9004F8739}"/>
+          </ac:spMkLst>
+        </pc:spChg>
+        <pc:spChg chg="mod topLvl">
+          <ac:chgData name="Richard Aubrey White" userId="3de9d349-88be-4931-9e64-c6590894c061" providerId="ADAL" clId="{41902603-BEC2-D546-AAC9-9DCBF0145105}" dt="2022-11-08T09:36:36.656" v="85" actId="164"/>
+          <ac:spMkLst>
+            <pc:docMk/>
+            <pc:sldMk cId="0" sldId="256"/>
+            <ac:spMk id="41" creationId="{44B0BF31-91FB-7840-B840-D0B79AEF28D1}"/>
+          </ac:spMkLst>
+        </pc:spChg>
+        <pc:spChg chg="mod">
+          <ac:chgData name="Richard Aubrey White" userId="3de9d349-88be-4931-9e64-c6590894c061" providerId="ADAL" clId="{41902603-BEC2-D546-AAC9-9DCBF0145105}" dt="2022-11-08T09:37:03.842" v="124" actId="164"/>
+          <ac:spMkLst>
+            <pc:docMk/>
+            <pc:sldMk cId="0" sldId="256"/>
+            <ac:spMk id="65" creationId="{E6836A9A-4741-3440-A7A5-441F532606C7}"/>
+          </ac:spMkLst>
+        </pc:spChg>
+        <pc:spChg chg="mod">
+          <ac:chgData name="Richard Aubrey White" userId="3de9d349-88be-4931-9e64-c6590894c061" providerId="ADAL" clId="{41902603-BEC2-D546-AAC9-9DCBF0145105}" dt="2022-11-08T09:37:03.842" v="124" actId="164"/>
+          <ac:spMkLst>
+            <pc:docMk/>
+            <pc:sldMk cId="0" sldId="256"/>
+            <ac:spMk id="66" creationId="{85AEB998-A796-584A-BDEA-4F88B9644EF6}"/>
+          </ac:spMkLst>
+        </pc:spChg>
+        <pc:spChg chg="mod topLvl">
+          <ac:chgData name="Richard Aubrey White" userId="3de9d349-88be-4931-9e64-c6590894c061" providerId="ADAL" clId="{41902603-BEC2-D546-AAC9-9DCBF0145105}" dt="2022-11-08T09:32:06.612" v="35" actId="165"/>
+          <ac:spMkLst>
+            <pc:docMk/>
+            <pc:sldMk cId="0" sldId="256"/>
+            <ac:spMk id="83" creationId="{76D9184C-5AE8-E240-8A90-F6E7A2D65A32}"/>
+          </ac:spMkLst>
+        </pc:spChg>
+        <pc:spChg chg="mod topLvl">
+          <ac:chgData name="Richard Aubrey White" userId="3de9d349-88be-4931-9e64-c6590894c061" providerId="ADAL" clId="{41902603-BEC2-D546-AAC9-9DCBF0145105}" dt="2022-11-08T09:32:06.612" v="35" actId="165"/>
+          <ac:spMkLst>
+            <pc:docMk/>
+            <pc:sldMk cId="0" sldId="256"/>
+            <ac:spMk id="84" creationId="{D72FEFDD-870A-274D-9674-C06706A735EF}"/>
+          </ac:spMkLst>
+        </pc:spChg>
+        <pc:spChg chg="mod topLvl">
+          <ac:chgData name="Richard Aubrey White" userId="3de9d349-88be-4931-9e64-c6590894c061" providerId="ADAL" clId="{41902603-BEC2-D546-AAC9-9DCBF0145105}" dt="2022-11-08T09:35:08.138" v="75" actId="165"/>
+          <ac:spMkLst>
+            <pc:docMk/>
+            <pc:sldMk cId="0" sldId="256"/>
+            <ac:spMk id="95" creationId="{123E91B2-F409-F14F-B8F3-6CAEAC43CC3B}"/>
+          </ac:spMkLst>
+        </pc:spChg>
+        <pc:spChg chg="mod topLvl">
+          <ac:chgData name="Richard Aubrey White" userId="3de9d349-88be-4931-9e64-c6590894c061" providerId="ADAL" clId="{41902603-BEC2-D546-AAC9-9DCBF0145105}" dt="2022-11-08T09:35:08.138" v="75" actId="165"/>
+          <ac:spMkLst>
+            <pc:docMk/>
+            <pc:sldMk cId="0" sldId="256"/>
+            <ac:spMk id="96" creationId="{28106873-9E8B-8541-805F-0512A79BA33B}"/>
+          </ac:spMkLst>
+        </pc:spChg>
+        <pc:spChg chg="mod">
+          <ac:chgData name="Richard Aubrey White" userId="3de9d349-88be-4931-9e64-c6590894c061" providerId="ADAL" clId="{41902603-BEC2-D546-AAC9-9DCBF0145105}" dt="2022-11-08T09:28:23.850" v="1" actId="20577"/>
+          <ac:spMkLst>
+            <pc:docMk/>
+            <pc:sldMk cId="0" sldId="256"/>
+            <ac:spMk id="151" creationId="{00000000-0000-0000-0000-000000000000}"/>
+          </ac:spMkLst>
+        </pc:spChg>
+        <pc:spChg chg="mod">
+          <ac:chgData name="Richard Aubrey White" userId="3de9d349-88be-4931-9e64-c6590894c061" providerId="ADAL" clId="{41902603-BEC2-D546-AAC9-9DCBF0145105}" dt="2022-11-08T09:28:50.889" v="27" actId="20577"/>
+          <ac:spMkLst>
+            <pc:docMk/>
+            <pc:sldMk cId="0" sldId="256"/>
+            <ac:spMk id="152" creationId="{00000000-0000-0000-0000-000000000000}"/>
+          </ac:spMkLst>
+        </pc:spChg>
+        <pc:grpChg chg="del">
+          <ac:chgData name="Richard Aubrey White" userId="3de9d349-88be-4931-9e64-c6590894c061" providerId="ADAL" clId="{41902603-BEC2-D546-AAC9-9DCBF0145105}" dt="2022-11-08T09:34:35.817" v="65" actId="165"/>
+          <ac:grpSpMkLst>
+            <pc:docMk/>
+            <pc:sldMk cId="0" sldId="256"/>
+            <ac:grpSpMk id="33" creationId="{183D0709-BA06-5747-B77F-B3FC45315D20}"/>
+          </ac:grpSpMkLst>
+        </pc:grpChg>
+        <pc:grpChg chg="add mod">
+          <ac:chgData name="Richard Aubrey White" userId="3de9d349-88be-4931-9e64-c6590894c061" providerId="ADAL" clId="{41902603-BEC2-D546-AAC9-9DCBF0145105}" dt="2022-11-08T09:37:23.066" v="130" actId="1037"/>
+          <ac:grpSpMkLst>
+            <pc:docMk/>
+            <pc:sldMk cId="0" sldId="256"/>
+            <ac:grpSpMk id="39" creationId="{DC34FC81-BB57-02D3-CE9C-89F7E7EAFEBB}"/>
+          </ac:grpSpMkLst>
+        </pc:grpChg>
+        <pc:grpChg chg="add mod">
+          <ac:chgData name="Richard Aubrey White" userId="3de9d349-88be-4931-9e64-c6590894c061" providerId="ADAL" clId="{41902603-BEC2-D546-AAC9-9DCBF0145105}" dt="2022-11-08T09:37:23.066" v="130" actId="1037"/>
+          <ac:grpSpMkLst>
+            <pc:docMk/>
+            <pc:sldMk cId="0" sldId="256"/>
+            <ac:grpSpMk id="42" creationId="{714E1A74-618A-43E7-9B98-9E28D7C9D853}"/>
+          </ac:grpSpMkLst>
+        </pc:grpChg>
+        <pc:grpChg chg="del">
+          <ac:chgData name="Richard Aubrey White" userId="3de9d349-88be-4931-9e64-c6590894c061" providerId="ADAL" clId="{41902603-BEC2-D546-AAC9-9DCBF0145105}" dt="2022-11-08T09:34:22.781" v="63" actId="478"/>
+          <ac:grpSpMkLst>
+            <pc:docMk/>
+            <pc:sldMk cId="0" sldId="256"/>
+            <ac:grpSpMk id="44" creationId="{994E7B36-5F02-4A9F-027F-9BEACEFB1728}"/>
+          </ac:grpSpMkLst>
+        </pc:grpChg>
+        <pc:grpChg chg="del">
+          <ac:chgData name="Richard Aubrey White" userId="3de9d349-88be-4931-9e64-c6590894c061" providerId="ADAL" clId="{41902603-BEC2-D546-AAC9-9DCBF0145105}" dt="2022-11-08T09:34:20.400" v="62" actId="478"/>
+          <ac:grpSpMkLst>
+            <pc:docMk/>
+            <pc:sldMk cId="0" sldId="256"/>
+            <ac:grpSpMk id="51" creationId="{08B1F03E-825D-2C79-278D-BA2CEB924F8A}"/>
+          </ac:grpSpMkLst>
+        </pc:grpChg>
+        <pc:grpChg chg="del">
+          <ac:chgData name="Richard Aubrey White" userId="3de9d349-88be-4931-9e64-c6590894c061" providerId="ADAL" clId="{41902603-BEC2-D546-AAC9-9DCBF0145105}" dt="2022-11-08T09:32:06.612" v="35" actId="165"/>
+          <ac:grpSpMkLst>
+            <pc:docMk/>
+            <pc:sldMk cId="0" sldId="256"/>
+            <ac:grpSpMk id="57" creationId="{DC047A3E-8EC1-4D44-A46E-E41B6EBEFF20}"/>
+          </ac:grpSpMkLst>
+        </pc:grpChg>
+        <pc:grpChg chg="del">
+          <ac:chgData name="Richard Aubrey White" userId="3de9d349-88be-4931-9e64-c6590894c061" providerId="ADAL" clId="{41902603-BEC2-D546-AAC9-9DCBF0145105}" dt="2022-11-08T09:35:08.138" v="75" actId="165"/>
+          <ac:grpSpMkLst>
+            <pc:docMk/>
+            <pc:sldMk cId="0" sldId="256"/>
+            <ac:grpSpMk id="59" creationId="{80B671E0-92D8-0447-9A48-2E797766F2C7}"/>
+          </ac:grpSpMkLst>
+        </pc:grpChg>
+        <pc:picChg chg="mod">
+          <ac:chgData name="Richard Aubrey White" userId="3de9d349-88be-4931-9e64-c6590894c061" providerId="ADAL" clId="{41902603-BEC2-D546-AAC9-9DCBF0145105}" dt="2022-11-08T09:37:03.842" v="124" actId="164"/>
+          <ac:picMkLst>
+            <pc:docMk/>
+            <pc:sldMk cId="0" sldId="256"/>
+            <ac:picMk id="2" creationId="{36277B50-A2A7-32F5-B36D-DC0DC87BC541}"/>
+          </ac:picMkLst>
+        </pc:picChg>
+        <pc:picChg chg="mod">
+          <ac:chgData name="Richard Aubrey White" userId="3de9d349-88be-4931-9e64-c6590894c061" providerId="ADAL" clId="{41902603-BEC2-D546-AAC9-9DCBF0145105}" dt="2022-11-08T09:30:10.791" v="33" actId="14826"/>
+          <ac:picMkLst>
+            <pc:docMk/>
+            <pc:sldMk cId="0" sldId="256"/>
+            <ac:picMk id="3" creationId="{B2A10885-368D-4344-A200-0BA3AA3B5AA4}"/>
+          </ac:picMkLst>
+        </pc:picChg>
+        <pc:picChg chg="del">
+          <ac:chgData name="Richard Aubrey White" userId="3de9d349-88be-4931-9e64-c6590894c061" providerId="ADAL" clId="{41902603-BEC2-D546-AAC9-9DCBF0145105}" dt="2022-11-08T09:34:22.781" v="63" actId="478"/>
+          <ac:picMkLst>
+            <pc:docMk/>
+            <pc:sldMk cId="0" sldId="256"/>
+            <ac:picMk id="5" creationId="{52D06409-339A-5440-AD40-A78B5A673373}"/>
+          </ac:picMkLst>
+        </pc:picChg>
+        <pc:picChg chg="mod topLvl">
+          <ac:chgData name="Richard Aubrey White" userId="3de9d349-88be-4931-9e64-c6590894c061" providerId="ADAL" clId="{41902603-BEC2-D546-AAC9-9DCBF0145105}" dt="2022-11-08T09:36:36.656" v="85" actId="164"/>
+          <ac:picMkLst>
+            <pc:docMk/>
+            <pc:sldMk cId="0" sldId="256"/>
+            <ac:picMk id="6" creationId="{81A8D09D-EBB5-364E-B607-6D63E12085D5}"/>
+          </ac:picMkLst>
+        </pc:picChg>
+        <pc:picChg chg="mod topLvl">
+          <ac:chgData name="Richard Aubrey White" userId="3de9d349-88be-4931-9e64-c6590894c061" providerId="ADAL" clId="{41902603-BEC2-D546-AAC9-9DCBF0145105}" dt="2022-11-08T09:36:36.656" v="85" actId="164"/>
+          <ac:picMkLst>
+            <pc:docMk/>
+            <pc:sldMk cId="0" sldId="256"/>
+            <ac:picMk id="7" creationId="{C2630B92-4EE7-7543-8C69-1098641035D6}"/>
+          </ac:picMkLst>
+        </pc:picChg>
+        <pc:picChg chg="add del mod">
+          <ac:chgData name="Richard Aubrey White" userId="3de9d349-88be-4931-9e64-c6590894c061" providerId="ADAL" clId="{41902603-BEC2-D546-AAC9-9DCBF0145105}" dt="2022-11-08T09:30:02.345" v="30"/>
+          <ac:picMkLst>
+            <pc:docMk/>
+            <pc:sldMk cId="0" sldId="256"/>
+            <ac:picMk id="8" creationId="{9C7770D0-D18B-90FE-34F9-71F79D94C5BA}"/>
+          </ac:picMkLst>
+        </pc:picChg>
+        <pc:picChg chg="add del mod">
+          <ac:chgData name="Richard Aubrey White" userId="3de9d349-88be-4931-9e64-c6590894c061" providerId="ADAL" clId="{41902603-BEC2-D546-AAC9-9DCBF0145105}" dt="2022-11-08T09:30:26.948" v="34" actId="478"/>
+          <ac:picMkLst>
+            <pc:docMk/>
+            <pc:sldMk cId="0" sldId="256"/>
+            <ac:picMk id="10" creationId="{A206D9AD-3D79-BAE8-C26A-26827D05CE03}"/>
+          </ac:picMkLst>
+        </pc:picChg>
+        <pc:picChg chg="add del mod">
+          <ac:chgData name="Richard Aubrey White" userId="3de9d349-88be-4931-9e64-c6590894c061" providerId="ADAL" clId="{41902603-BEC2-D546-AAC9-9DCBF0145105}" dt="2022-11-08T09:32:33.634" v="38" actId="478"/>
+          <ac:picMkLst>
+            <pc:docMk/>
+            <pc:sldMk cId="0" sldId="256"/>
+            <ac:picMk id="12" creationId="{351CBFA8-706F-3440-EDAF-734E3F040886}"/>
+          </ac:picMkLst>
+        </pc:picChg>
+        <pc:picChg chg="add del mod">
+          <ac:chgData name="Richard Aubrey White" userId="3de9d349-88be-4931-9e64-c6590894c061" providerId="ADAL" clId="{41902603-BEC2-D546-AAC9-9DCBF0145105}" dt="2022-11-08T09:32:46.693" v="41" actId="478"/>
+          <ac:picMkLst>
+            <pc:docMk/>
+            <pc:sldMk cId="0" sldId="256"/>
+            <ac:picMk id="14" creationId="{27E089AC-FE1C-B7F1-7E89-54A4456C5EDA}"/>
+          </ac:picMkLst>
+        </pc:picChg>
+        <pc:picChg chg="add del mod">
+          <ac:chgData name="Richard Aubrey White" userId="3de9d349-88be-4931-9e64-c6590894c061" providerId="ADAL" clId="{41902603-BEC2-D546-AAC9-9DCBF0145105}" dt="2022-11-08T09:33:03.432" v="45" actId="478"/>
+          <ac:picMkLst>
+            <pc:docMk/>
+            <pc:sldMk cId="0" sldId="256"/>
+            <ac:picMk id="16" creationId="{9A964C46-127C-8D73-5B24-54E8CDC2ADD3}"/>
+          </ac:picMkLst>
+        </pc:picChg>
+        <pc:picChg chg="add del mod">
+          <ac:chgData name="Richard Aubrey White" userId="3de9d349-88be-4931-9e64-c6590894c061" providerId="ADAL" clId="{41902603-BEC2-D546-AAC9-9DCBF0145105}" dt="2022-11-08T09:33:14.576" v="49" actId="478"/>
+          <ac:picMkLst>
+            <pc:docMk/>
+            <pc:sldMk cId="0" sldId="256"/>
+            <ac:picMk id="18" creationId="{13A82DD5-1352-07FC-C41C-BB90F8C43BF7}"/>
+          </ac:picMkLst>
+        </pc:picChg>
+        <pc:picChg chg="add del mod">
+          <ac:chgData name="Richard Aubrey White" userId="3de9d349-88be-4931-9e64-c6590894c061" providerId="ADAL" clId="{41902603-BEC2-D546-AAC9-9DCBF0145105}" dt="2022-11-08T09:33:25.247" v="53" actId="478"/>
+          <ac:picMkLst>
+            <pc:docMk/>
+            <pc:sldMk cId="0" sldId="256"/>
+            <ac:picMk id="21" creationId="{0F30E3D3-1F3E-6E81-9E7F-056A06826D1F}"/>
+          </ac:picMkLst>
+        </pc:picChg>
+        <pc:picChg chg="add del mod">
+          <ac:chgData name="Richard Aubrey White" userId="3de9d349-88be-4931-9e64-c6590894c061" providerId="ADAL" clId="{41902603-BEC2-D546-AAC9-9DCBF0145105}" dt="2022-11-08T09:34:05.402" v="56" actId="478"/>
+          <ac:picMkLst>
+            <pc:docMk/>
+            <pc:sldMk cId="0" sldId="256"/>
+            <ac:picMk id="23" creationId="{8B1965EF-1AF7-C840-2423-F71C31D9049D}"/>
+          </ac:picMkLst>
+        </pc:picChg>
+        <pc:picChg chg="add del mod">
+          <ac:chgData name="Richard Aubrey White" userId="3de9d349-88be-4931-9e64-c6590894c061" providerId="ADAL" clId="{41902603-BEC2-D546-AAC9-9DCBF0145105}" dt="2022-11-08T09:34:14.864" v="59" actId="478"/>
+          <ac:picMkLst>
+            <pc:docMk/>
+            <pc:sldMk cId="0" sldId="256"/>
+            <ac:picMk id="25" creationId="{E69767D1-5B0B-C087-1192-965455D6A353}"/>
+          </ac:picMkLst>
+        </pc:picChg>
+        <pc:picChg chg="add del mod">
+          <ac:chgData name="Richard Aubrey White" userId="3de9d349-88be-4931-9e64-c6590894c061" providerId="ADAL" clId="{41902603-BEC2-D546-AAC9-9DCBF0145105}" dt="2022-11-08T09:34:41.620" v="67" actId="478"/>
+          <ac:picMkLst>
+            <pc:docMk/>
+            <pc:sldMk cId="0" sldId="256"/>
+            <ac:picMk id="27" creationId="{DD235870-E0D8-430A-12B3-C8761C0DFEC8}"/>
+          </ac:picMkLst>
+        </pc:picChg>
+        <pc:picChg chg="add del mod">
+          <ac:chgData name="Richard Aubrey White" userId="3de9d349-88be-4931-9e64-c6590894c061" providerId="ADAL" clId="{41902603-BEC2-D546-AAC9-9DCBF0145105}" dt="2022-11-08T09:34:54.133" v="71" actId="478"/>
+          <ac:picMkLst>
+            <pc:docMk/>
+            <pc:sldMk cId="0" sldId="256"/>
+            <ac:picMk id="29" creationId="{CB6E2C7B-9538-7309-11A1-7A27EA460CE3}"/>
+          </ac:picMkLst>
+        </pc:picChg>
+        <pc:picChg chg="add del mod">
+          <ac:chgData name="Richard Aubrey White" userId="3de9d349-88be-4931-9e64-c6590894c061" providerId="ADAL" clId="{41902603-BEC2-D546-AAC9-9DCBF0145105}" dt="2022-11-08T09:35:04.021" v="74" actId="478"/>
+          <ac:picMkLst>
+            <pc:docMk/>
+            <pc:sldMk cId="0" sldId="256"/>
+            <ac:picMk id="31" creationId="{D0BAD665-FDC0-BBDA-FA3B-7CD19C77C362}"/>
+          </ac:picMkLst>
+        </pc:picChg>
+        <pc:picChg chg="add del mod">
+          <ac:chgData name="Richard Aubrey White" userId="3de9d349-88be-4931-9e64-c6590894c061" providerId="ADAL" clId="{41902603-BEC2-D546-AAC9-9DCBF0145105}" dt="2022-11-08T09:35:18.810" v="78" actId="478"/>
+          <ac:picMkLst>
+            <pc:docMk/>
+            <pc:sldMk cId="0" sldId="256"/>
+            <ac:picMk id="34" creationId="{CF2AAFFF-3733-4C27-1C10-04555A640362}"/>
+          </ac:picMkLst>
+        </pc:picChg>
+        <pc:picChg chg="add del mod">
+          <ac:chgData name="Richard Aubrey White" userId="3de9d349-88be-4931-9e64-c6590894c061" providerId="ADAL" clId="{41902603-BEC2-D546-AAC9-9DCBF0145105}" dt="2022-11-08T09:35:28.258" v="81" actId="478"/>
+          <ac:picMkLst>
+            <pc:docMk/>
+            <pc:sldMk cId="0" sldId="256"/>
+            <ac:picMk id="36" creationId="{C6156B68-858F-47DB-CBFF-5E07524B8CB4}"/>
+          </ac:picMkLst>
+        </pc:picChg>
+        <pc:picChg chg="add del mod">
+          <ac:chgData name="Richard Aubrey White" userId="3de9d349-88be-4931-9e64-c6590894c061" providerId="ADAL" clId="{41902603-BEC2-D546-AAC9-9DCBF0145105}" dt="2022-11-08T09:35:37.957" v="84" actId="478"/>
+          <ac:picMkLst>
+            <pc:docMk/>
+            <pc:sldMk cId="0" sldId="256"/>
+            <ac:picMk id="38" creationId="{C9EA3B6D-52A7-652F-83B1-318BEBDAEBB5}"/>
+          </ac:picMkLst>
+        </pc:picChg>
+        <pc:picChg chg="del">
+          <ac:chgData name="Richard Aubrey White" userId="3de9d349-88be-4931-9e64-c6590894c061" providerId="ADAL" clId="{41902603-BEC2-D546-AAC9-9DCBF0145105}" dt="2022-11-08T09:34:20.400" v="62" actId="478"/>
+          <ac:picMkLst>
+            <pc:docMk/>
+            <pc:sldMk cId="0" sldId="256"/>
+            <ac:picMk id="50" creationId="{FE003DA2-16E6-C485-9EC5-F15B3AE4EF80}"/>
+          </ac:picMkLst>
+        </pc:picChg>
+        <pc:picChg chg="mod">
+          <ac:chgData name="Richard Aubrey White" userId="3de9d349-88be-4931-9e64-c6590894c061" providerId="ADAL" clId="{41902603-BEC2-D546-AAC9-9DCBF0145105}" dt="2022-11-08T09:37:03.842" v="124" actId="164"/>
+          <ac:picMkLst>
+            <pc:docMk/>
+            <pc:sldMk cId="0" sldId="256"/>
+            <ac:picMk id="55" creationId="{F6AE3816-6783-4EB5-0710-83FE58F18690}"/>
+          </ac:picMkLst>
+        </pc:picChg>
+        <pc:picChg chg="mod">
+          <ac:chgData name="Richard Aubrey White" userId="3de9d349-88be-4931-9e64-c6590894c061" providerId="ADAL" clId="{41902603-BEC2-D546-AAC9-9DCBF0145105}" dt="2022-11-08T09:37:03.842" v="124" actId="164"/>
+          <ac:picMkLst>
+            <pc:docMk/>
+            <pc:sldMk cId="0" sldId="256"/>
+            <ac:picMk id="62" creationId="{4D9173B3-F66E-B048-85A1-6F041094453F}"/>
+          </ac:picMkLst>
+        </pc:picChg>
+        <pc:picChg chg="mod">
+          <ac:chgData name="Richard Aubrey White" userId="3de9d349-88be-4931-9e64-c6590894c061" providerId="ADAL" clId="{41902603-BEC2-D546-AAC9-9DCBF0145105}" dt="2022-11-08T09:37:03.842" v="124" actId="164"/>
+          <ac:picMkLst>
+            <pc:docMk/>
+            <pc:sldMk cId="0" sldId="256"/>
+            <ac:picMk id="63" creationId="{0E5BDF93-3D66-CA4B-B5B5-345329776071}"/>
+          </ac:picMkLst>
+        </pc:picChg>
+        <pc:picChg chg="mod">
+          <ac:chgData name="Richard Aubrey White" userId="3de9d349-88be-4931-9e64-c6590894c061" providerId="ADAL" clId="{41902603-BEC2-D546-AAC9-9DCBF0145105}" dt="2022-11-08T09:37:03.842" v="124" actId="164"/>
+          <ac:picMkLst>
+            <pc:docMk/>
+            <pc:sldMk cId="0" sldId="256"/>
+            <ac:picMk id="64" creationId="{AF2C97DD-C15D-FC45-AF16-D4CB119459EF}"/>
+          </ac:picMkLst>
+        </pc:picChg>
+        <pc:picChg chg="mod topLvl">
+          <ac:chgData name="Richard Aubrey White" userId="3de9d349-88be-4931-9e64-c6590894c061" providerId="ADAL" clId="{41902603-BEC2-D546-AAC9-9DCBF0145105}" dt="2022-11-08T09:32:31.883" v="37" actId="14826"/>
+          <ac:picMkLst>
+            <pc:docMk/>
+            <pc:sldMk cId="0" sldId="256"/>
+            <ac:picMk id="80" creationId="{A62F2743-4EA6-5441-B98B-49E2BC568B46}"/>
+          </ac:picMkLst>
+        </pc:picChg>
+        <pc:picChg chg="mod topLvl">
+          <ac:chgData name="Richard Aubrey White" userId="3de9d349-88be-4931-9e64-c6590894c061" providerId="ADAL" clId="{41902603-BEC2-D546-AAC9-9DCBF0145105}" dt="2022-11-08T09:32:44.048" v="40" actId="14826"/>
+          <ac:picMkLst>
+            <pc:docMk/>
+            <pc:sldMk cId="0" sldId="256"/>
+            <ac:picMk id="81" creationId="{D11E8276-6AC3-1443-A78D-811E2BBA6D5E}"/>
+          </ac:picMkLst>
+        </pc:picChg>
+        <pc:picChg chg="mod topLvl">
+          <ac:chgData name="Richard Aubrey White" userId="3de9d349-88be-4931-9e64-c6590894c061" providerId="ADAL" clId="{41902603-BEC2-D546-AAC9-9DCBF0145105}" dt="2022-11-08T09:35:36.433" v="83" actId="14826"/>
+          <ac:picMkLst>
+            <pc:docMk/>
+            <pc:sldMk cId="0" sldId="256"/>
+            <ac:picMk id="92" creationId="{A0478B1B-D63C-5848-B819-7444185363E3}"/>
+          </ac:picMkLst>
+        </pc:picChg>
+        <pc:picChg chg="mod topLvl">
+          <ac:chgData name="Richard Aubrey White" userId="3de9d349-88be-4931-9e64-c6590894c061" providerId="ADAL" clId="{41902603-BEC2-D546-AAC9-9DCBF0145105}" dt="2022-11-08T09:35:26.711" v="80" actId="14826"/>
+          <ac:picMkLst>
+            <pc:docMk/>
+            <pc:sldMk cId="0" sldId="256"/>
+            <ac:picMk id="93" creationId="{7BDC8363-9D2E-1E44-8F01-6BDBC18401D7}"/>
+          </ac:picMkLst>
+        </pc:picChg>
+        <pc:picChg chg="mod topLvl">
+          <ac:chgData name="Richard Aubrey White" userId="3de9d349-88be-4931-9e64-c6590894c061" providerId="ADAL" clId="{41902603-BEC2-D546-AAC9-9DCBF0145105}" dt="2022-11-08T09:35:17.261" v="77" actId="14826"/>
+          <ac:picMkLst>
+            <pc:docMk/>
+            <pc:sldMk cId="0" sldId="256"/>
+            <ac:picMk id="94" creationId="{D0C97CB8-C253-9E41-9039-FE80EBD18828}"/>
+          </ac:picMkLst>
+        </pc:picChg>
+        <pc:picChg chg="mod topLvl">
+          <ac:chgData name="Richard Aubrey White" userId="3de9d349-88be-4931-9e64-c6590894c061" providerId="ADAL" clId="{41902603-BEC2-D546-AAC9-9DCBF0145105}" dt="2022-11-08T09:36:36.656" v="85" actId="164"/>
+          <ac:picMkLst>
+            <pc:docMk/>
+            <pc:sldMk cId="0" sldId="256"/>
+            <ac:picMk id="196" creationId="{C88FFDAE-9049-C741-BC00-134962EC79F7}"/>
+          </ac:picMkLst>
+        </pc:picChg>
+        <pc:cxnChg chg="mod">
+          <ac:chgData name="Richard Aubrey White" userId="3de9d349-88be-4931-9e64-c6590894c061" providerId="ADAL" clId="{41902603-BEC2-D546-AAC9-9DCBF0145105}" dt="2022-11-08T09:37:03.842" v="124" actId="164"/>
+          <ac:cxnSpMkLst>
+            <pc:docMk/>
+            <pc:sldMk cId="0" sldId="256"/>
+            <ac:cxnSpMk id="67" creationId="{FDFF7B8F-CE9B-C845-9D24-2FF0C3EC91F2}"/>
+          </ac:cxnSpMkLst>
+        </pc:cxnChg>
+        <pc:cxnChg chg="mod">
+          <ac:chgData name="Richard Aubrey White" userId="3de9d349-88be-4931-9e64-c6590894c061" providerId="ADAL" clId="{41902603-BEC2-D546-AAC9-9DCBF0145105}" dt="2022-11-08T09:37:03.842" v="124" actId="164"/>
+          <ac:cxnSpMkLst>
+            <pc:docMk/>
+            <pc:sldMk cId="0" sldId="256"/>
+            <ac:cxnSpMk id="77" creationId="{2225A128-A1DD-9A48-A9FC-BDE9713FF451}"/>
+          </ac:cxnSpMkLst>
+        </pc:cxnChg>
+        <pc:cxnChg chg="mod topLvl">
+          <ac:chgData name="Richard Aubrey White" userId="3de9d349-88be-4931-9e64-c6590894c061" providerId="ADAL" clId="{41902603-BEC2-D546-AAC9-9DCBF0145105}" dt="2022-11-08T09:32:06.612" v="35" actId="165"/>
+          <ac:cxnSpMkLst>
+            <pc:docMk/>
+            <pc:sldMk cId="0" sldId="256"/>
+            <ac:cxnSpMk id="85" creationId="{91FD70C7-57E3-C844-A1FD-2DBAFE2F7136}"/>
+          </ac:cxnSpMkLst>
+        </pc:cxnChg>
+        <pc:cxnChg chg="mod topLvl">
+          <ac:chgData name="Richard Aubrey White" userId="3de9d349-88be-4931-9e64-c6590894c061" providerId="ADAL" clId="{41902603-BEC2-D546-AAC9-9DCBF0145105}" dt="2022-11-08T09:35:08.138" v="75" actId="165"/>
+          <ac:cxnSpMkLst>
+            <pc:docMk/>
+            <pc:sldMk cId="0" sldId="256"/>
+            <ac:cxnSpMk id="97" creationId="{3E89FF69-9E01-CA4D-BAE4-A6377111AB4F}"/>
+          </ac:cxnSpMkLst>
+        </pc:cxnChg>
+        <pc:cxnChg chg="mod">
+          <ac:chgData name="Richard Aubrey White" userId="3de9d349-88be-4931-9e64-c6590894c061" providerId="ADAL" clId="{41902603-BEC2-D546-AAC9-9DCBF0145105}" dt="2022-11-08T09:37:23.066" v="130" actId="1037"/>
+          <ac:cxnSpMkLst>
+            <pc:docMk/>
+            <pc:sldMk cId="0" sldId="256"/>
+            <ac:cxnSpMk id="101" creationId="{C8309C51-1165-3946-A4E8-80AC835B7E21}"/>
+          </ac:cxnSpMkLst>
+        </pc:cxnChg>
+      </pc:sldChg>
     </pc:docChg>
   </pc:docChgLst>
   <pc:docChgLst>
@@ -3253,6 +3702,72 @@
     <p:extLst>
       <p:ext uri="{BB962C8B-B14F-4D97-AF65-F5344CB8AC3E}">
         <p14:creationId xmlns:p14="http://schemas.microsoft.com/office/powerpoint/2010/main" val="664099272"/>
+      </p:ext>
+    </p:extLst>
+  </p:cSld>
+  <p:clrMapOvr>
+    <a:masterClrMapping/>
+  </p:clrMapOvr>
+</p:notes>
+</file>
+
+<file path=ppt/notesSlides/notesSlide2.xml><?xml version="1.0" encoding="utf-8"?>
+<p:notes xmlns:a="http://schemas.openxmlformats.org/drawingml/2006/main" xmlns:r="http://schemas.openxmlformats.org/officeDocument/2006/relationships" xmlns:p="http://schemas.openxmlformats.org/presentationml/2006/main">
+  <p:cSld>
+    <p:spTree>
+      <p:nvGrpSpPr>
+        <p:cNvPr id="1" name=""/>
+        <p:cNvGrpSpPr/>
+        <p:nvPr/>
+      </p:nvGrpSpPr>
+      <p:grpSpPr>
+        <a:xfrm>
+          <a:off x="0" y="0"/>
+          <a:ext cx="0" cy="0"/>
+          <a:chOff x="0" y="0"/>
+          <a:chExt cx="0" cy="0"/>
+        </a:xfrm>
+      </p:grpSpPr>
+      <p:sp>
+        <p:nvSpPr>
+          <p:cNvPr id="2" name="Slide Image Placeholder 1"/>
+          <p:cNvSpPr>
+            <a:spLocks noGrp="1" noRot="1" noChangeAspect="1"/>
+          </p:cNvSpPr>
+          <p:nvPr>
+            <p:ph type="sldImg"/>
+          </p:nvPr>
+        </p:nvSpPr>
+        <p:spPr>
+          <a:xfrm>
+            <a:off x="1209675" y="685800"/>
+            <a:ext cx="4438650" cy="3429000"/>
+          </a:xfrm>
+        </p:spPr>
+      </p:sp>
+      <p:sp>
+        <p:nvSpPr>
+          <p:cNvPr id="3" name="Notes Placeholder 2"/>
+          <p:cNvSpPr>
+            <a:spLocks noGrp="1"/>
+          </p:cNvSpPr>
+          <p:nvPr>
+            <p:ph type="body" idx="1"/>
+          </p:nvPr>
+        </p:nvSpPr>
+        <p:spPr/>
+        <p:txBody>
+          <a:bodyPr/>
+          <a:lstStyle/>
+          <a:p>
+            <a:endParaRPr lang="en-NO" dirty="0"/>
+          </a:p>
+        </p:txBody>
+      </p:sp>
+    </p:spTree>
+    <p:extLst>
+      <p:ext uri="{BB962C8B-B14F-4D97-AF65-F5344CB8AC3E}">
+        <p14:creationId xmlns:p14="http://schemas.microsoft.com/office/powerpoint/2010/main" val="1638828609"/>
       </p:ext>
     </p:extLst>
   </p:cSld>
@@ -4901,7 +5416,7 @@
           </a:ln>
           <a:extLst>
             <a:ext uri="{C572A759-6A51-4108-AA02-DFA0A04FC94B}">
-              <ma14:wrappingTextBoxFlag xmlns:ma14="http://schemas.microsoft.com/office/mac/drawingml/2011/main" xmlns:a14="http://schemas.microsoft.com/office/drawing/2010/main" xmlns:m="http://schemas.openxmlformats.org/officeDocument/2006/math" xmlns="" val="1"/>
+              <ma14:wrappingTextBoxFlag xmlns="" xmlns:m="http://schemas.openxmlformats.org/officeDocument/2006/math" xmlns:a14="http://schemas.microsoft.com/office/drawing/2010/main" xmlns:ma14="http://schemas.microsoft.com/office/mac/drawingml/2011/main" val="1"/>
             </a:ext>
           </a:extLst>
         </p:spPr>
@@ -4940,7 +5455,7 @@
           </a:ln>
           <a:extLst>
             <a:ext uri="{C572A759-6A51-4108-AA02-DFA0A04FC94B}">
-              <ma14:wrappingTextBoxFlag xmlns:ma14="http://schemas.microsoft.com/office/mac/drawingml/2011/main" xmlns:a14="http://schemas.microsoft.com/office/drawing/2010/main" xmlns:m="http://schemas.openxmlformats.org/officeDocument/2006/math" xmlns="" val="1"/>
+              <ma14:wrappingTextBoxFlag xmlns="" xmlns:m="http://schemas.openxmlformats.org/officeDocument/2006/math" xmlns:a14="http://schemas.microsoft.com/office/drawing/2010/main" xmlns:ma14="http://schemas.microsoft.com/office/mac/drawingml/2011/main" val="1"/>
             </a:ext>
           </a:extLst>
         </p:spPr>
@@ -6010,8 +6525,8 @@
           <a:lstStyle/>
           <a:p>
             <a:r>
-              <a:rPr lang="en-US" dirty="0"/>
-              <a:t>splverse</a:t>
+              <a:rPr lang="en-US" dirty="0" err="1"/>
+              <a:t>csverse</a:t>
             </a:r>
             <a:endParaRPr dirty="0"/>
           </a:p>
@@ -6036,7 +6551,7 @@
           </a:ln>
           <a:extLst>
             <a:ext uri="{C572A759-6A51-4108-AA02-DFA0A04FC94B}">
-              <ma14:wrappingTextBoxFlag xmlns:ma14="http://schemas.microsoft.com/office/mac/drawingml/2011/main" xmlns:a14="http://schemas.microsoft.com/office/drawing/2010/main" xmlns:m="http://schemas.openxmlformats.org/officeDocument/2006/math" xmlns="" val="1"/>
+              <ma14:wrappingTextBoxFlag xmlns="" xmlns:m="http://schemas.openxmlformats.org/officeDocument/2006/math" xmlns:a14="http://schemas.microsoft.com/office/drawing/2010/main" xmlns:ma14="http://schemas.microsoft.com/office/mac/drawingml/2011/main" val="1"/>
             </a:ext>
           </a:extLst>
         </p:spPr>
@@ -6075,7 +6590,15 @@
             </a:r>
             <a:r>
               <a:rPr lang="en-US" sz="1800" dirty="0"/>
-              <a:t>   sykdomspulsen@fhi.no   </a:t>
+              <a:t>   </a:t>
+            </a:r>
+            <a:r>
+              <a:rPr lang="en-US" sz="1800" dirty="0" err="1"/>
+              <a:t>hello@csids.no</a:t>
+            </a:r>
+            <a:r>
+              <a:rPr lang="en-US" sz="1800" dirty="0"/>
+              <a:t>   </a:t>
             </a:r>
             <a:r>
               <a:rPr sz="1800" dirty="0"/>
@@ -6090,8 +6613,16 @@
               <a:t>Learn more at </a:t>
             </a:r>
             <a:r>
+              <a:rPr lang="en-US" sz="1800" dirty="0" err="1"/>
+              <a:t>csids.no</a:t>
+            </a:r>
+            <a:r>
               <a:rPr lang="en-US" sz="1800" dirty="0"/>
-              <a:t>docs.sykdomspulsen.no/packages</a:t>
+              <a:t>/</a:t>
+            </a:r>
+            <a:r>
+              <a:rPr lang="en-US" sz="1800" dirty="0" err="1"/>
+              <a:t>packages.html</a:t>
             </a:r>
             <a:r>
               <a:rPr sz="1800" dirty="0"/>
@@ -6115,7 +6646,7 @@
             </a:r>
             <a:r>
               <a:rPr lang="en-US" sz="1800" dirty="0"/>
-              <a:t>10-04</a:t>
+              <a:t>11-17</a:t>
             </a:r>
             <a:endParaRPr sz="1800" dirty="0"/>
           </a:p>
@@ -6136,51 +6667,20 @@
           <p:nvPr/>
         </p:nvPicPr>
         <p:blipFill>
-          <a:blip r:embed="rId4"/>
-          <a:stretch>
-            <a:fillRect/>
-          </a:stretch>
-        </p:blipFill>
-        <p:spPr>
-          <a:xfrm>
-            <a:off x="103158" y="8897509"/>
-            <a:ext cx="1555408" cy="1800000"/>
-          </a:xfrm>
-          <a:prstGeom prst="rect">
-            <a:avLst/>
-          </a:prstGeom>
-        </p:spPr>
-      </p:pic>
-      <p:pic>
-        <p:nvPicPr>
-          <p:cNvPr id="5" name="Picture 4" descr="A picture containing text, sign&#10;&#10;Description automatically generated">
-            <a:extLst>
-              <a:ext uri="{FF2B5EF4-FFF2-40B4-BE49-F238E27FC236}">
-                <a16:creationId xmlns:a16="http://schemas.microsoft.com/office/drawing/2014/main" id="{52D06409-339A-5440-AD40-A78B5A673373}"/>
-              </a:ext>
-            </a:extLst>
-          </p:cNvPr>
-          <p:cNvPicPr>
-            <a:picLocks noChangeAspect="1"/>
-          </p:cNvPicPr>
-          <p:nvPr/>
-        </p:nvPicPr>
-        <p:blipFill>
-          <a:blip r:embed="rId5">
+          <a:blip r:embed="rId4">
             <a:extLst>
               <a:ext uri="{28A0092B-C50C-407E-A947-70E740481C1C}">
                 <a14:useLocalDpi xmlns:a14="http://schemas.microsoft.com/office/drawing/2010/main" val="0"/>
               </a:ext>
             </a:extLst>
           </a:blip>
-          <a:stretch>
-            <a:fillRect/>
-          </a:stretch>
+          <a:srcRect/>
+          <a:stretch/>
         </p:blipFill>
         <p:spPr>
           <a:xfrm>
-            <a:off x="8207273" y="1368859"/>
-            <a:ext cx="1243636" cy="1440000"/>
+            <a:off x="103158" y="8900158"/>
+            <a:ext cx="1555408" cy="1794701"/>
           </a:xfrm>
           <a:prstGeom prst="rect">
             <a:avLst/>
@@ -6189,10 +6689,10 @@
       </p:pic>
       <p:grpSp>
         <p:nvGrpSpPr>
-          <p:cNvPr id="33" name="Group 32">
+          <p:cNvPr id="39" name="Group 38">
             <a:extLst>
               <a:ext uri="{FF2B5EF4-FFF2-40B4-BE49-F238E27FC236}">
-                <a16:creationId xmlns:a16="http://schemas.microsoft.com/office/drawing/2014/main" id="{183D0709-BA06-5747-B77F-B3FC45315D20}"/>
+                <a16:creationId xmlns:a16="http://schemas.microsoft.com/office/drawing/2014/main" id="{DC34FC81-BB57-02D3-CE9C-89F7E7EAFEBB}"/>
               </a:ext>
             </a:extLst>
           </p:cNvPr>
@@ -6201,15 +6701,15 @@
         </p:nvGrpSpPr>
         <p:grpSpPr>
           <a:xfrm>
-            <a:off x="3447347" y="262549"/>
+            <a:off x="5428543" y="262549"/>
             <a:ext cx="3070760" cy="3649033"/>
-            <a:chOff x="4378495" y="479852"/>
+            <a:chOff x="3447347" y="262549"/>
             <a:chExt cx="3070760" cy="3649033"/>
           </a:xfrm>
         </p:grpSpPr>
         <p:pic>
           <p:nvPicPr>
-            <p:cNvPr id="196" name="Picture 195" descr="A picture containing text, sign&#10;&#10;Description automatically generated">
+            <p:cNvPr id="196" name="Picture 195">
               <a:extLst>
                 <a:ext uri="{FF2B5EF4-FFF2-40B4-BE49-F238E27FC236}">
                   <a16:creationId xmlns:a16="http://schemas.microsoft.com/office/drawing/2014/main" id="{C88FFDAE-9049-C741-BC00-134962EC79F7}"/>
@@ -6222,15 +6722,20 @@
             <p:nvPr/>
           </p:nvPicPr>
           <p:blipFill>
-            <a:blip r:embed="rId6"/>
-            <a:stretch>
-              <a:fillRect/>
-            </a:stretch>
+            <a:blip r:embed="rId5">
+              <a:extLst>
+                <a:ext uri="{28A0092B-C50C-407E-A947-70E740481C1C}">
+                  <a14:useLocalDpi xmlns:a14="http://schemas.microsoft.com/office/drawing/2010/main" val="0"/>
+                </a:ext>
+              </a:extLst>
+            </a:blip>
+            <a:srcRect/>
+            <a:stretch/>
           </p:blipFill>
           <p:spPr>
             <a:xfrm>
-              <a:off x="6067661" y="1951728"/>
-              <a:ext cx="1243636" cy="1440000"/>
+              <a:off x="5136513" y="1736943"/>
+              <a:ext cx="1243636" cy="1434964"/>
             </a:xfrm>
             <a:prstGeom prst="rect">
               <a:avLst/>
@@ -6239,10 +6744,45 @@
         </p:pic>
         <p:pic>
           <p:nvPicPr>
-            <p:cNvPr id="6" name="Picture 5" descr="A picture containing text, sign&#10;&#10;Description automatically generated">
+            <p:cNvPr id="6" name="Picture 5">
               <a:extLst>
                 <a:ext uri="{FF2B5EF4-FFF2-40B4-BE49-F238E27FC236}">
                   <a16:creationId xmlns:a16="http://schemas.microsoft.com/office/drawing/2014/main" id="{81A8D09D-EBB5-364E-B607-6D63E12085D5}"/>
+                </a:ext>
+              </a:extLst>
+            </p:cNvPr>
+            <p:cNvPicPr>
+              <a:picLocks noChangeAspect="1"/>
+            </p:cNvPicPr>
+            <p:nvPr/>
+          </p:nvPicPr>
+          <p:blipFill>
+            <a:blip r:embed="rId6">
+              <a:extLst>
+                <a:ext uri="{28A0092B-C50C-407E-A947-70E740481C1C}">
+                  <a14:useLocalDpi xmlns:a14="http://schemas.microsoft.com/office/drawing/2010/main" val="0"/>
+                </a:ext>
+              </a:extLst>
+            </a:blip>
+            <a:srcRect/>
+            <a:stretch/>
+          </p:blipFill>
+          <p:spPr>
+            <a:xfrm>
+              <a:off x="3585305" y="1736943"/>
+              <a:ext cx="1243636" cy="1434964"/>
+            </a:xfrm>
+            <a:prstGeom prst="rect">
+              <a:avLst/>
+            </a:prstGeom>
+          </p:spPr>
+        </p:pic>
+        <p:pic>
+          <p:nvPicPr>
+            <p:cNvPr id="7" name="Picture 6">
+              <a:extLst>
+                <a:ext uri="{FF2B5EF4-FFF2-40B4-BE49-F238E27FC236}">
+                  <a16:creationId xmlns:a16="http://schemas.microsoft.com/office/drawing/2014/main" id="{C2630B92-4EE7-7543-8C69-1098641035D6}"/>
                 </a:ext>
               </a:extLst>
             </p:cNvPr>
@@ -6259,50 +6799,13 @@
                 </a:ext>
               </a:extLst>
             </a:blip>
-            <a:stretch>
-              <a:fillRect/>
-            </a:stretch>
+            <a:srcRect/>
+            <a:stretch/>
           </p:blipFill>
           <p:spPr>
             <a:xfrm>
-              <a:off x="4516453" y="1951728"/>
-              <a:ext cx="1243636" cy="1440000"/>
-            </a:xfrm>
-            <a:prstGeom prst="rect">
-              <a:avLst/>
-            </a:prstGeom>
-          </p:spPr>
-        </p:pic>
-        <p:pic>
-          <p:nvPicPr>
-            <p:cNvPr id="7" name="Picture 6" descr="A picture containing text, sign, outdoor&#10;&#10;Description automatically generated">
-              <a:extLst>
-                <a:ext uri="{FF2B5EF4-FFF2-40B4-BE49-F238E27FC236}">
-                  <a16:creationId xmlns:a16="http://schemas.microsoft.com/office/drawing/2014/main" id="{C2630B92-4EE7-7543-8C69-1098641035D6}"/>
-                </a:ext>
-              </a:extLst>
-            </p:cNvPr>
-            <p:cNvPicPr>
-              <a:picLocks noChangeAspect="1"/>
-            </p:cNvPicPr>
-            <p:nvPr/>
-          </p:nvPicPr>
-          <p:blipFill>
-            <a:blip r:embed="rId8">
-              <a:extLst>
-                <a:ext uri="{28A0092B-C50C-407E-A947-70E740481C1C}">
-                  <a14:useLocalDpi xmlns:a14="http://schemas.microsoft.com/office/drawing/2010/main" val="0"/>
-                </a:ext>
-              </a:extLst>
-            </a:blip>
-            <a:stretch>
-              <a:fillRect/>
-            </a:stretch>
-          </p:blipFill>
-          <p:spPr>
-            <a:xfrm>
-              <a:off x="5292057" y="637348"/>
-              <a:ext cx="1243636" cy="1440000"/>
+              <a:off x="4360909" y="422563"/>
+              <a:ext cx="1243636" cy="1434964"/>
             </a:xfrm>
             <a:prstGeom prst="rect">
               <a:avLst/>
@@ -6323,7 +6826,7 @@
           </p:nvSpPr>
           <p:spPr>
             <a:xfrm>
-              <a:off x="4378495" y="479852"/>
+              <a:off x="3447347" y="262549"/>
               <a:ext cx="3070760" cy="3649033"/>
             </a:xfrm>
             <a:prstGeom prst="rect">
@@ -6404,7 +6907,7 @@
           </p:nvSpPr>
           <p:spPr>
             <a:xfrm>
-              <a:off x="4378495" y="3796494"/>
+              <a:off x="3447347" y="3579191"/>
               <a:ext cx="3070760" cy="332390"/>
             </a:xfrm>
             <a:prstGeom prst="rect">
@@ -6474,10 +6977,45 @@
       </p:grpSp>
       <p:pic>
         <p:nvPicPr>
-          <p:cNvPr id="62" name="Picture 61">
+          <p:cNvPr id="80" name="Picture 79">
             <a:extLst>
               <a:ext uri="{FF2B5EF4-FFF2-40B4-BE49-F238E27FC236}">
-                <a16:creationId xmlns:a16="http://schemas.microsoft.com/office/drawing/2014/main" id="{4D9173B3-F66E-B048-85A1-6F041094453F}"/>
+                <a16:creationId xmlns:a16="http://schemas.microsoft.com/office/drawing/2014/main" id="{A62F2743-4EA6-5441-B98B-49E2BC568B46}"/>
+              </a:ext>
+            </a:extLst>
+          </p:cNvPr>
+          <p:cNvPicPr>
+            <a:picLocks noChangeAspect="1"/>
+          </p:cNvPicPr>
+          <p:nvPr/>
+        </p:nvPicPr>
+        <p:blipFill>
+          <a:blip r:embed="rId8">
+            <a:extLst>
+              <a:ext uri="{28A0092B-C50C-407E-A947-70E740481C1C}">
+                <a14:useLocalDpi xmlns:a14="http://schemas.microsoft.com/office/drawing/2010/main" val="0"/>
+              </a:ext>
+            </a:extLst>
+          </a:blip>
+          <a:srcRect/>
+          <a:stretch/>
+        </p:blipFill>
+        <p:spPr>
+          <a:xfrm>
+            <a:off x="11141338" y="4964709"/>
+            <a:ext cx="1248000" cy="1440000"/>
+          </a:xfrm>
+          <a:prstGeom prst="rect">
+            <a:avLst/>
+          </a:prstGeom>
+        </p:spPr>
+      </p:pic>
+      <p:pic>
+        <p:nvPicPr>
+          <p:cNvPr id="81" name="Picture 80">
+            <a:extLst>
+              <a:ext uri="{FF2B5EF4-FFF2-40B4-BE49-F238E27FC236}">
+                <a16:creationId xmlns:a16="http://schemas.microsoft.com/office/drawing/2014/main" id="{D11E8276-6AC3-1443-A78D-811E2BBA6D5E}"/>
               </a:ext>
             </a:extLst>
           </p:cNvPr>
@@ -6499,78 +7037,8 @@
         </p:blipFill>
         <p:spPr>
           <a:xfrm>
-            <a:off x="7136541" y="6245014"/>
-            <a:ext cx="1250527" cy="1440000"/>
-          </a:xfrm>
-          <a:prstGeom prst="rect">
-            <a:avLst/>
-          </a:prstGeom>
-        </p:spPr>
-      </p:pic>
-      <p:pic>
-        <p:nvPicPr>
-          <p:cNvPr id="63" name="Picture 62">
-            <a:extLst>
-              <a:ext uri="{FF2B5EF4-FFF2-40B4-BE49-F238E27FC236}">
-                <a16:creationId xmlns:a16="http://schemas.microsoft.com/office/drawing/2014/main" id="{0E5BDF93-3D66-CA4B-B5B5-345329776071}"/>
-              </a:ext>
-            </a:extLst>
-          </p:cNvPr>
-          <p:cNvPicPr>
-            <a:picLocks noChangeAspect="1"/>
-          </p:cNvPicPr>
-          <p:nvPr/>
-        </p:nvPicPr>
-        <p:blipFill>
-          <a:blip r:embed="rId10">
-            <a:extLst>
-              <a:ext uri="{28A0092B-C50C-407E-A947-70E740481C1C}">
-                <a14:useLocalDpi xmlns:a14="http://schemas.microsoft.com/office/drawing/2010/main" val="0"/>
-              </a:ext>
-            </a:extLst>
-          </a:blip>
-          <a:srcRect/>
-          <a:stretch/>
-        </p:blipFill>
-        <p:spPr>
-          <a:xfrm>
-            <a:off x="5585333" y="6245014"/>
-            <a:ext cx="1250527" cy="1440000"/>
-          </a:xfrm>
-          <a:prstGeom prst="rect">
-            <a:avLst/>
-          </a:prstGeom>
-        </p:spPr>
-      </p:pic>
-      <p:pic>
-        <p:nvPicPr>
-          <p:cNvPr id="64" name="Picture 63">
-            <a:extLst>
-              <a:ext uri="{FF2B5EF4-FFF2-40B4-BE49-F238E27FC236}">
-                <a16:creationId xmlns:a16="http://schemas.microsoft.com/office/drawing/2014/main" id="{AF2C97DD-C15D-FC45-AF16-D4CB119459EF}"/>
-              </a:ext>
-            </a:extLst>
-          </p:cNvPr>
-          <p:cNvPicPr>
-            <a:picLocks noChangeAspect="1"/>
-          </p:cNvPicPr>
-          <p:nvPr/>
-        </p:nvPicPr>
-        <p:blipFill>
-          <a:blip r:embed="rId11">
-            <a:extLst>
-              <a:ext uri="{28A0092B-C50C-407E-A947-70E740481C1C}">
-                <a14:useLocalDpi xmlns:a14="http://schemas.microsoft.com/office/drawing/2010/main" val="0"/>
-              </a:ext>
-            </a:extLst>
-          </a:blip>
-          <a:srcRect/>
-          <a:stretch/>
-        </p:blipFill>
-        <p:spPr>
-          <a:xfrm>
-            <a:off x="6360937" y="4930634"/>
-            <a:ext cx="1250527" cy="1440000"/>
+            <a:off x="9590130" y="4964709"/>
+            <a:ext cx="1248000" cy="1440000"/>
           </a:xfrm>
           <a:prstGeom prst="rect">
             <a:avLst/>
@@ -6579,20 +7047,22 @@
       </p:pic>
       <p:sp>
         <p:nvSpPr>
-          <p:cNvPr id="65" name="Rectangle 64">
+          <p:cNvPr id="83" name="Rectangle 82">
             <a:extLst>
               <a:ext uri="{FF2B5EF4-FFF2-40B4-BE49-F238E27FC236}">
-                <a16:creationId xmlns:a16="http://schemas.microsoft.com/office/drawing/2014/main" id="{E6836A9A-4741-3440-A7A5-441F532606C7}"/>
+                <a16:creationId xmlns:a16="http://schemas.microsoft.com/office/drawing/2014/main" id="{76D9184C-5AE8-E240-8A90-F6E7A2D65A32}"/>
               </a:ext>
             </a:extLst>
           </p:cNvPr>
-          <p:cNvSpPr/>
+          <p:cNvSpPr>
+            <a:spLocks/>
+          </p:cNvSpPr>
           <p:nvPr/>
         </p:nvSpPr>
         <p:spPr>
           <a:xfrm>
-            <a:off x="5447375" y="4769171"/>
-            <a:ext cx="3070760" cy="5040000"/>
+            <a:off x="9450909" y="4769019"/>
+            <a:ext cx="3070760" cy="2376000"/>
           </a:xfrm>
           <a:prstGeom prst="rect">
             <a:avLst/>
@@ -6660,10 +7130,10 @@
       </p:sp>
       <p:sp>
         <p:nvSpPr>
-          <p:cNvPr id="66" name="Rectangle 65">
+          <p:cNvPr id="84" name="Rectangle 83">
             <a:extLst>
               <a:ext uri="{FF2B5EF4-FFF2-40B4-BE49-F238E27FC236}">
-                <a16:creationId xmlns:a16="http://schemas.microsoft.com/office/drawing/2014/main" id="{85AEB998-A796-584A-BDEA-4F88B9644EF6}"/>
+                <a16:creationId xmlns:a16="http://schemas.microsoft.com/office/drawing/2014/main" id="{D72FEFDD-870A-274D-9674-C06706A735EF}"/>
               </a:ext>
             </a:extLst>
           </p:cNvPr>
@@ -6672,7 +7142,7 @@
         </p:nvSpPr>
         <p:spPr>
           <a:xfrm>
-            <a:off x="5447375" y="9472819"/>
+            <a:off x="9450909" y="6805509"/>
             <a:ext cx="3070760" cy="332390"/>
           </a:xfrm>
           <a:prstGeom prst="rect">
@@ -6734,17 +7204,333 @@
                 <a:ea typeface="Source Sans Pro" panose="020B0503030403020204" pitchFamily="34" charset="0"/>
                 <a:sym typeface="Source Sans Pro"/>
               </a:rPr>
-              <a:t>Helper functions</a:t>
+              <a:t>Structural data</a:t>
             </a:r>
           </a:p>
         </p:txBody>
       </p:sp>
       <p:cxnSp>
         <p:nvCxnSpPr>
-          <p:cNvPr id="67" name="Straight Arrow Connector 66">
+          <p:cNvPr id="85" name="Straight Arrow Connector 84">
             <a:extLst>
               <a:ext uri="{FF2B5EF4-FFF2-40B4-BE49-F238E27FC236}">
-                <a16:creationId xmlns:a16="http://schemas.microsoft.com/office/drawing/2014/main" id="{FDFF7B8F-CE9B-C845-9D24-2FF0C3EC91F2}"/>
+                <a16:creationId xmlns:a16="http://schemas.microsoft.com/office/drawing/2014/main" id="{91FD70C7-57E3-C844-A1FD-2DBAFE2F7136}"/>
+              </a:ext>
+            </a:extLst>
+          </p:cNvPr>
+          <p:cNvCxnSpPr>
+            <a:cxnSpLocks/>
+            <a:stCxn id="81" idx="3"/>
+            <a:endCxn id="80" idx="1"/>
+          </p:cNvCxnSpPr>
+          <p:nvPr/>
+        </p:nvCxnSpPr>
+        <p:spPr>
+          <a:xfrm>
+            <a:off x="10839393" y="5684709"/>
+            <a:ext cx="300682" cy="0"/>
+          </a:xfrm>
+          <a:prstGeom prst="straightConnector1">
+            <a:avLst/>
+          </a:prstGeom>
+          <a:noFill/>
+          <a:ln w="47625" cap="flat">
+            <a:solidFill>
+              <a:srgbClr val="77B6CD"/>
+            </a:solidFill>
+            <a:prstDash val="solid"/>
+            <a:miter lim="400000"/>
+            <a:tailEnd type="triangle"/>
+          </a:ln>
+          <a:effectLst/>
+          <a:sp3d/>
+        </p:spPr>
+        <p:style>
+          <a:lnRef idx="0">
+            <a:scrgbClr r="0" g="0" b="0"/>
+          </a:lnRef>
+          <a:fillRef idx="0">
+            <a:scrgbClr r="0" g="0" b="0"/>
+          </a:fillRef>
+          <a:effectRef idx="0">
+            <a:scrgbClr r="0" g="0" b="0"/>
+          </a:effectRef>
+          <a:fontRef idx="none"/>
+        </p:style>
+      </p:cxnSp>
+      <p:pic>
+        <p:nvPicPr>
+          <p:cNvPr id="92" name="Picture 91">
+            <a:extLst>
+              <a:ext uri="{FF2B5EF4-FFF2-40B4-BE49-F238E27FC236}">
+                <a16:creationId xmlns:a16="http://schemas.microsoft.com/office/drawing/2014/main" id="{A0478B1B-D63C-5848-B819-7444185363E3}"/>
+              </a:ext>
+            </a:extLst>
+          </p:cNvPr>
+          <p:cNvPicPr>
+            <a:picLocks noChangeAspect="1"/>
+          </p:cNvPicPr>
+          <p:nvPr/>
+        </p:nvPicPr>
+        <p:blipFill>
+          <a:blip r:embed="rId10">
+            <a:extLst>
+              <a:ext uri="{28A0092B-C50C-407E-A947-70E740481C1C}">
+                <a14:useLocalDpi xmlns:a14="http://schemas.microsoft.com/office/drawing/2010/main" val="0"/>
+              </a:ext>
+            </a:extLst>
+          </a:blip>
+          <a:srcRect/>
+          <a:stretch/>
+        </p:blipFill>
+        <p:spPr>
+          <a:xfrm>
+            <a:off x="3142813" y="6245014"/>
+            <a:ext cx="1248000" cy="1440000"/>
+          </a:xfrm>
+          <a:prstGeom prst="rect">
+            <a:avLst/>
+          </a:prstGeom>
+        </p:spPr>
+      </p:pic>
+      <p:pic>
+        <p:nvPicPr>
+          <p:cNvPr id="93" name="Picture 92">
+            <a:extLst>
+              <a:ext uri="{FF2B5EF4-FFF2-40B4-BE49-F238E27FC236}">
+                <a16:creationId xmlns:a16="http://schemas.microsoft.com/office/drawing/2014/main" id="{7BDC8363-9D2E-1E44-8F01-6BDBC18401D7}"/>
+              </a:ext>
+            </a:extLst>
+          </p:cNvPr>
+          <p:cNvPicPr>
+            <a:picLocks noChangeAspect="1"/>
+          </p:cNvPicPr>
+          <p:nvPr/>
+        </p:nvPicPr>
+        <p:blipFill>
+          <a:blip r:embed="rId11">
+            <a:extLst>
+              <a:ext uri="{28A0092B-C50C-407E-A947-70E740481C1C}">
+                <a14:useLocalDpi xmlns:a14="http://schemas.microsoft.com/office/drawing/2010/main" val="0"/>
+              </a:ext>
+            </a:extLst>
+          </a:blip>
+          <a:srcRect/>
+          <a:stretch/>
+        </p:blipFill>
+        <p:spPr>
+          <a:xfrm>
+            <a:off x="1596658" y="6250844"/>
+            <a:ext cx="1237894" cy="1428339"/>
+          </a:xfrm>
+          <a:prstGeom prst="rect">
+            <a:avLst/>
+          </a:prstGeom>
+        </p:spPr>
+      </p:pic>
+      <p:pic>
+        <p:nvPicPr>
+          <p:cNvPr id="94" name="Picture 93">
+            <a:extLst>
+              <a:ext uri="{FF2B5EF4-FFF2-40B4-BE49-F238E27FC236}">
+                <a16:creationId xmlns:a16="http://schemas.microsoft.com/office/drawing/2014/main" id="{D0C97CB8-C253-9E41-9039-FE80EBD18828}"/>
+              </a:ext>
+            </a:extLst>
+          </p:cNvPr>
+          <p:cNvPicPr>
+            <a:picLocks noChangeAspect="1"/>
+          </p:cNvPicPr>
+          <p:nvPr/>
+        </p:nvPicPr>
+        <p:blipFill>
+          <a:blip r:embed="rId12">
+            <a:extLst>
+              <a:ext uri="{28A0092B-C50C-407E-A947-70E740481C1C}">
+                <a14:useLocalDpi xmlns:a14="http://schemas.microsoft.com/office/drawing/2010/main" val="0"/>
+              </a:ext>
+            </a:extLst>
+          </a:blip>
+          <a:srcRect/>
+          <a:stretch/>
+        </p:blipFill>
+        <p:spPr>
+          <a:xfrm>
+            <a:off x="2367209" y="4930634"/>
+            <a:ext cx="1248000" cy="1440000"/>
+          </a:xfrm>
+          <a:prstGeom prst="rect">
+            <a:avLst/>
+          </a:prstGeom>
+        </p:spPr>
+      </p:pic>
+      <p:sp>
+        <p:nvSpPr>
+          <p:cNvPr id="95" name="Rectangle 94">
+            <a:extLst>
+              <a:ext uri="{FF2B5EF4-FFF2-40B4-BE49-F238E27FC236}">
+                <a16:creationId xmlns:a16="http://schemas.microsoft.com/office/drawing/2014/main" id="{123E91B2-F409-F14F-B8F3-6CAEAC43CC3B}"/>
+              </a:ext>
+            </a:extLst>
+          </p:cNvPr>
+          <p:cNvSpPr/>
+          <p:nvPr/>
+        </p:nvSpPr>
+        <p:spPr>
+          <a:xfrm>
+            <a:off x="1452384" y="4769172"/>
+            <a:ext cx="3070760" cy="3649033"/>
+          </a:xfrm>
+          <a:prstGeom prst="rect">
+            <a:avLst/>
+          </a:prstGeom>
+          <a:noFill/>
+          <a:ln w="38100" cap="flat">
+            <a:solidFill>
+              <a:srgbClr val="77B6CD"/>
+            </a:solidFill>
+            <a:miter lim="400000"/>
+          </a:ln>
+          <a:effectLst/>
+          <a:sp3d/>
+        </p:spPr>
+        <p:style>
+          <a:lnRef idx="0">
+            <a:scrgbClr r="0" g="0" b="0"/>
+          </a:lnRef>
+          <a:fillRef idx="0">
+            <a:scrgbClr r="0" g="0" b="0"/>
+          </a:fillRef>
+          <a:effectRef idx="0">
+            <a:scrgbClr r="0" g="0" b="0"/>
+          </a:effectRef>
+          <a:fontRef idx="none"/>
+        </p:style>
+        <p:txBody>
+          <a:bodyPr rot="0" spcFirstLastPara="1" vertOverflow="overflow" horzOverflow="overflow" vert="horz" wrap="square" lIns="54570" tIns="54570" rIns="54570" bIns="54570" numCol="1" spcCol="38100" rtlCol="0" anchor="ctr">
+            <a:spAutoFit/>
+          </a:bodyPr>
+          <a:lstStyle/>
+          <a:p>
+            <a:pPr marL="0" marR="0" indent="0" algn="l" defTabSz="584200" rtl="0" fontAlgn="auto" latinLnBrk="0" hangingPunct="0">
+              <a:lnSpc>
+                <a:spcPct val="80000"/>
+              </a:lnSpc>
+              <a:spcBef>
+                <a:spcPts val="0"/>
+              </a:spcBef>
+              <a:spcAft>
+                <a:spcPts val="0"/>
+              </a:spcAft>
+              <a:buClrTx/>
+              <a:buSzTx/>
+              <a:buFontTx/>
+              <a:buNone/>
+              <a:tabLst/>
+            </a:pPr>
+            <a:endParaRPr kumimoji="0" lang="en-NO" sz="1200" b="0" i="0" u="none" strike="noStrike" cap="none" spc="0" normalizeH="0" baseline="0">
+              <a:ln>
+                <a:noFill/>
+              </a:ln>
+              <a:solidFill>
+                <a:srgbClr val="000000"/>
+              </a:solidFill>
+              <a:effectLst/>
+              <a:uFillTx/>
+              <a:latin typeface="Source Sans Pro"/>
+              <a:ea typeface="Source Sans Pro"/>
+              <a:cs typeface="Source Sans Pro"/>
+              <a:sym typeface="Source Sans Pro"/>
+            </a:endParaRPr>
+          </a:p>
+        </p:txBody>
+      </p:sp>
+      <p:sp>
+        <p:nvSpPr>
+          <p:cNvPr id="96" name="Rectangle 95">
+            <a:extLst>
+              <a:ext uri="{FF2B5EF4-FFF2-40B4-BE49-F238E27FC236}">
+                <a16:creationId xmlns:a16="http://schemas.microsoft.com/office/drawing/2014/main" id="{28106873-9E8B-8541-805F-0512A79BA33B}"/>
+              </a:ext>
+            </a:extLst>
+          </p:cNvPr>
+          <p:cNvSpPr/>
+          <p:nvPr/>
+        </p:nvSpPr>
+        <p:spPr>
+          <a:xfrm>
+            <a:off x="1452384" y="7858932"/>
+            <a:ext cx="3070760" cy="553404"/>
+          </a:xfrm>
+          <a:prstGeom prst="rect">
+            <a:avLst/>
+          </a:prstGeom>
+          <a:noFill/>
+          <a:ln w="12700" cap="flat">
+            <a:noFill/>
+            <a:miter lim="400000"/>
+          </a:ln>
+          <a:effectLst/>
+          <a:sp3d/>
+        </p:spPr>
+        <p:style>
+          <a:lnRef idx="0">
+            <a:scrgbClr r="0" g="0" b="0"/>
+          </a:lnRef>
+          <a:fillRef idx="0">
+            <a:scrgbClr r="0" g="0" b="0"/>
+          </a:fillRef>
+          <a:effectRef idx="0">
+            <a:scrgbClr r="0" g="0" b="0"/>
+          </a:effectRef>
+          <a:fontRef idx="none"/>
+        </p:style>
+        <p:txBody>
+          <a:bodyPr rot="0" spcFirstLastPara="1" vertOverflow="overflow" horzOverflow="overflow" vert="horz" wrap="square" lIns="54570" tIns="54570" rIns="54570" bIns="54570" numCol="1" spcCol="38100" rtlCol="0" anchor="ctr">
+            <a:spAutoFit/>
+          </a:bodyPr>
+          <a:lstStyle/>
+          <a:p>
+            <a:pPr marL="0" marR="0" indent="0" algn="ctr" defTabSz="584200" rtl="0" fontAlgn="auto" latinLnBrk="0" hangingPunct="0">
+              <a:lnSpc>
+                <a:spcPct val="80000"/>
+              </a:lnSpc>
+              <a:spcBef>
+                <a:spcPts val="0"/>
+              </a:spcBef>
+              <a:spcAft>
+                <a:spcPts val="0"/>
+              </a:spcAft>
+              <a:buClrTx/>
+              <a:buSzTx/>
+              <a:buFontTx/>
+              <a:buNone/>
+              <a:tabLst/>
+            </a:pPr>
+            <a:r>
+              <a:rPr kumimoji="0" lang="en-NO" sz="1800" b="0" i="0" u="none" strike="noStrike" cap="none" spc="0" normalizeH="0" baseline="0" dirty="0">
+                <a:ln>
+                  <a:noFill/>
+                </a:ln>
+                <a:solidFill>
+                  <a:srgbClr val="000000"/>
+                </a:solidFill>
+                <a:effectLst/>
+                <a:uFillTx/>
+                <a:latin typeface="Source Sans Pro" panose="020B0503030403020204" pitchFamily="34" charset="0"/>
+                <a:ea typeface="Source Sans Pro" panose="020B0503030403020204" pitchFamily="34" charset="0"/>
+                <a:sym typeface="Source Sans Pro"/>
+              </a:rPr>
+              <a:t>Analysis planning and file organization</a:t>
+            </a:r>
+          </a:p>
+        </p:txBody>
+      </p:sp>
+      <p:cxnSp>
+        <p:nvCxnSpPr>
+          <p:cNvPr id="97" name="Straight Arrow Connector 96">
+            <a:extLst>
+              <a:ext uri="{FF2B5EF4-FFF2-40B4-BE49-F238E27FC236}">
+                <a16:creationId xmlns:a16="http://schemas.microsoft.com/office/drawing/2014/main" id="{3E89FF69-9E01-CA4D-BAE4-A6377111AB4F}"/>
               </a:ext>
             </a:extLst>
           </p:cNvPr>
@@ -6755,7 +7541,7 @@
         </p:nvCxnSpPr>
         <p:spPr>
           <a:xfrm flipH="1" flipV="1">
-            <a:off x="7280103" y="6175016"/>
+            <a:off x="3285112" y="6175016"/>
             <a:ext cx="164633" cy="229138"/>
           </a:xfrm>
           <a:prstGeom prst="straightConnector1">
@@ -6788,692 +7574,6 @@
       </p:cxnSp>
       <p:cxnSp>
         <p:nvCxnSpPr>
-          <p:cNvPr id="77" name="Straight Arrow Connector 76">
-            <a:extLst>
-              <a:ext uri="{FF2B5EF4-FFF2-40B4-BE49-F238E27FC236}">
-                <a16:creationId xmlns:a16="http://schemas.microsoft.com/office/drawing/2014/main" id="{2225A128-A1DD-9A48-A9FC-BDE9713FF451}"/>
-              </a:ext>
-            </a:extLst>
-          </p:cNvPr>
-          <p:cNvCxnSpPr>
-            <a:cxnSpLocks/>
-          </p:cNvCxnSpPr>
-          <p:nvPr/>
-        </p:nvCxnSpPr>
-        <p:spPr>
-          <a:xfrm flipV="1">
-            <a:off x="6518107" y="6177791"/>
-            <a:ext cx="164633" cy="229138"/>
-          </a:xfrm>
-          <a:prstGeom prst="straightConnector1">
-            <a:avLst/>
-          </a:prstGeom>
-          <a:noFill/>
-          <a:ln w="47625" cap="flat">
-            <a:solidFill>
-              <a:srgbClr val="77B6CD"/>
-            </a:solidFill>
-            <a:prstDash val="solid"/>
-            <a:miter lim="400000"/>
-            <a:tailEnd type="triangle"/>
-          </a:ln>
-          <a:effectLst/>
-          <a:sp3d/>
-        </p:spPr>
-        <p:style>
-          <a:lnRef idx="0">
-            <a:scrgbClr r="0" g="0" b="0"/>
-          </a:lnRef>
-          <a:fillRef idx="0">
-            <a:scrgbClr r="0" g="0" b="0"/>
-          </a:fillRef>
-          <a:effectRef idx="0">
-            <a:scrgbClr r="0" g="0" b="0"/>
-          </a:effectRef>
-          <a:fontRef idx="none"/>
-        </p:style>
-      </p:cxnSp>
-      <p:grpSp>
-        <p:nvGrpSpPr>
-          <p:cNvPr id="57" name="Group 56">
-            <a:extLst>
-              <a:ext uri="{FF2B5EF4-FFF2-40B4-BE49-F238E27FC236}">
-                <a16:creationId xmlns:a16="http://schemas.microsoft.com/office/drawing/2014/main" id="{DC047A3E-8EC1-4D44-A46E-E41B6EBEFF20}"/>
-              </a:ext>
-            </a:extLst>
-          </p:cNvPr>
-          <p:cNvGrpSpPr/>
-          <p:nvPr/>
-        </p:nvGrpSpPr>
-        <p:grpSpPr>
-          <a:xfrm>
-            <a:off x="9450909" y="4769019"/>
-            <a:ext cx="3070760" cy="2376000"/>
-            <a:chOff x="5285913" y="7258793"/>
-            <a:chExt cx="3070760" cy="2376000"/>
-          </a:xfrm>
-        </p:grpSpPr>
-        <p:pic>
-          <p:nvPicPr>
-            <p:cNvPr id="80" name="Picture 79">
-              <a:extLst>
-                <a:ext uri="{FF2B5EF4-FFF2-40B4-BE49-F238E27FC236}">
-                  <a16:creationId xmlns:a16="http://schemas.microsoft.com/office/drawing/2014/main" id="{A62F2743-4EA6-5441-B98B-49E2BC568B46}"/>
-                </a:ext>
-              </a:extLst>
-            </p:cNvPr>
-            <p:cNvPicPr>
-              <a:picLocks noChangeAspect="1"/>
-            </p:cNvPicPr>
-            <p:nvPr/>
-          </p:nvPicPr>
-          <p:blipFill>
-            <a:blip r:embed="rId12">
-              <a:extLst>
-                <a:ext uri="{28A0092B-C50C-407E-A947-70E740481C1C}">
-                  <a14:useLocalDpi xmlns:a14="http://schemas.microsoft.com/office/drawing/2010/main" val="0"/>
-                </a:ext>
-              </a:extLst>
-            </a:blip>
-            <a:srcRect/>
-            <a:stretch/>
-          </p:blipFill>
-          <p:spPr>
-            <a:xfrm>
-              <a:off x="6975079" y="7454483"/>
-              <a:ext cx="1250526" cy="1440000"/>
-            </a:xfrm>
-            <a:prstGeom prst="rect">
-              <a:avLst/>
-            </a:prstGeom>
-          </p:spPr>
-        </p:pic>
-        <p:pic>
-          <p:nvPicPr>
-            <p:cNvPr id="81" name="Picture 80">
-              <a:extLst>
-                <a:ext uri="{FF2B5EF4-FFF2-40B4-BE49-F238E27FC236}">
-                  <a16:creationId xmlns:a16="http://schemas.microsoft.com/office/drawing/2014/main" id="{D11E8276-6AC3-1443-A78D-811E2BBA6D5E}"/>
-                </a:ext>
-              </a:extLst>
-            </p:cNvPr>
-            <p:cNvPicPr>
-              <a:picLocks noChangeAspect="1"/>
-            </p:cNvPicPr>
-            <p:nvPr/>
-          </p:nvPicPr>
-          <p:blipFill>
-            <a:blip r:embed="rId13">
-              <a:extLst>
-                <a:ext uri="{28A0092B-C50C-407E-A947-70E740481C1C}">
-                  <a14:useLocalDpi xmlns:a14="http://schemas.microsoft.com/office/drawing/2010/main" val="0"/>
-                </a:ext>
-              </a:extLst>
-            </a:blip>
-            <a:srcRect/>
-            <a:stretch/>
-          </p:blipFill>
-          <p:spPr>
-            <a:xfrm>
-              <a:off x="5423871" y="7454483"/>
-              <a:ext cx="1250526" cy="1440000"/>
-            </a:xfrm>
-            <a:prstGeom prst="rect">
-              <a:avLst/>
-            </a:prstGeom>
-          </p:spPr>
-        </p:pic>
-        <p:sp>
-          <p:nvSpPr>
-            <p:cNvPr id="83" name="Rectangle 82">
-              <a:extLst>
-                <a:ext uri="{FF2B5EF4-FFF2-40B4-BE49-F238E27FC236}">
-                  <a16:creationId xmlns:a16="http://schemas.microsoft.com/office/drawing/2014/main" id="{76D9184C-5AE8-E240-8A90-F6E7A2D65A32}"/>
-                </a:ext>
-              </a:extLst>
-            </p:cNvPr>
-            <p:cNvSpPr>
-              <a:spLocks/>
-            </p:cNvSpPr>
-            <p:nvPr/>
-          </p:nvSpPr>
-          <p:spPr>
-            <a:xfrm>
-              <a:off x="5285913" y="7258793"/>
-              <a:ext cx="3070760" cy="2376000"/>
-            </a:xfrm>
-            <a:prstGeom prst="rect">
-              <a:avLst/>
-            </a:prstGeom>
-            <a:noFill/>
-            <a:ln w="38100" cap="flat">
-              <a:solidFill>
-                <a:srgbClr val="77B6CD"/>
-              </a:solidFill>
-              <a:miter lim="400000"/>
-            </a:ln>
-            <a:effectLst/>
-            <a:sp3d/>
-          </p:spPr>
-          <p:style>
-            <a:lnRef idx="0">
-              <a:scrgbClr r="0" g="0" b="0"/>
-            </a:lnRef>
-            <a:fillRef idx="0">
-              <a:scrgbClr r="0" g="0" b="0"/>
-            </a:fillRef>
-            <a:effectRef idx="0">
-              <a:scrgbClr r="0" g="0" b="0"/>
-            </a:effectRef>
-            <a:fontRef idx="none"/>
-          </p:style>
-          <p:txBody>
-            <a:bodyPr rot="0" spcFirstLastPara="1" vertOverflow="overflow" horzOverflow="overflow" vert="horz" wrap="square" lIns="54570" tIns="54570" rIns="54570" bIns="54570" numCol="1" spcCol="38100" rtlCol="0" anchor="ctr">
-              <a:spAutoFit/>
-            </a:bodyPr>
-            <a:lstStyle/>
-            <a:p>
-              <a:pPr marL="0" marR="0" indent="0" algn="l" defTabSz="584200" rtl="0" fontAlgn="auto" latinLnBrk="0" hangingPunct="0">
-                <a:lnSpc>
-                  <a:spcPct val="80000"/>
-                </a:lnSpc>
-                <a:spcBef>
-                  <a:spcPts val="0"/>
-                </a:spcBef>
-                <a:spcAft>
-                  <a:spcPts val="0"/>
-                </a:spcAft>
-                <a:buClrTx/>
-                <a:buSzTx/>
-                <a:buFontTx/>
-                <a:buNone/>
-                <a:tabLst/>
-              </a:pPr>
-              <a:endParaRPr kumimoji="0" lang="en-NO" sz="1200" b="0" i="0" u="none" strike="noStrike" cap="none" spc="0" normalizeH="0" baseline="0">
-                <a:ln>
-                  <a:noFill/>
-                </a:ln>
-                <a:solidFill>
-                  <a:srgbClr val="000000"/>
-                </a:solidFill>
-                <a:effectLst/>
-                <a:uFillTx/>
-                <a:latin typeface="Source Sans Pro"/>
-                <a:ea typeface="Source Sans Pro"/>
-                <a:cs typeface="Source Sans Pro"/>
-                <a:sym typeface="Source Sans Pro"/>
-              </a:endParaRPr>
-            </a:p>
-          </p:txBody>
-        </p:sp>
-        <p:sp>
-          <p:nvSpPr>
-            <p:cNvPr id="84" name="Rectangle 83">
-              <a:extLst>
-                <a:ext uri="{FF2B5EF4-FFF2-40B4-BE49-F238E27FC236}">
-                  <a16:creationId xmlns:a16="http://schemas.microsoft.com/office/drawing/2014/main" id="{D72FEFDD-870A-274D-9674-C06706A735EF}"/>
-                </a:ext>
-              </a:extLst>
-            </p:cNvPr>
-            <p:cNvSpPr/>
-            <p:nvPr/>
-          </p:nvSpPr>
-          <p:spPr>
-            <a:xfrm>
-              <a:off x="5285913" y="9295283"/>
-              <a:ext cx="3070760" cy="332390"/>
-            </a:xfrm>
-            <a:prstGeom prst="rect">
-              <a:avLst/>
-            </a:prstGeom>
-            <a:noFill/>
-            <a:ln w="12700" cap="flat">
-              <a:noFill/>
-              <a:miter lim="400000"/>
-            </a:ln>
-            <a:effectLst/>
-            <a:sp3d/>
-          </p:spPr>
-          <p:style>
-            <a:lnRef idx="0">
-              <a:scrgbClr r="0" g="0" b="0"/>
-            </a:lnRef>
-            <a:fillRef idx="0">
-              <a:scrgbClr r="0" g="0" b="0"/>
-            </a:fillRef>
-            <a:effectRef idx="0">
-              <a:scrgbClr r="0" g="0" b="0"/>
-            </a:effectRef>
-            <a:fontRef idx="none"/>
-          </p:style>
-          <p:txBody>
-            <a:bodyPr rot="0" spcFirstLastPara="1" vertOverflow="overflow" horzOverflow="overflow" vert="horz" wrap="square" lIns="54570" tIns="54570" rIns="54570" bIns="54570" numCol="1" spcCol="38100" rtlCol="0" anchor="ctr">
-              <a:spAutoFit/>
-            </a:bodyPr>
-            <a:lstStyle/>
-            <a:p>
-              <a:pPr marL="0" marR="0" indent="0" algn="ctr" defTabSz="584200" rtl="0" fontAlgn="auto" latinLnBrk="0" hangingPunct="0">
-                <a:lnSpc>
-                  <a:spcPct val="80000"/>
-                </a:lnSpc>
-                <a:spcBef>
-                  <a:spcPts val="0"/>
-                </a:spcBef>
-                <a:spcAft>
-                  <a:spcPts val="0"/>
-                </a:spcAft>
-                <a:buClrTx/>
-                <a:buSzTx/>
-                <a:buFontTx/>
-                <a:buNone/>
-                <a:tabLst/>
-              </a:pPr>
-              <a:r>
-                <a:rPr kumimoji="0" lang="en-NO" sz="1800" b="0" i="0" u="none" strike="noStrike" cap="none" spc="0" normalizeH="0" baseline="0" dirty="0">
-                  <a:ln>
-                    <a:noFill/>
-                  </a:ln>
-                  <a:solidFill>
-                    <a:srgbClr val="000000"/>
-                  </a:solidFill>
-                  <a:effectLst/>
-                  <a:uFillTx/>
-                  <a:latin typeface="Source Sans Pro" panose="020B0503030403020204" pitchFamily="34" charset="0"/>
-                  <a:ea typeface="Source Sans Pro" panose="020B0503030403020204" pitchFamily="34" charset="0"/>
-                  <a:sym typeface="Source Sans Pro"/>
-                </a:rPr>
-                <a:t>Structural data</a:t>
-              </a:r>
-            </a:p>
-          </p:txBody>
-        </p:sp>
-        <p:cxnSp>
-          <p:nvCxnSpPr>
-            <p:cNvPr id="85" name="Straight Arrow Connector 84">
-              <a:extLst>
-                <a:ext uri="{FF2B5EF4-FFF2-40B4-BE49-F238E27FC236}">
-                  <a16:creationId xmlns:a16="http://schemas.microsoft.com/office/drawing/2014/main" id="{91FD70C7-57E3-C844-A1FD-2DBAFE2F7136}"/>
-                </a:ext>
-              </a:extLst>
-            </p:cNvPr>
-            <p:cNvCxnSpPr>
-              <a:cxnSpLocks/>
-              <a:stCxn id="81" idx="3"/>
-              <a:endCxn id="80" idx="1"/>
-            </p:cNvCxnSpPr>
-            <p:nvPr/>
-          </p:nvCxnSpPr>
-          <p:spPr>
-            <a:xfrm>
-              <a:off x="6674397" y="8174483"/>
-              <a:ext cx="300682" cy="0"/>
-            </a:xfrm>
-            <a:prstGeom prst="straightConnector1">
-              <a:avLst/>
-            </a:prstGeom>
-            <a:noFill/>
-            <a:ln w="47625" cap="flat">
-              <a:solidFill>
-                <a:srgbClr val="77B6CD"/>
-              </a:solidFill>
-              <a:prstDash val="solid"/>
-              <a:miter lim="400000"/>
-              <a:tailEnd type="triangle"/>
-            </a:ln>
-            <a:effectLst/>
-            <a:sp3d/>
-          </p:spPr>
-          <p:style>
-            <a:lnRef idx="0">
-              <a:scrgbClr r="0" g="0" b="0"/>
-            </a:lnRef>
-            <a:fillRef idx="0">
-              <a:scrgbClr r="0" g="0" b="0"/>
-            </a:fillRef>
-            <a:effectRef idx="0">
-              <a:scrgbClr r="0" g="0" b="0"/>
-            </a:effectRef>
-            <a:fontRef idx="none"/>
-          </p:style>
-        </p:cxnSp>
-      </p:grpSp>
-      <p:grpSp>
-        <p:nvGrpSpPr>
-          <p:cNvPr id="59" name="Group 58">
-            <a:extLst>
-              <a:ext uri="{FF2B5EF4-FFF2-40B4-BE49-F238E27FC236}">
-                <a16:creationId xmlns:a16="http://schemas.microsoft.com/office/drawing/2014/main" id="{80B671E0-92D8-0447-9A48-2E797766F2C7}"/>
-              </a:ext>
-            </a:extLst>
-          </p:cNvPr>
-          <p:cNvGrpSpPr/>
-          <p:nvPr/>
-        </p:nvGrpSpPr>
-        <p:grpSpPr>
-          <a:xfrm>
-            <a:off x="1452384" y="4769172"/>
-            <a:ext cx="3070760" cy="3649033"/>
-            <a:chOff x="9977709" y="2993972"/>
-            <a:chExt cx="3070760" cy="3649033"/>
-          </a:xfrm>
-        </p:grpSpPr>
-        <p:pic>
-          <p:nvPicPr>
-            <p:cNvPr id="92" name="Picture 91">
-              <a:extLst>
-                <a:ext uri="{FF2B5EF4-FFF2-40B4-BE49-F238E27FC236}">
-                  <a16:creationId xmlns:a16="http://schemas.microsoft.com/office/drawing/2014/main" id="{A0478B1B-D63C-5848-B819-7444185363E3}"/>
-                </a:ext>
-              </a:extLst>
-            </p:cNvPr>
-            <p:cNvPicPr>
-              <a:picLocks noChangeAspect="1"/>
-            </p:cNvPicPr>
-            <p:nvPr/>
-          </p:nvPicPr>
-          <p:blipFill>
-            <a:blip r:embed="rId14">
-              <a:extLst>
-                <a:ext uri="{28A0092B-C50C-407E-A947-70E740481C1C}">
-                  <a14:useLocalDpi xmlns:a14="http://schemas.microsoft.com/office/drawing/2010/main" val="0"/>
-                </a:ext>
-              </a:extLst>
-            </a:blip>
-            <a:srcRect/>
-            <a:stretch/>
-          </p:blipFill>
-          <p:spPr>
-            <a:xfrm>
-              <a:off x="11666875" y="4469814"/>
-              <a:ext cx="1250526" cy="1440000"/>
-            </a:xfrm>
-            <a:prstGeom prst="rect">
-              <a:avLst/>
-            </a:prstGeom>
-          </p:spPr>
-        </p:pic>
-        <p:pic>
-          <p:nvPicPr>
-            <p:cNvPr id="93" name="Picture 92">
-              <a:extLst>
-                <a:ext uri="{FF2B5EF4-FFF2-40B4-BE49-F238E27FC236}">
-                  <a16:creationId xmlns:a16="http://schemas.microsoft.com/office/drawing/2014/main" id="{7BDC8363-9D2E-1E44-8F01-6BDBC18401D7}"/>
-                </a:ext>
-              </a:extLst>
-            </p:cNvPr>
-            <p:cNvPicPr>
-              <a:picLocks noChangeAspect="1"/>
-            </p:cNvPicPr>
-            <p:nvPr/>
-          </p:nvPicPr>
-          <p:blipFill>
-            <a:blip r:embed="rId15">
-              <a:extLst>
-                <a:ext uri="{28A0092B-C50C-407E-A947-70E740481C1C}">
-                  <a14:useLocalDpi xmlns:a14="http://schemas.microsoft.com/office/drawing/2010/main" val="0"/>
-                </a:ext>
-              </a:extLst>
-            </a:blip>
-            <a:srcRect/>
-            <a:stretch/>
-          </p:blipFill>
-          <p:spPr>
-            <a:xfrm>
-              <a:off x="10121983" y="4469814"/>
-              <a:ext cx="1237894" cy="1440000"/>
-            </a:xfrm>
-            <a:prstGeom prst="rect">
-              <a:avLst/>
-            </a:prstGeom>
-          </p:spPr>
-        </p:pic>
-        <p:pic>
-          <p:nvPicPr>
-            <p:cNvPr id="94" name="Picture 93">
-              <a:extLst>
-                <a:ext uri="{FF2B5EF4-FFF2-40B4-BE49-F238E27FC236}">
-                  <a16:creationId xmlns:a16="http://schemas.microsoft.com/office/drawing/2014/main" id="{D0C97CB8-C253-9E41-9039-FE80EBD18828}"/>
-                </a:ext>
-              </a:extLst>
-            </p:cNvPr>
-            <p:cNvPicPr>
-              <a:picLocks noChangeAspect="1"/>
-            </p:cNvPicPr>
-            <p:nvPr/>
-          </p:nvPicPr>
-          <p:blipFill>
-            <a:blip r:embed="rId16">
-              <a:extLst>
-                <a:ext uri="{28A0092B-C50C-407E-A947-70E740481C1C}">
-                  <a14:useLocalDpi xmlns:a14="http://schemas.microsoft.com/office/drawing/2010/main" val="0"/>
-                </a:ext>
-              </a:extLst>
-            </a:blip>
-            <a:srcRect/>
-            <a:stretch/>
-          </p:blipFill>
-          <p:spPr>
-            <a:xfrm>
-              <a:off x="10891271" y="3155434"/>
-              <a:ext cx="1250526" cy="1440000"/>
-            </a:xfrm>
-            <a:prstGeom prst="rect">
-              <a:avLst/>
-            </a:prstGeom>
-          </p:spPr>
-        </p:pic>
-        <p:sp>
-          <p:nvSpPr>
-            <p:cNvPr id="95" name="Rectangle 94">
-              <a:extLst>
-                <a:ext uri="{FF2B5EF4-FFF2-40B4-BE49-F238E27FC236}">
-                  <a16:creationId xmlns:a16="http://schemas.microsoft.com/office/drawing/2014/main" id="{123E91B2-F409-F14F-B8F3-6CAEAC43CC3B}"/>
-                </a:ext>
-              </a:extLst>
-            </p:cNvPr>
-            <p:cNvSpPr/>
-            <p:nvPr/>
-          </p:nvSpPr>
-          <p:spPr>
-            <a:xfrm>
-              <a:off x="9977709" y="2993972"/>
-              <a:ext cx="3070760" cy="3649033"/>
-            </a:xfrm>
-            <a:prstGeom prst="rect">
-              <a:avLst/>
-            </a:prstGeom>
-            <a:noFill/>
-            <a:ln w="38100" cap="flat">
-              <a:solidFill>
-                <a:srgbClr val="77B6CD"/>
-              </a:solidFill>
-              <a:miter lim="400000"/>
-            </a:ln>
-            <a:effectLst/>
-            <a:sp3d/>
-          </p:spPr>
-          <p:style>
-            <a:lnRef idx="0">
-              <a:scrgbClr r="0" g="0" b="0"/>
-            </a:lnRef>
-            <a:fillRef idx="0">
-              <a:scrgbClr r="0" g="0" b="0"/>
-            </a:fillRef>
-            <a:effectRef idx="0">
-              <a:scrgbClr r="0" g="0" b="0"/>
-            </a:effectRef>
-            <a:fontRef idx="none"/>
-          </p:style>
-          <p:txBody>
-            <a:bodyPr rot="0" spcFirstLastPara="1" vertOverflow="overflow" horzOverflow="overflow" vert="horz" wrap="square" lIns="54570" tIns="54570" rIns="54570" bIns="54570" numCol="1" spcCol="38100" rtlCol="0" anchor="ctr">
-              <a:spAutoFit/>
-            </a:bodyPr>
-            <a:lstStyle/>
-            <a:p>
-              <a:pPr marL="0" marR="0" indent="0" algn="l" defTabSz="584200" rtl="0" fontAlgn="auto" latinLnBrk="0" hangingPunct="0">
-                <a:lnSpc>
-                  <a:spcPct val="80000"/>
-                </a:lnSpc>
-                <a:spcBef>
-                  <a:spcPts val="0"/>
-                </a:spcBef>
-                <a:spcAft>
-                  <a:spcPts val="0"/>
-                </a:spcAft>
-                <a:buClrTx/>
-                <a:buSzTx/>
-                <a:buFontTx/>
-                <a:buNone/>
-                <a:tabLst/>
-              </a:pPr>
-              <a:endParaRPr kumimoji="0" lang="en-NO" sz="1200" b="0" i="0" u="none" strike="noStrike" cap="none" spc="0" normalizeH="0" baseline="0">
-                <a:ln>
-                  <a:noFill/>
-                </a:ln>
-                <a:solidFill>
-                  <a:srgbClr val="000000"/>
-                </a:solidFill>
-                <a:effectLst/>
-                <a:uFillTx/>
-                <a:latin typeface="Source Sans Pro"/>
-                <a:ea typeface="Source Sans Pro"/>
-                <a:cs typeface="Source Sans Pro"/>
-                <a:sym typeface="Source Sans Pro"/>
-              </a:endParaRPr>
-            </a:p>
-          </p:txBody>
-        </p:sp>
-        <p:sp>
-          <p:nvSpPr>
-            <p:cNvPr id="96" name="Rectangle 95">
-              <a:extLst>
-                <a:ext uri="{FF2B5EF4-FFF2-40B4-BE49-F238E27FC236}">
-                  <a16:creationId xmlns:a16="http://schemas.microsoft.com/office/drawing/2014/main" id="{28106873-9E8B-8541-805F-0512A79BA33B}"/>
-                </a:ext>
-              </a:extLst>
-            </p:cNvPr>
-            <p:cNvSpPr/>
-            <p:nvPr/>
-          </p:nvSpPr>
-          <p:spPr>
-            <a:xfrm>
-              <a:off x="9977709" y="6083732"/>
-              <a:ext cx="3070760" cy="553404"/>
-            </a:xfrm>
-            <a:prstGeom prst="rect">
-              <a:avLst/>
-            </a:prstGeom>
-            <a:noFill/>
-            <a:ln w="12700" cap="flat">
-              <a:noFill/>
-              <a:miter lim="400000"/>
-            </a:ln>
-            <a:effectLst/>
-            <a:sp3d/>
-          </p:spPr>
-          <p:style>
-            <a:lnRef idx="0">
-              <a:scrgbClr r="0" g="0" b="0"/>
-            </a:lnRef>
-            <a:fillRef idx="0">
-              <a:scrgbClr r="0" g="0" b="0"/>
-            </a:fillRef>
-            <a:effectRef idx="0">
-              <a:scrgbClr r="0" g="0" b="0"/>
-            </a:effectRef>
-            <a:fontRef idx="none"/>
-          </p:style>
-          <p:txBody>
-            <a:bodyPr rot="0" spcFirstLastPara="1" vertOverflow="overflow" horzOverflow="overflow" vert="horz" wrap="square" lIns="54570" tIns="54570" rIns="54570" bIns="54570" numCol="1" spcCol="38100" rtlCol="0" anchor="ctr">
-              <a:spAutoFit/>
-            </a:bodyPr>
-            <a:lstStyle/>
-            <a:p>
-              <a:pPr marL="0" marR="0" indent="0" algn="ctr" defTabSz="584200" rtl="0" fontAlgn="auto" latinLnBrk="0" hangingPunct="0">
-                <a:lnSpc>
-                  <a:spcPct val="80000"/>
-                </a:lnSpc>
-                <a:spcBef>
-                  <a:spcPts val="0"/>
-                </a:spcBef>
-                <a:spcAft>
-                  <a:spcPts val="0"/>
-                </a:spcAft>
-                <a:buClrTx/>
-                <a:buSzTx/>
-                <a:buFontTx/>
-                <a:buNone/>
-                <a:tabLst/>
-              </a:pPr>
-              <a:r>
-                <a:rPr kumimoji="0" lang="en-NO" sz="1800" b="0" i="0" u="none" strike="noStrike" cap="none" spc="0" normalizeH="0" baseline="0" dirty="0">
-                  <a:ln>
-                    <a:noFill/>
-                  </a:ln>
-                  <a:solidFill>
-                    <a:srgbClr val="000000"/>
-                  </a:solidFill>
-                  <a:effectLst/>
-                  <a:uFillTx/>
-                  <a:latin typeface="Source Sans Pro" panose="020B0503030403020204" pitchFamily="34" charset="0"/>
-                  <a:ea typeface="Source Sans Pro" panose="020B0503030403020204" pitchFamily="34" charset="0"/>
-                  <a:sym typeface="Source Sans Pro"/>
-                </a:rPr>
-                <a:t>Analysis planning and file organization</a:t>
-              </a:r>
-            </a:p>
-          </p:txBody>
-        </p:sp>
-        <p:cxnSp>
-          <p:nvCxnSpPr>
-            <p:cNvPr id="97" name="Straight Arrow Connector 96">
-              <a:extLst>
-                <a:ext uri="{FF2B5EF4-FFF2-40B4-BE49-F238E27FC236}">
-                  <a16:creationId xmlns:a16="http://schemas.microsoft.com/office/drawing/2014/main" id="{3E89FF69-9E01-CA4D-BAE4-A6377111AB4F}"/>
-                </a:ext>
-              </a:extLst>
-            </p:cNvPr>
-            <p:cNvCxnSpPr>
-              <a:cxnSpLocks/>
-            </p:cNvCxnSpPr>
-            <p:nvPr/>
-          </p:nvCxnSpPr>
-          <p:spPr>
-            <a:xfrm flipH="1" flipV="1">
-              <a:off x="11810437" y="4399816"/>
-              <a:ext cx="164633" cy="229138"/>
-            </a:xfrm>
-            <a:prstGeom prst="straightConnector1">
-              <a:avLst/>
-            </a:prstGeom>
-            <a:noFill/>
-            <a:ln w="47625" cap="flat">
-              <a:solidFill>
-                <a:srgbClr val="77B6CD"/>
-              </a:solidFill>
-              <a:prstDash val="solid"/>
-              <a:miter lim="400000"/>
-              <a:tailEnd type="triangle"/>
-            </a:ln>
-            <a:effectLst/>
-            <a:sp3d/>
-          </p:spPr>
-          <p:style>
-            <a:lnRef idx="0">
-              <a:scrgbClr r="0" g="0" b="0"/>
-            </a:lnRef>
-            <a:fillRef idx="0">
-              <a:scrgbClr r="0" g="0" b="0"/>
-            </a:fillRef>
-            <a:effectRef idx="0">
-              <a:scrgbClr r="0" g="0" b="0"/>
-            </a:effectRef>
-            <a:fontRef idx="none"/>
-          </p:style>
-        </p:cxnSp>
-      </p:grpSp>
-      <p:cxnSp>
-        <p:nvCxnSpPr>
           <p:cNvPr id="101" name="Straight Arrow Connector 100">
             <a:extLst>
               <a:ext uri="{FF2B5EF4-FFF2-40B4-BE49-F238E27FC236}">
@@ -7488,7 +7588,7 @@
         </p:nvCxnSpPr>
         <p:spPr>
           <a:xfrm flipV="1">
-            <a:off x="6053551" y="3911581"/>
+            <a:off x="6959652" y="3911581"/>
             <a:ext cx="8543" cy="857438"/>
           </a:xfrm>
           <a:prstGeom prst="straightConnector1">
@@ -7569,10 +7669,10 @@
       </p:cxnSp>
       <p:grpSp>
         <p:nvGrpSpPr>
-          <p:cNvPr id="44" name="Group 43">
+          <p:cNvPr id="42" name="Group 41">
             <a:extLst>
               <a:ext uri="{FF2B5EF4-FFF2-40B4-BE49-F238E27FC236}">
-                <a16:creationId xmlns:a16="http://schemas.microsoft.com/office/drawing/2014/main" id="{994E7B36-5F02-4A9F-027F-9BEACEFB1728}"/>
+                <a16:creationId xmlns:a16="http://schemas.microsoft.com/office/drawing/2014/main" id="{714E1A74-618A-43E7-9B98-9E28D7C9D853}"/>
               </a:ext>
             </a:extLst>
           </p:cNvPr>
@@ -7581,30 +7681,133 @@
         </p:nvGrpSpPr>
         <p:grpSpPr>
           <a:xfrm>
-            <a:off x="7727968" y="1120299"/>
-            <a:ext cx="2157198" cy="2386921"/>
-            <a:chOff x="5285913" y="7258793"/>
-            <a:chExt cx="3070760" cy="2386921"/>
+            <a:off x="5428543" y="4769171"/>
+            <a:ext cx="3070760" cy="5040000"/>
+            <a:chOff x="5447375" y="4769171"/>
+            <a:chExt cx="3070760" cy="5040000"/>
           </a:xfrm>
         </p:grpSpPr>
-        <p:sp>
-          <p:nvSpPr>
-            <p:cNvPr id="47" name="Rectangle 46">
+        <p:pic>
+          <p:nvPicPr>
+            <p:cNvPr id="62" name="Picture 61">
               <a:extLst>
                 <a:ext uri="{FF2B5EF4-FFF2-40B4-BE49-F238E27FC236}">
-                  <a16:creationId xmlns:a16="http://schemas.microsoft.com/office/drawing/2014/main" id="{BD077DF6-394F-8F58-4DC6-F3E2966FFF05}"/>
+                  <a16:creationId xmlns:a16="http://schemas.microsoft.com/office/drawing/2014/main" id="{4D9173B3-F66E-B048-85A1-6F041094453F}"/>
                 </a:ext>
               </a:extLst>
             </p:cNvPr>
-            <p:cNvSpPr>
-              <a:spLocks/>
-            </p:cNvSpPr>
+            <p:cNvPicPr>
+              <a:picLocks noChangeAspect="1"/>
+            </p:cNvPicPr>
+            <p:nvPr/>
+          </p:nvPicPr>
+          <p:blipFill>
+            <a:blip r:embed="rId13">
+              <a:extLst>
+                <a:ext uri="{28A0092B-C50C-407E-A947-70E740481C1C}">
+                  <a14:useLocalDpi xmlns:a14="http://schemas.microsoft.com/office/drawing/2010/main" val="0"/>
+                </a:ext>
+              </a:extLst>
+            </a:blip>
+            <a:srcRect/>
+            <a:stretch/>
+          </p:blipFill>
+          <p:spPr>
+            <a:xfrm>
+              <a:off x="7141865" y="6245014"/>
+              <a:ext cx="1239879" cy="1440000"/>
+            </a:xfrm>
+            <a:prstGeom prst="rect">
+              <a:avLst/>
+            </a:prstGeom>
+          </p:spPr>
+        </p:pic>
+        <p:pic>
+          <p:nvPicPr>
+            <p:cNvPr id="63" name="Picture 62">
+              <a:extLst>
+                <a:ext uri="{FF2B5EF4-FFF2-40B4-BE49-F238E27FC236}">
+                  <a16:creationId xmlns:a16="http://schemas.microsoft.com/office/drawing/2014/main" id="{0E5BDF93-3D66-CA4B-B5B5-345329776071}"/>
+                </a:ext>
+              </a:extLst>
+            </p:cNvPr>
+            <p:cNvPicPr>
+              <a:picLocks noChangeAspect="1"/>
+            </p:cNvPicPr>
+            <p:nvPr/>
+          </p:nvPicPr>
+          <p:blipFill>
+            <a:blip r:embed="rId14">
+              <a:extLst>
+                <a:ext uri="{28A0092B-C50C-407E-A947-70E740481C1C}">
+                  <a14:useLocalDpi xmlns:a14="http://schemas.microsoft.com/office/drawing/2010/main" val="0"/>
+                </a:ext>
+              </a:extLst>
+            </a:blip>
+            <a:srcRect/>
+            <a:stretch/>
+          </p:blipFill>
+          <p:spPr>
+            <a:xfrm>
+              <a:off x="5590657" y="6245014"/>
+              <a:ext cx="1239879" cy="1440000"/>
+            </a:xfrm>
+            <a:prstGeom prst="rect">
+              <a:avLst/>
+            </a:prstGeom>
+          </p:spPr>
+        </p:pic>
+        <p:pic>
+          <p:nvPicPr>
+            <p:cNvPr id="64" name="Picture 63">
+              <a:extLst>
+                <a:ext uri="{FF2B5EF4-FFF2-40B4-BE49-F238E27FC236}">
+                  <a16:creationId xmlns:a16="http://schemas.microsoft.com/office/drawing/2014/main" id="{AF2C97DD-C15D-FC45-AF16-D4CB119459EF}"/>
+                </a:ext>
+              </a:extLst>
+            </p:cNvPr>
+            <p:cNvPicPr>
+              <a:picLocks noChangeAspect="1"/>
+            </p:cNvPicPr>
+            <p:nvPr/>
+          </p:nvPicPr>
+          <p:blipFill>
+            <a:blip r:embed="rId15">
+              <a:extLst>
+                <a:ext uri="{28A0092B-C50C-407E-A947-70E740481C1C}">
+                  <a14:useLocalDpi xmlns:a14="http://schemas.microsoft.com/office/drawing/2010/main" val="0"/>
+                </a:ext>
+              </a:extLst>
+            </a:blip>
+            <a:srcRect/>
+            <a:stretch/>
+          </p:blipFill>
+          <p:spPr>
+            <a:xfrm>
+              <a:off x="6362200" y="4930634"/>
+              <a:ext cx="1248000" cy="1440000"/>
+            </a:xfrm>
+            <a:prstGeom prst="rect">
+              <a:avLst/>
+            </a:prstGeom>
+          </p:spPr>
+        </p:pic>
+        <p:sp>
+          <p:nvSpPr>
+            <p:cNvPr id="65" name="Rectangle 64">
+              <a:extLst>
+                <a:ext uri="{FF2B5EF4-FFF2-40B4-BE49-F238E27FC236}">
+                  <a16:creationId xmlns:a16="http://schemas.microsoft.com/office/drawing/2014/main" id="{E6836A9A-4741-3440-A7A5-441F532606C7}"/>
+                </a:ext>
+              </a:extLst>
+            </p:cNvPr>
+            <p:cNvSpPr/>
             <p:nvPr/>
           </p:nvSpPr>
           <p:spPr>
             <a:xfrm>
-              <a:off x="5285913" y="7258793"/>
-              <a:ext cx="3070760" cy="2376000"/>
+              <a:off x="5447375" y="4769171"/>
+              <a:ext cx="3070760" cy="5040000"/>
             </a:xfrm>
             <a:prstGeom prst="rect">
               <a:avLst/>
@@ -7672,10 +7875,10 @@
         </p:sp>
         <p:sp>
           <p:nvSpPr>
-            <p:cNvPr id="48" name="Rectangle 47">
+            <p:cNvPr id="66" name="Rectangle 65">
               <a:extLst>
                 <a:ext uri="{FF2B5EF4-FFF2-40B4-BE49-F238E27FC236}">
-                  <a16:creationId xmlns:a16="http://schemas.microsoft.com/office/drawing/2014/main" id="{0C3FC0BC-E54C-7EAE-7783-31CE116BC72F}"/>
+                  <a16:creationId xmlns:a16="http://schemas.microsoft.com/office/drawing/2014/main" id="{85AEB998-A796-584A-BDEA-4F88B9644EF6}"/>
                 </a:ext>
               </a:extLst>
             </p:cNvPr>
@@ -7684,8 +7887,8 @@
           </p:nvSpPr>
           <p:spPr>
             <a:xfrm>
-              <a:off x="5285913" y="9092310"/>
-              <a:ext cx="3070760" cy="553404"/>
+              <a:off x="5447375" y="9472819"/>
+              <a:ext cx="3070760" cy="332390"/>
             </a:xfrm>
             <a:prstGeom prst="rect">
               <a:avLst/>
@@ -7733,143 +7936,54 @@
                 <a:tabLst/>
               </a:pPr>
               <a:r>
-                <a:rPr lang="en-NO" sz="1800" b="0" dirty="0">
+                <a:rPr kumimoji="0" lang="en-NO" sz="1800" b="0" i="0" u="none" strike="noStrike" cap="none" spc="0" normalizeH="0" baseline="0" dirty="0">
+                  <a:ln>
+                    <a:noFill/>
+                  </a:ln>
                   <a:solidFill>
                     <a:srgbClr val="000000"/>
                   </a:solidFill>
+                  <a:effectLst/>
+                  <a:uFillTx/>
                   <a:latin typeface="Source Sans Pro" panose="020B0503030403020204" pitchFamily="34" charset="0"/>
                   <a:ea typeface="Source Sans Pro" panose="020B0503030403020204" pitchFamily="34" charset="0"/>
+                  <a:sym typeface="Source Sans Pro"/>
                 </a:rPr>
-                <a:t>Infectious disease</a:t>
+                <a:t>Helper functions</a:t>
               </a:r>
-            </a:p>
-            <a:p>
-              <a:pPr marL="0" marR="0" indent="0" algn="ctr" defTabSz="584200" rtl="0" fontAlgn="auto" latinLnBrk="0" hangingPunct="0">
-                <a:lnSpc>
-                  <a:spcPct val="80000"/>
-                </a:lnSpc>
-                <a:spcBef>
-                  <a:spcPts val="0"/>
-                </a:spcBef>
-                <a:spcAft>
-                  <a:spcPts val="0"/>
-                </a:spcAft>
-                <a:buClrTx/>
-                <a:buSzTx/>
-                <a:buFontTx/>
-                <a:buNone/>
-                <a:tabLst/>
-              </a:pPr>
-              <a:r>
-                <a:rPr lang="en-NO" sz="1800" b="0" dirty="0">
-                  <a:solidFill>
-                    <a:srgbClr val="000000"/>
-                  </a:solidFill>
-                  <a:latin typeface="Source Sans Pro" panose="020B0503030403020204" pitchFamily="34" charset="0"/>
-                  <a:ea typeface="Source Sans Pro" panose="020B0503030403020204" pitchFamily="34" charset="0"/>
-                </a:rPr>
-                <a:t>spread models</a:t>
-              </a:r>
-              <a:endParaRPr kumimoji="0" lang="en-NO" sz="1800" b="0" i="0" u="none" strike="noStrike" cap="none" spc="0" normalizeH="0" baseline="0" dirty="0">
-                <a:ln>
-                  <a:noFill/>
-                </a:ln>
-                <a:solidFill>
-                  <a:srgbClr val="000000"/>
-                </a:solidFill>
-                <a:effectLst/>
-                <a:uFillTx/>
-                <a:latin typeface="Source Sans Pro" panose="020B0503030403020204" pitchFamily="34" charset="0"/>
-                <a:ea typeface="Source Sans Pro" panose="020B0503030403020204" pitchFamily="34" charset="0"/>
-                <a:sym typeface="Source Sans Pro"/>
-              </a:endParaRPr>
             </a:p>
           </p:txBody>
         </p:sp>
-      </p:grpSp>
-      <p:pic>
-        <p:nvPicPr>
-          <p:cNvPr id="50" name="Picture 49">
-            <a:extLst>
-              <a:ext uri="{FF2B5EF4-FFF2-40B4-BE49-F238E27FC236}">
-                <a16:creationId xmlns:a16="http://schemas.microsoft.com/office/drawing/2014/main" id="{FE003DA2-16E6-C485-9EC5-F15B3AE4EF80}"/>
-              </a:ext>
-            </a:extLst>
-          </p:cNvPr>
-          <p:cNvPicPr>
-            <a:picLocks noChangeAspect="1"/>
-          </p:cNvPicPr>
-          <p:nvPr/>
-        </p:nvPicPr>
-        <p:blipFill>
-          <a:blip r:embed="rId17">
-            <a:extLst>
-              <a:ext uri="{28A0092B-C50C-407E-A947-70E740481C1C}">
-                <a14:useLocalDpi xmlns:a14="http://schemas.microsoft.com/office/drawing/2010/main" val="0"/>
-              </a:ext>
-            </a:extLst>
-          </a:blip>
-          <a:srcRect/>
-          <a:stretch/>
-        </p:blipFill>
-        <p:spPr>
-          <a:xfrm>
-            <a:off x="11140075" y="1372826"/>
-            <a:ext cx="1243636" cy="1432065"/>
-          </a:xfrm>
-          <a:prstGeom prst="rect">
-            <a:avLst/>
-          </a:prstGeom>
-        </p:spPr>
-      </p:pic>
-      <p:grpSp>
-        <p:nvGrpSpPr>
-          <p:cNvPr id="51" name="Group 50">
-            <a:extLst>
-              <a:ext uri="{FF2B5EF4-FFF2-40B4-BE49-F238E27FC236}">
-                <a16:creationId xmlns:a16="http://schemas.microsoft.com/office/drawing/2014/main" id="{08B1F03E-825D-2C79-278D-BA2CEB924F8A}"/>
-              </a:ext>
-            </a:extLst>
-          </p:cNvPr>
-          <p:cNvGrpSpPr/>
-          <p:nvPr/>
-        </p:nvGrpSpPr>
-        <p:grpSpPr>
-          <a:xfrm>
-            <a:off x="10660770" y="1120299"/>
-            <a:ext cx="2157198" cy="2376000"/>
-            <a:chOff x="5285913" y="7258793"/>
-            <a:chExt cx="3070760" cy="2376000"/>
-          </a:xfrm>
-        </p:grpSpPr>
-        <p:sp>
-          <p:nvSpPr>
-            <p:cNvPr id="52" name="Rectangle 51">
+        <p:cxnSp>
+          <p:nvCxnSpPr>
+            <p:cNvPr id="67" name="Straight Arrow Connector 66">
               <a:extLst>
                 <a:ext uri="{FF2B5EF4-FFF2-40B4-BE49-F238E27FC236}">
-                  <a16:creationId xmlns:a16="http://schemas.microsoft.com/office/drawing/2014/main" id="{0E202F67-A0AA-8016-1C7A-441E1B8B460D}"/>
+                  <a16:creationId xmlns:a16="http://schemas.microsoft.com/office/drawing/2014/main" id="{FDFF7B8F-CE9B-C845-9D24-2FF0C3EC91F2}"/>
                 </a:ext>
               </a:extLst>
             </p:cNvPr>
-            <p:cNvSpPr>
-              <a:spLocks/>
-            </p:cNvSpPr>
+            <p:cNvCxnSpPr>
+              <a:cxnSpLocks/>
+            </p:cNvCxnSpPr>
             <p:nvPr/>
-          </p:nvSpPr>
+          </p:nvCxnSpPr>
           <p:spPr>
-            <a:xfrm>
-              <a:off x="5285913" y="7258793"/>
-              <a:ext cx="3070760" cy="2376000"/>
+            <a:xfrm flipH="1" flipV="1">
+              <a:off x="7280103" y="6175016"/>
+              <a:ext cx="164633" cy="229138"/>
             </a:xfrm>
-            <a:prstGeom prst="rect">
+            <a:prstGeom prst="straightConnector1">
               <a:avLst/>
             </a:prstGeom>
             <a:noFill/>
-            <a:ln w="38100" cap="flat">
+            <a:ln w="47625" cap="flat">
               <a:solidFill>
                 <a:srgbClr val="77B6CD"/>
               </a:solidFill>
+              <a:prstDash val="solid"/>
               <a:miter lim="400000"/>
+              <a:tailEnd type="triangle"/>
             </a:ln>
             <a:effectLst/>
             <a:sp3d/>
@@ -7886,69 +8000,37 @@
             </a:effectRef>
             <a:fontRef idx="none"/>
           </p:style>
-          <p:txBody>
-            <a:bodyPr rot="0" spcFirstLastPara="1" vertOverflow="overflow" horzOverflow="overflow" vert="horz" wrap="square" lIns="54570" tIns="54570" rIns="54570" bIns="54570" numCol="1" spcCol="38100" rtlCol="0" anchor="ctr">
-              <a:spAutoFit/>
-            </a:bodyPr>
-            <a:lstStyle/>
-            <a:p>
-              <a:pPr marL="0" marR="0" indent="0" algn="l" defTabSz="584200" rtl="0" fontAlgn="auto" latinLnBrk="0" hangingPunct="0">
-                <a:lnSpc>
-                  <a:spcPct val="80000"/>
-                </a:lnSpc>
-                <a:spcBef>
-                  <a:spcPts val="0"/>
-                </a:spcBef>
-                <a:spcAft>
-                  <a:spcPts val="0"/>
-                </a:spcAft>
-                <a:buClrTx/>
-                <a:buSzTx/>
-                <a:buFontTx/>
-                <a:buNone/>
-                <a:tabLst/>
-              </a:pPr>
-              <a:endParaRPr kumimoji="0" lang="en-NO" sz="1200" b="0" i="0" u="none" strike="noStrike" cap="none" spc="0" normalizeH="0" baseline="0">
-                <a:ln>
-                  <a:noFill/>
-                </a:ln>
-                <a:solidFill>
-                  <a:srgbClr val="000000"/>
-                </a:solidFill>
-                <a:effectLst/>
-                <a:uFillTx/>
-                <a:latin typeface="Source Sans Pro"/>
-                <a:ea typeface="Source Sans Pro"/>
-                <a:cs typeface="Source Sans Pro"/>
-                <a:sym typeface="Source Sans Pro"/>
-              </a:endParaRPr>
-            </a:p>
-          </p:txBody>
-        </p:sp>
-        <p:sp>
-          <p:nvSpPr>
-            <p:cNvPr id="54" name="Rectangle 53">
+        </p:cxnSp>
+        <p:cxnSp>
+          <p:nvCxnSpPr>
+            <p:cNvPr id="77" name="Straight Arrow Connector 76">
               <a:extLst>
                 <a:ext uri="{FF2B5EF4-FFF2-40B4-BE49-F238E27FC236}">
-                  <a16:creationId xmlns:a16="http://schemas.microsoft.com/office/drawing/2014/main" id="{CBE3094C-1E84-16DF-B154-B53B8F529BC9}"/>
+                  <a16:creationId xmlns:a16="http://schemas.microsoft.com/office/drawing/2014/main" id="{2225A128-A1DD-9A48-A9FC-BDE9713FF451}"/>
                 </a:ext>
               </a:extLst>
             </p:cNvPr>
-            <p:cNvSpPr/>
+            <p:cNvCxnSpPr>
+              <a:cxnSpLocks/>
+            </p:cNvCxnSpPr>
             <p:nvPr/>
-          </p:nvSpPr>
+          </p:nvCxnSpPr>
           <p:spPr>
-            <a:xfrm>
-              <a:off x="5285913" y="9203109"/>
-              <a:ext cx="3070760" cy="331805"/>
+            <a:xfrm flipV="1">
+              <a:off x="6518107" y="6177791"/>
+              <a:ext cx="164633" cy="229138"/>
             </a:xfrm>
-            <a:prstGeom prst="rect">
+            <a:prstGeom prst="straightConnector1">
               <a:avLst/>
             </a:prstGeom>
             <a:noFill/>
-            <a:ln w="12700" cap="flat">
-              <a:noFill/>
+            <a:ln w="47625" cap="flat">
+              <a:solidFill>
+                <a:srgbClr val="77B6CD"/>
+              </a:solidFill>
+              <a:prstDash val="solid"/>
               <a:miter lim="400000"/>
+              <a:tailEnd type="triangle"/>
             </a:ln>
             <a:effectLst/>
             <a:sp3d/>
@@ -7965,61 +8047,84 @@
             </a:effectRef>
             <a:fontRef idx="none"/>
           </p:style>
-          <p:txBody>
-            <a:bodyPr rot="0" spcFirstLastPara="1" vertOverflow="overflow" horzOverflow="overflow" vert="horz" wrap="square" lIns="54570" tIns="54570" rIns="54570" bIns="54570" numCol="1" spcCol="38100" rtlCol="0" anchor="ctr">
-              <a:spAutoFit/>
-            </a:bodyPr>
-            <a:lstStyle/>
-            <a:p>
-              <a:pPr marL="0" marR="0" indent="0" algn="ctr" defTabSz="584200" rtl="0" fontAlgn="auto" latinLnBrk="0" hangingPunct="0">
-                <a:lnSpc>
-                  <a:spcPct val="80000"/>
-                </a:lnSpc>
-                <a:spcBef>
-                  <a:spcPts val="0"/>
-                </a:spcBef>
-                <a:spcAft>
-                  <a:spcPts val="0"/>
-                </a:spcAft>
-                <a:buClrTx/>
-                <a:buSzTx/>
-                <a:buFontTx/>
-                <a:buNone/>
-                <a:tabLst/>
-              </a:pPr>
-              <a:r>
-                <a:rPr lang="en-NO" sz="1800" b="0" dirty="0">
-                  <a:solidFill>
-                    <a:srgbClr val="000000"/>
-                  </a:solidFill>
-                  <a:latin typeface="Source Sans Pro" panose="020B0503030403020204" pitchFamily="34" charset="0"/>
-                  <a:ea typeface="Source Sans Pro" panose="020B0503030403020204" pitchFamily="34" charset="0"/>
-                </a:rPr>
-                <a:t>Shiny modules</a:t>
-              </a:r>
-              <a:endParaRPr kumimoji="0" lang="en-NO" sz="1800" b="0" i="0" u="none" strike="noStrike" cap="none" spc="0" normalizeH="0" baseline="0" dirty="0">
-                <a:ln>
-                  <a:noFill/>
-                </a:ln>
-                <a:solidFill>
-                  <a:srgbClr val="000000"/>
-                </a:solidFill>
-                <a:effectLst/>
-                <a:uFillTx/>
-                <a:latin typeface="Source Sans Pro" panose="020B0503030403020204" pitchFamily="34" charset="0"/>
-                <a:ea typeface="Source Sans Pro" panose="020B0503030403020204" pitchFamily="34" charset="0"/>
-                <a:sym typeface="Source Sans Pro"/>
-              </a:endParaRPr>
-            </a:p>
-          </p:txBody>
-        </p:sp>
+        </p:cxnSp>
+        <p:pic>
+          <p:nvPicPr>
+            <p:cNvPr id="55" name="Picture 54">
+              <a:extLst>
+                <a:ext uri="{FF2B5EF4-FFF2-40B4-BE49-F238E27FC236}">
+                  <a16:creationId xmlns:a16="http://schemas.microsoft.com/office/drawing/2014/main" id="{F6AE3816-6783-4EB5-0710-83FE58F18690}"/>
+                </a:ext>
+              </a:extLst>
+            </p:cNvPr>
+            <p:cNvPicPr>
+              <a:picLocks noChangeAspect="1"/>
+            </p:cNvPicPr>
+            <p:nvPr/>
+          </p:nvPicPr>
+          <p:blipFill>
+            <a:blip r:embed="rId16">
+              <a:extLst>
+                <a:ext uri="{28A0092B-C50C-407E-A947-70E740481C1C}">
+                  <a14:useLocalDpi xmlns:a14="http://schemas.microsoft.com/office/drawing/2010/main" val="0"/>
+                </a:ext>
+              </a:extLst>
+            </a:blip>
+            <a:srcRect/>
+            <a:stretch/>
+          </p:blipFill>
+          <p:spPr>
+            <a:xfrm>
+              <a:off x="5606297" y="7849493"/>
+              <a:ext cx="1232821" cy="1422485"/>
+            </a:xfrm>
+            <a:prstGeom prst="rect">
+              <a:avLst/>
+            </a:prstGeom>
+          </p:spPr>
+        </p:pic>
+        <p:pic>
+          <p:nvPicPr>
+            <p:cNvPr id="2" name="Picture 1">
+              <a:extLst>
+                <a:ext uri="{FF2B5EF4-FFF2-40B4-BE49-F238E27FC236}">
+                  <a16:creationId xmlns:a16="http://schemas.microsoft.com/office/drawing/2014/main" id="{36277B50-A2A7-32F5-B36D-DC0DC87BC541}"/>
+                </a:ext>
+              </a:extLst>
+            </p:cNvPr>
+            <p:cNvPicPr>
+              <a:picLocks noChangeAspect="1"/>
+            </p:cNvPicPr>
+            <p:nvPr/>
+          </p:nvPicPr>
+          <p:blipFill>
+            <a:blip r:embed="rId17">
+              <a:extLst>
+                <a:ext uri="{28A0092B-C50C-407E-A947-70E740481C1C}">
+                  <a14:useLocalDpi xmlns:a14="http://schemas.microsoft.com/office/drawing/2010/main" val="0"/>
+                </a:ext>
+              </a:extLst>
+            </a:blip>
+            <a:srcRect/>
+            <a:stretch/>
+          </p:blipFill>
+          <p:spPr>
+            <a:xfrm>
+              <a:off x="7138085" y="7835292"/>
+              <a:ext cx="1247438" cy="1439351"/>
+            </a:xfrm>
+            <a:prstGeom prst="rect">
+              <a:avLst/>
+            </a:prstGeom>
+          </p:spPr>
+        </p:pic>
       </p:grpSp>
       <p:pic>
         <p:nvPicPr>
-          <p:cNvPr id="55" name="Picture 54">
+          <p:cNvPr id="5" name="Picture 4">
             <a:extLst>
               <a:ext uri="{FF2B5EF4-FFF2-40B4-BE49-F238E27FC236}">
-                <a16:creationId xmlns:a16="http://schemas.microsoft.com/office/drawing/2014/main" id="{F6AE3816-6783-4EB5-0710-83FE58F18690}"/>
+                <a16:creationId xmlns:a16="http://schemas.microsoft.com/office/drawing/2014/main" id="{7A8D7D1E-35A2-31CD-FB55-C5BE8250A434}"/>
               </a:ext>
             </a:extLst>
           </p:cNvPr>
@@ -8036,25 +8141,459 @@
               </a:ext>
             </a:extLst>
           </a:blip>
-          <a:srcRect/>
-          <a:stretch/>
+          <a:stretch>
+            <a:fillRect/>
+          </a:stretch>
         </p:blipFill>
         <p:spPr>
           <a:xfrm>
-            <a:off x="5606297" y="7844703"/>
-            <a:ext cx="1232821" cy="1432065"/>
+            <a:off x="11001626" y="554249"/>
+            <a:ext cx="1243636" cy="1440000"/>
           </a:xfrm>
           <a:prstGeom prst="rect">
             <a:avLst/>
           </a:prstGeom>
         </p:spPr>
       </p:pic>
+      <p:sp>
+        <p:nvSpPr>
+          <p:cNvPr id="8" name="Rectangle 7">
+            <a:extLst>
+              <a:ext uri="{FF2B5EF4-FFF2-40B4-BE49-F238E27FC236}">
+                <a16:creationId xmlns:a16="http://schemas.microsoft.com/office/drawing/2014/main" id="{F4B3787B-810D-8333-0508-7DF9B2A5A6E3}"/>
+              </a:ext>
+            </a:extLst>
+          </p:cNvPr>
+          <p:cNvSpPr>
+            <a:spLocks/>
+          </p:cNvSpPr>
+          <p:nvPr/>
+        </p:nvSpPr>
+        <p:spPr>
+          <a:xfrm>
+            <a:off x="10088064" y="262549"/>
+            <a:ext cx="3070760" cy="2376000"/>
+          </a:xfrm>
+          <a:prstGeom prst="rect">
+            <a:avLst/>
+          </a:prstGeom>
+          <a:noFill/>
+          <a:ln w="38100" cap="flat">
+            <a:solidFill>
+              <a:srgbClr val="77B6CD"/>
+            </a:solidFill>
+            <a:miter lim="400000"/>
+          </a:ln>
+          <a:effectLst/>
+          <a:sp3d/>
+        </p:spPr>
+        <p:style>
+          <a:lnRef idx="0">
+            <a:scrgbClr r="0" g="0" b="0"/>
+          </a:lnRef>
+          <a:fillRef idx="0">
+            <a:scrgbClr r="0" g="0" b="0"/>
+          </a:fillRef>
+          <a:effectRef idx="0">
+            <a:scrgbClr r="0" g="0" b="0"/>
+          </a:effectRef>
+          <a:fontRef idx="none"/>
+        </p:style>
+        <p:txBody>
+          <a:bodyPr rot="0" spcFirstLastPara="1" vertOverflow="overflow" horzOverflow="overflow" vert="horz" wrap="square" lIns="54570" tIns="54570" rIns="54570" bIns="54570" numCol="1" spcCol="38100" rtlCol="0" anchor="ctr">
+            <a:spAutoFit/>
+          </a:bodyPr>
+          <a:lstStyle/>
+          <a:p>
+            <a:pPr marL="0" marR="0" indent="0" algn="l" defTabSz="584200" rtl="0" fontAlgn="auto" latinLnBrk="0" hangingPunct="0">
+              <a:lnSpc>
+                <a:spcPct val="80000"/>
+              </a:lnSpc>
+              <a:spcBef>
+                <a:spcPts val="0"/>
+              </a:spcBef>
+              <a:spcAft>
+                <a:spcPts val="0"/>
+              </a:spcAft>
+              <a:buClrTx/>
+              <a:buSzTx/>
+              <a:buFontTx/>
+              <a:buNone/>
+              <a:tabLst/>
+            </a:pPr>
+            <a:endParaRPr kumimoji="0" lang="en-NO" sz="1200" b="0" i="0" u="none" strike="noStrike" cap="none" spc="0" normalizeH="0" baseline="0">
+              <a:ln>
+                <a:noFill/>
+              </a:ln>
+              <a:solidFill>
+                <a:srgbClr val="000000"/>
+              </a:solidFill>
+              <a:effectLst/>
+              <a:uFillTx/>
+              <a:latin typeface="Source Sans Pro"/>
+              <a:ea typeface="Source Sans Pro"/>
+              <a:cs typeface="Source Sans Pro"/>
+              <a:sym typeface="Source Sans Pro"/>
+            </a:endParaRPr>
+          </a:p>
+        </p:txBody>
+      </p:sp>
+      <p:sp>
+        <p:nvSpPr>
+          <p:cNvPr id="9" name="Rectangle 8">
+            <a:extLst>
+              <a:ext uri="{FF2B5EF4-FFF2-40B4-BE49-F238E27FC236}">
+                <a16:creationId xmlns:a16="http://schemas.microsoft.com/office/drawing/2014/main" id="{232A31AB-25C0-5C72-6CA7-9561962980A7}"/>
+              </a:ext>
+            </a:extLst>
+          </p:cNvPr>
+          <p:cNvSpPr/>
+          <p:nvPr/>
+        </p:nvSpPr>
+        <p:spPr>
+          <a:xfrm>
+            <a:off x="10088064" y="2299039"/>
+            <a:ext cx="3070760" cy="332390"/>
+          </a:xfrm>
+          <a:prstGeom prst="rect">
+            <a:avLst/>
+          </a:prstGeom>
+          <a:noFill/>
+          <a:ln w="12700" cap="flat">
+            <a:noFill/>
+            <a:miter lim="400000"/>
+          </a:ln>
+          <a:effectLst/>
+          <a:sp3d/>
+        </p:spPr>
+        <p:style>
+          <a:lnRef idx="0">
+            <a:scrgbClr r="0" g="0" b="0"/>
+          </a:lnRef>
+          <a:fillRef idx="0">
+            <a:scrgbClr r="0" g="0" b="0"/>
+          </a:fillRef>
+          <a:effectRef idx="0">
+            <a:scrgbClr r="0" g="0" b="0"/>
+          </a:effectRef>
+          <a:fontRef idx="none"/>
+        </p:style>
+        <p:txBody>
+          <a:bodyPr rot="0" spcFirstLastPara="1" vertOverflow="overflow" horzOverflow="overflow" vert="horz" wrap="square" lIns="54570" tIns="54570" rIns="54570" bIns="54570" numCol="1" spcCol="38100" rtlCol="0" anchor="ctr">
+            <a:spAutoFit/>
+          </a:bodyPr>
+          <a:lstStyle/>
+          <a:p>
+            <a:pPr marL="0" marR="0" indent="0" algn="ctr" defTabSz="584200" rtl="0" fontAlgn="auto" latinLnBrk="0" hangingPunct="0">
+              <a:lnSpc>
+                <a:spcPct val="80000"/>
+              </a:lnSpc>
+              <a:spcBef>
+                <a:spcPts val="0"/>
+              </a:spcBef>
+              <a:spcAft>
+                <a:spcPts val="0"/>
+              </a:spcAft>
+              <a:buClrTx/>
+              <a:buSzTx/>
+              <a:buFontTx/>
+              <a:buNone/>
+              <a:tabLst/>
+            </a:pPr>
+            <a:r>
+              <a:rPr kumimoji="0" lang="en-NO" sz="1800" b="0" i="0" u="none" strike="noStrike" cap="none" spc="0" normalizeH="0" baseline="0" dirty="0">
+                <a:ln>
+                  <a:noFill/>
+                </a:ln>
+                <a:solidFill>
+                  <a:srgbClr val="000000"/>
+                </a:solidFill>
+                <a:effectLst/>
+                <a:uFillTx/>
+                <a:latin typeface="Source Sans Pro" panose="020B0503030403020204" pitchFamily="34" charset="0"/>
+                <a:ea typeface="Source Sans Pro" panose="020B0503030403020204" pitchFamily="34" charset="0"/>
+                <a:sym typeface="Source Sans Pro"/>
+              </a:rPr>
+              <a:t>Historical data</a:t>
+            </a:r>
+          </a:p>
+        </p:txBody>
+      </p:sp>
+    </p:spTree>
+  </p:cSld>
+  <p:clrMapOvr>
+    <a:masterClrMapping/>
+  </p:clrMapOvr>
+  <p:transition spd="med"/>
+</p:sld>
+</file>
+
+<file path=ppt/slides/slide2.xml><?xml version="1.0" encoding="utf-8"?>
+<p:sld xmlns:a="http://schemas.openxmlformats.org/drawingml/2006/main" xmlns:r="http://schemas.openxmlformats.org/officeDocument/2006/relationships" xmlns:p="http://schemas.openxmlformats.org/presentationml/2006/main">
+  <p:cSld>
+    <p:spTree>
+      <p:nvGrpSpPr>
+        <p:cNvPr id="1" name=""/>
+        <p:cNvGrpSpPr/>
+        <p:nvPr/>
+      </p:nvGrpSpPr>
+      <p:grpSpPr>
+        <a:xfrm>
+          <a:off x="0" y="0"/>
+          <a:ext cx="0" cy="0"/>
+          <a:chOff x="0" y="0"/>
+          <a:chExt cx="0" cy="0"/>
+        </a:xfrm>
+      </p:grpSpPr>
+      <p:sp>
+        <p:nvSpPr>
+          <p:cNvPr id="21" name="Rectangle 20">
+            <a:extLst>
+              <a:ext uri="{FF2B5EF4-FFF2-40B4-BE49-F238E27FC236}">
+                <a16:creationId xmlns:a16="http://schemas.microsoft.com/office/drawing/2014/main" id="{8148C508-4C56-9644-9AF2-DC1B800157BE}"/>
+              </a:ext>
+            </a:extLst>
+          </p:cNvPr>
+          <p:cNvSpPr/>
+          <p:nvPr/>
+        </p:nvSpPr>
+        <p:spPr>
+          <a:xfrm>
+            <a:off x="0" y="0"/>
+            <a:ext cx="13970000" cy="10795000"/>
+          </a:xfrm>
+          <a:prstGeom prst="rect">
+            <a:avLst/>
+          </a:prstGeom>
+          <a:solidFill>
+            <a:srgbClr val="FFFFFF"/>
+          </a:solidFill>
+          <a:ln w="12700" cap="flat">
+            <a:noFill/>
+            <a:miter lim="400000"/>
+          </a:ln>
+          <a:effectLst>
+            <a:outerShdw sx="1000" sy="1000" rotWithShape="0">
+              <a:schemeClr val="bg1"/>
+            </a:outerShdw>
+          </a:effectLst>
+          <a:sp3d/>
+        </p:spPr>
+        <p:style>
+          <a:lnRef idx="0">
+            <a:scrgbClr r="0" g="0" b="0"/>
+          </a:lnRef>
+          <a:fillRef idx="0">
+            <a:scrgbClr r="0" g="0" b="0"/>
+          </a:fillRef>
+          <a:effectRef idx="0">
+            <a:scrgbClr r="0" g="0" b="0"/>
+          </a:effectRef>
+          <a:fontRef idx="none"/>
+        </p:style>
+        <p:txBody>
+          <a:bodyPr rot="0" spcFirstLastPara="1" vertOverflow="overflow" horzOverflow="overflow" vert="horz" wrap="square" lIns="54570" tIns="54570" rIns="54570" bIns="54570" numCol="1" spcCol="38100" rtlCol="0" anchor="ctr">
+            <a:spAutoFit/>
+          </a:bodyPr>
+          <a:lstStyle/>
+          <a:p>
+            <a:pPr marL="0" marR="0" indent="0" algn="l" defTabSz="584200" rtl="0" fontAlgn="auto" latinLnBrk="0" hangingPunct="0">
+              <a:lnSpc>
+                <a:spcPct val="80000"/>
+              </a:lnSpc>
+              <a:spcBef>
+                <a:spcPts val="0"/>
+              </a:spcBef>
+              <a:spcAft>
+                <a:spcPts val="0"/>
+              </a:spcAft>
+              <a:buClrTx/>
+              <a:buSzTx/>
+              <a:buFontTx/>
+              <a:buNone/>
+              <a:tabLst/>
+            </a:pPr>
+            <a:endParaRPr kumimoji="0" lang="en-NO" sz="1200" b="0" i="0" u="none" strike="noStrike" cap="none" spc="0" normalizeH="0" baseline="0" dirty="0">
+              <a:ln>
+                <a:noFill/>
+              </a:ln>
+              <a:solidFill>
+                <a:srgbClr val="000000"/>
+              </a:solidFill>
+              <a:effectLst/>
+              <a:uFillTx/>
+              <a:latin typeface="Source Sans Pro"/>
+              <a:ea typeface="Source Sans Pro"/>
+              <a:cs typeface="Source Sans Pro"/>
+              <a:sym typeface="Source Sans Pro"/>
+            </a:endParaRPr>
+          </a:p>
+        </p:txBody>
+      </p:sp>
+      <p:sp>
+        <p:nvSpPr>
+          <p:cNvPr id="22" name="Line">
+            <a:extLst>
+              <a:ext uri="{FF2B5EF4-FFF2-40B4-BE49-F238E27FC236}">
+                <a16:creationId xmlns:a16="http://schemas.microsoft.com/office/drawing/2014/main" id="{8BAEFB8D-E30D-BF42-B3C6-0FF9322A8B5A}"/>
+              </a:ext>
+            </a:extLst>
+          </p:cNvPr>
+          <p:cNvSpPr/>
+          <p:nvPr/>
+        </p:nvSpPr>
+        <p:spPr>
+          <a:xfrm>
+            <a:off x="842362" y="10231635"/>
+            <a:ext cx="12833138" cy="0"/>
+          </a:xfrm>
+          <a:prstGeom prst="line">
+            <a:avLst/>
+          </a:prstGeom>
+          <a:ln w="12700">
+            <a:solidFill>
+              <a:srgbClr val="E4E4E3"/>
+            </a:solidFill>
+            <a:miter lim="400000"/>
+          </a:ln>
+        </p:spPr>
+        <p:txBody>
+          <a:bodyPr lIns="54570" tIns="54570" rIns="54570" bIns="54570" anchor="ctr"/>
+          <a:lstStyle/>
+          <a:p>
+            <a:pPr>
+              <a:lnSpc>
+                <a:spcPct val="80000"/>
+              </a:lnSpc>
+              <a:spcBef>
+                <a:spcPts val="600"/>
+              </a:spcBef>
+              <a:defRPr b="0">
+                <a:solidFill>
+                  <a:srgbClr val="000000"/>
+                </a:solidFill>
+              </a:defRPr>
+            </a:pPr>
+            <a:endParaRPr/>
+          </a:p>
+        </p:txBody>
+      </p:sp>
+      <p:sp>
+        <p:nvSpPr>
+          <p:cNvPr id="25" name="RStudio® is a trademark of RStudio, Inc.  •  CC BY SA Your Name •  your@email.com  •  844-448-1212 • your.website.com •  Learn more at webpage or vignette   •  package version  0.5.0 •  Updated: 2017-01">
+            <a:extLst>
+              <a:ext uri="{FF2B5EF4-FFF2-40B4-BE49-F238E27FC236}">
+                <a16:creationId xmlns:a16="http://schemas.microsoft.com/office/drawing/2014/main" id="{BC033970-04BE-F342-8A25-88ECE52DD005}"/>
+              </a:ext>
+            </a:extLst>
+          </p:cNvPr>
+          <p:cNvSpPr txBox="1"/>
+          <p:nvPr/>
+        </p:nvSpPr>
+        <p:spPr>
+          <a:xfrm>
+            <a:off x="2353572" y="10285578"/>
+            <a:ext cx="11322666" cy="359505"/>
+          </a:xfrm>
+          <a:prstGeom prst="rect">
+            <a:avLst/>
+          </a:prstGeom>
+          <a:ln w="12700">
+            <a:miter lim="400000"/>
+          </a:ln>
+          <a:extLst>
+            <a:ext uri="{C572A759-6A51-4108-AA02-DFA0A04FC94B}">
+              <ma14:wrappingTextBoxFlag xmlns="" xmlns:m="http://schemas.openxmlformats.org/officeDocument/2006/math" xmlns:a14="http://schemas.microsoft.com/office/drawing/2010/main" xmlns:ma14="http://schemas.microsoft.com/office/mac/drawingml/2011/main" val="1"/>
+            </a:ext>
+          </a:extLst>
+        </p:spPr>
+        <p:txBody>
+          <a:bodyPr wrap="square" lIns="54570" tIns="54570" rIns="54570" bIns="54570" anchor="ctr">
+            <a:spAutoFit/>
+          </a:bodyPr>
+          <a:lstStyle/>
+          <a:p>
+            <a:pPr algn="r">
+              <a:lnSpc>
+                <a:spcPct val="90000"/>
+              </a:lnSpc>
+              <a:spcBef>
+                <a:spcPts val="0"/>
+              </a:spcBef>
+              <a:defRPr sz="900" b="0">
+                <a:solidFill>
+                  <a:srgbClr val="000000"/>
+                </a:solidFill>
+              </a:defRPr>
+            </a:pPr>
+            <a:r>
+              <a:rPr sz="1800" dirty="0">
+                <a:hlinkClick r:id="rId3"/>
+              </a:rPr>
+              <a:t>CC BY SA</a:t>
+            </a:r>
+            <a:r>
+              <a:rPr lang="en-US" sz="1800" dirty="0"/>
+              <a:t>   </a:t>
+            </a:r>
+            <a:r>
+              <a:rPr sz="1800" dirty="0"/>
+              <a:t>•</a:t>
+            </a:r>
+            <a:r>
+              <a:rPr lang="en-US" sz="1800" dirty="0"/>
+              <a:t>   sykdomspulsen@fhi.no   </a:t>
+            </a:r>
+            <a:r>
+              <a:rPr sz="1800" dirty="0"/>
+              <a:t>•</a:t>
+            </a:r>
+            <a:r>
+              <a:rPr lang="en-US" sz="1800" dirty="0"/>
+              <a:t>   </a:t>
+            </a:r>
+            <a:r>
+              <a:rPr sz="1800" dirty="0"/>
+              <a:t>Learn more at </a:t>
+            </a:r>
+            <a:r>
+              <a:rPr lang="en-US" sz="1800" dirty="0"/>
+              <a:t>docs.sykdomspulsen.no/packages</a:t>
+            </a:r>
+            <a:r>
+              <a:rPr sz="1800" dirty="0"/>
+              <a:t>   •</a:t>
+            </a:r>
+            <a:r>
+              <a:rPr lang="en-NO" sz="1800" dirty="0"/>
+              <a:t>   </a:t>
+            </a:r>
+            <a:r>
+              <a:rPr sz="1800" dirty="0"/>
+              <a:t>Updated: 20</a:t>
+            </a:r>
+            <a:r>
+              <a:rPr lang="en-US" sz="1800" dirty="0"/>
+              <a:t>22</a:t>
+            </a:r>
+            <a:r>
+              <a:rPr sz="1800" dirty="0"/>
+              <a:t>-0</a:t>
+            </a:r>
+            <a:r>
+              <a:rPr lang="en-US" sz="1800" dirty="0"/>
+              <a:t>4-04</a:t>
+            </a:r>
+            <a:endParaRPr sz="1800" dirty="0"/>
+          </a:p>
+        </p:txBody>
+      </p:sp>
       <p:pic>
         <p:nvPicPr>
-          <p:cNvPr id="2" name="Picture 1">
+          <p:cNvPr id="26" name="Picture 25">
             <a:extLst>
               <a:ext uri="{FF2B5EF4-FFF2-40B4-BE49-F238E27FC236}">
-                <a16:creationId xmlns:a16="http://schemas.microsoft.com/office/drawing/2014/main" id="{36277B50-A2A7-32F5-B36D-DC0DC87BC541}"/>
+                <a16:creationId xmlns:a16="http://schemas.microsoft.com/office/drawing/2014/main" id="{03D302E7-BB95-C846-8EDA-DBFCA82A8C4D}"/>
               </a:ext>
             </a:extLst>
           </p:cNvPr>
@@ -8064,22 +8603,1524 @@
           <p:nvPr/>
         </p:nvPicPr>
         <p:blipFill>
-          <a:blip r:embed="rId19"/>
+          <a:blip r:embed="rId4"/>
           <a:stretch>
             <a:fillRect/>
           </a:stretch>
         </p:blipFill>
         <p:spPr>
           <a:xfrm>
-            <a:off x="7138085" y="7833168"/>
-            <a:ext cx="1247438" cy="1443600"/>
+            <a:off x="103158" y="8897509"/>
+            <a:ext cx="1555408" cy="1800000"/>
           </a:xfrm>
           <a:prstGeom prst="rect">
             <a:avLst/>
           </a:prstGeom>
         </p:spPr>
       </p:pic>
+      <p:pic>
+        <p:nvPicPr>
+          <p:cNvPr id="27" name="Picture 26" descr="A picture containing text, sign&#10;&#10;Description automatically generated">
+            <a:extLst>
+              <a:ext uri="{FF2B5EF4-FFF2-40B4-BE49-F238E27FC236}">
+                <a16:creationId xmlns:a16="http://schemas.microsoft.com/office/drawing/2014/main" id="{31A3DD80-843E-7E48-AA28-D545430D43EE}"/>
+              </a:ext>
+            </a:extLst>
+          </p:cNvPr>
+          <p:cNvPicPr>
+            <a:picLocks noChangeAspect="1"/>
+          </p:cNvPicPr>
+          <p:nvPr/>
+        </p:nvPicPr>
+        <p:blipFill>
+          <a:blip r:embed="rId5">
+            <a:extLst>
+              <a:ext uri="{28A0092B-C50C-407E-A947-70E740481C1C}">
+                <a14:useLocalDpi xmlns:a14="http://schemas.microsoft.com/office/drawing/2010/main" val="0"/>
+              </a:ext>
+            </a:extLst>
+          </a:blip>
+          <a:stretch>
+            <a:fillRect/>
+          </a:stretch>
+        </p:blipFill>
+        <p:spPr>
+          <a:xfrm>
+            <a:off x="9584815" y="2320437"/>
+            <a:ext cx="1243636" cy="1440000"/>
+          </a:xfrm>
+          <a:prstGeom prst="rect">
+            <a:avLst/>
+          </a:prstGeom>
+        </p:spPr>
+      </p:pic>
+      <p:pic>
+        <p:nvPicPr>
+          <p:cNvPr id="28" name="Picture 27" descr="A picture containing text, sign&#10;&#10;Description automatically generated">
+            <a:extLst>
+              <a:ext uri="{FF2B5EF4-FFF2-40B4-BE49-F238E27FC236}">
+                <a16:creationId xmlns:a16="http://schemas.microsoft.com/office/drawing/2014/main" id="{CFBA0C19-191F-3D4B-83D3-F852630F01F7}"/>
+              </a:ext>
+            </a:extLst>
+          </p:cNvPr>
+          <p:cNvPicPr>
+            <a:picLocks noChangeAspect="1"/>
+          </p:cNvPicPr>
+          <p:nvPr/>
+        </p:nvPicPr>
+        <p:blipFill>
+          <a:blip r:embed="rId6">
+            <a:extLst>
+              <a:ext uri="{28A0092B-C50C-407E-A947-70E740481C1C}">
+                <a14:useLocalDpi xmlns:a14="http://schemas.microsoft.com/office/drawing/2010/main" val="0"/>
+              </a:ext>
+            </a:extLst>
+          </a:blip>
+          <a:stretch>
+            <a:fillRect/>
+          </a:stretch>
+        </p:blipFill>
+        <p:spPr>
+          <a:xfrm>
+            <a:off x="11136023" y="2320437"/>
+            <a:ext cx="1243636" cy="1440000"/>
+          </a:xfrm>
+          <a:prstGeom prst="rect">
+            <a:avLst/>
+          </a:prstGeom>
+        </p:spPr>
+      </p:pic>
+      <p:grpSp>
+        <p:nvGrpSpPr>
+          <p:cNvPr id="29" name="Group 28">
+            <a:extLst>
+              <a:ext uri="{FF2B5EF4-FFF2-40B4-BE49-F238E27FC236}">
+                <a16:creationId xmlns:a16="http://schemas.microsoft.com/office/drawing/2014/main" id="{49362FAE-FA31-1F41-8D78-6AB8918E8CBD}"/>
+              </a:ext>
+            </a:extLst>
+          </p:cNvPr>
+          <p:cNvGrpSpPr/>
+          <p:nvPr/>
+        </p:nvGrpSpPr>
+        <p:grpSpPr>
+          <a:xfrm>
+            <a:off x="1452384" y="845033"/>
+            <a:ext cx="11065233" cy="8107424"/>
+            <a:chOff x="1713169" y="697129"/>
+            <a:chExt cx="11065233" cy="8107424"/>
+          </a:xfrm>
+        </p:grpSpPr>
+        <p:grpSp>
+          <p:nvGrpSpPr>
+            <p:cNvPr id="30" name="Group 29">
+              <a:extLst>
+                <a:ext uri="{FF2B5EF4-FFF2-40B4-BE49-F238E27FC236}">
+                  <a16:creationId xmlns:a16="http://schemas.microsoft.com/office/drawing/2014/main" id="{CB3C1007-8D87-C04E-A8B4-7944F322380A}"/>
+                </a:ext>
+              </a:extLst>
+            </p:cNvPr>
+            <p:cNvGrpSpPr/>
+            <p:nvPr/>
+          </p:nvGrpSpPr>
+          <p:grpSpPr>
+            <a:xfrm>
+              <a:off x="5708160" y="697129"/>
+              <a:ext cx="3070760" cy="3649033"/>
+              <a:chOff x="4378495" y="479852"/>
+              <a:chExt cx="3070760" cy="3649033"/>
+            </a:xfrm>
+          </p:grpSpPr>
+          <p:pic>
+            <p:nvPicPr>
+              <p:cNvPr id="52" name="Picture 51" descr="A picture containing text, sign&#10;&#10;Description automatically generated">
+                <a:extLst>
+                  <a:ext uri="{FF2B5EF4-FFF2-40B4-BE49-F238E27FC236}">
+                    <a16:creationId xmlns:a16="http://schemas.microsoft.com/office/drawing/2014/main" id="{96714AAE-6DC7-F848-B416-948B3186DBF6}"/>
+                  </a:ext>
+                </a:extLst>
+              </p:cNvPr>
+              <p:cNvPicPr>
+                <a:picLocks noChangeAspect="1"/>
+              </p:cNvPicPr>
+              <p:nvPr/>
+            </p:nvPicPr>
+            <p:blipFill>
+              <a:blip r:embed="rId7"/>
+              <a:stretch>
+                <a:fillRect/>
+              </a:stretch>
+            </p:blipFill>
+            <p:spPr>
+              <a:xfrm>
+                <a:off x="6067661" y="1951728"/>
+                <a:ext cx="1243636" cy="1440000"/>
+              </a:xfrm>
+              <a:prstGeom prst="rect">
+                <a:avLst/>
+              </a:prstGeom>
+            </p:spPr>
+          </p:pic>
+          <p:pic>
+            <p:nvPicPr>
+              <p:cNvPr id="53" name="Picture 52" descr="A picture containing text, sign&#10;&#10;Description automatically generated">
+                <a:extLst>
+                  <a:ext uri="{FF2B5EF4-FFF2-40B4-BE49-F238E27FC236}">
+                    <a16:creationId xmlns:a16="http://schemas.microsoft.com/office/drawing/2014/main" id="{A93A1345-3570-A14B-B405-E2737F54CD70}"/>
+                  </a:ext>
+                </a:extLst>
+              </p:cNvPr>
+              <p:cNvPicPr>
+                <a:picLocks noChangeAspect="1"/>
+              </p:cNvPicPr>
+              <p:nvPr/>
+            </p:nvPicPr>
+            <p:blipFill>
+              <a:blip r:embed="rId8">
+                <a:extLst>
+                  <a:ext uri="{28A0092B-C50C-407E-A947-70E740481C1C}">
+                    <a14:useLocalDpi xmlns:a14="http://schemas.microsoft.com/office/drawing/2010/main" val="0"/>
+                  </a:ext>
+                </a:extLst>
+              </a:blip>
+              <a:stretch>
+                <a:fillRect/>
+              </a:stretch>
+            </p:blipFill>
+            <p:spPr>
+              <a:xfrm>
+                <a:off x="4516453" y="1951728"/>
+                <a:ext cx="1243636" cy="1440000"/>
+              </a:xfrm>
+              <a:prstGeom prst="rect">
+                <a:avLst/>
+              </a:prstGeom>
+            </p:spPr>
+          </p:pic>
+          <p:pic>
+            <p:nvPicPr>
+              <p:cNvPr id="54" name="Picture 53" descr="A picture containing text, sign, outdoor&#10;&#10;Description automatically generated">
+                <a:extLst>
+                  <a:ext uri="{FF2B5EF4-FFF2-40B4-BE49-F238E27FC236}">
+                    <a16:creationId xmlns:a16="http://schemas.microsoft.com/office/drawing/2014/main" id="{C791366B-1981-BD42-8320-D2CF4E0D70F5}"/>
+                  </a:ext>
+                </a:extLst>
+              </p:cNvPr>
+              <p:cNvPicPr>
+                <a:picLocks noChangeAspect="1"/>
+              </p:cNvPicPr>
+              <p:nvPr/>
+            </p:nvPicPr>
+            <p:blipFill>
+              <a:blip r:embed="rId9">
+                <a:extLst>
+                  <a:ext uri="{28A0092B-C50C-407E-A947-70E740481C1C}">
+                    <a14:useLocalDpi xmlns:a14="http://schemas.microsoft.com/office/drawing/2010/main" val="0"/>
+                  </a:ext>
+                </a:extLst>
+              </a:blip>
+              <a:stretch>
+                <a:fillRect/>
+              </a:stretch>
+            </p:blipFill>
+            <p:spPr>
+              <a:xfrm>
+                <a:off x="5292057" y="637348"/>
+                <a:ext cx="1243636" cy="1440000"/>
+              </a:xfrm>
+              <a:prstGeom prst="rect">
+                <a:avLst/>
+              </a:prstGeom>
+            </p:spPr>
+          </p:pic>
+          <p:sp>
+            <p:nvSpPr>
+              <p:cNvPr id="55" name="Rectangle 54">
+                <a:extLst>
+                  <a:ext uri="{FF2B5EF4-FFF2-40B4-BE49-F238E27FC236}">
+                    <a16:creationId xmlns:a16="http://schemas.microsoft.com/office/drawing/2014/main" id="{3A016F18-363A-BC43-9BB7-7B71D5019B23}"/>
+                  </a:ext>
+                </a:extLst>
+              </p:cNvPr>
+              <p:cNvSpPr/>
+              <p:nvPr/>
+            </p:nvSpPr>
+            <p:spPr>
+              <a:xfrm>
+                <a:off x="4378495" y="479852"/>
+                <a:ext cx="3070760" cy="3649033"/>
+              </a:xfrm>
+              <a:prstGeom prst="rect">
+                <a:avLst/>
+              </a:prstGeom>
+              <a:noFill/>
+              <a:ln w="38100" cap="flat">
+                <a:solidFill>
+                  <a:srgbClr val="77B6CD"/>
+                </a:solidFill>
+                <a:miter lim="400000"/>
+              </a:ln>
+              <a:effectLst/>
+              <a:sp3d/>
+            </p:spPr>
+            <p:style>
+              <a:lnRef idx="0">
+                <a:scrgbClr r="0" g="0" b="0"/>
+              </a:lnRef>
+              <a:fillRef idx="0">
+                <a:scrgbClr r="0" g="0" b="0"/>
+              </a:fillRef>
+              <a:effectRef idx="0">
+                <a:scrgbClr r="0" g="0" b="0"/>
+              </a:effectRef>
+              <a:fontRef idx="none"/>
+            </p:style>
+            <p:txBody>
+              <a:bodyPr rot="0" spcFirstLastPara="1" vertOverflow="overflow" horzOverflow="overflow" vert="horz" wrap="square" lIns="54570" tIns="54570" rIns="54570" bIns="54570" numCol="1" spcCol="38100" rtlCol="0" anchor="ctr">
+                <a:spAutoFit/>
+              </a:bodyPr>
+              <a:lstStyle/>
+              <a:p>
+                <a:pPr marL="0" marR="0" indent="0" algn="l" defTabSz="584200" rtl="0" fontAlgn="auto" latinLnBrk="0" hangingPunct="0">
+                  <a:lnSpc>
+                    <a:spcPct val="80000"/>
+                  </a:lnSpc>
+                  <a:spcBef>
+                    <a:spcPts val="0"/>
+                  </a:spcBef>
+                  <a:spcAft>
+                    <a:spcPts val="0"/>
+                  </a:spcAft>
+                  <a:buClrTx/>
+                  <a:buSzTx/>
+                  <a:buFontTx/>
+                  <a:buNone/>
+                  <a:tabLst/>
+                </a:pPr>
+                <a:endParaRPr kumimoji="0" lang="en-NO" sz="1200" b="0" i="0" u="none" strike="noStrike" cap="none" spc="0" normalizeH="0" baseline="0">
+                  <a:ln>
+                    <a:noFill/>
+                  </a:ln>
+                  <a:solidFill>
+                    <a:srgbClr val="000000"/>
+                  </a:solidFill>
+                  <a:effectLst/>
+                  <a:uFillTx/>
+                  <a:latin typeface="Source Sans Pro"/>
+                  <a:ea typeface="Source Sans Pro"/>
+                  <a:cs typeface="Source Sans Pro"/>
+                  <a:sym typeface="Source Sans Pro"/>
+                </a:endParaRPr>
+              </a:p>
+            </p:txBody>
+          </p:sp>
+          <p:sp>
+            <p:nvSpPr>
+              <p:cNvPr id="56" name="Rectangle 55">
+                <a:extLst>
+                  <a:ext uri="{FF2B5EF4-FFF2-40B4-BE49-F238E27FC236}">
+                    <a16:creationId xmlns:a16="http://schemas.microsoft.com/office/drawing/2014/main" id="{47904EA5-6A57-CA43-A0BE-D6865FAE9BCE}"/>
+                  </a:ext>
+                </a:extLst>
+              </p:cNvPr>
+              <p:cNvSpPr/>
+              <p:nvPr/>
+            </p:nvSpPr>
+            <p:spPr>
+              <a:xfrm>
+                <a:off x="4378495" y="3796494"/>
+                <a:ext cx="3070760" cy="332390"/>
+              </a:xfrm>
+              <a:prstGeom prst="rect">
+                <a:avLst/>
+              </a:prstGeom>
+              <a:noFill/>
+              <a:ln w="12700" cap="flat">
+                <a:noFill/>
+                <a:miter lim="400000"/>
+              </a:ln>
+              <a:effectLst/>
+              <a:sp3d/>
+            </p:spPr>
+            <p:style>
+              <a:lnRef idx="0">
+                <a:scrgbClr r="0" g="0" b="0"/>
+              </a:lnRef>
+              <a:fillRef idx="0">
+                <a:scrgbClr r="0" g="0" b="0"/>
+              </a:fillRef>
+              <a:effectRef idx="0">
+                <a:scrgbClr r="0" g="0" b="0"/>
+              </a:effectRef>
+              <a:fontRef idx="none"/>
+            </p:style>
+            <p:txBody>
+              <a:bodyPr rot="0" spcFirstLastPara="1" vertOverflow="overflow" horzOverflow="overflow" vert="horz" wrap="square" lIns="54570" tIns="54570" rIns="54570" bIns="54570" numCol="1" spcCol="38100" rtlCol="0" anchor="ctr">
+                <a:spAutoFit/>
+              </a:bodyPr>
+              <a:lstStyle/>
+              <a:p>
+                <a:pPr marL="0" marR="0" indent="0" algn="ctr" defTabSz="584200" rtl="0" fontAlgn="auto" latinLnBrk="0" hangingPunct="0">
+                  <a:lnSpc>
+                    <a:spcPct val="80000"/>
+                  </a:lnSpc>
+                  <a:spcBef>
+                    <a:spcPts val="0"/>
+                  </a:spcBef>
+                  <a:spcAft>
+                    <a:spcPts val="0"/>
+                  </a:spcAft>
+                  <a:buClrTx/>
+                  <a:buSzTx/>
+                  <a:buFontTx/>
+                  <a:buNone/>
+                  <a:tabLst/>
+                </a:pPr>
+                <a:r>
+                  <a:rPr kumimoji="0" lang="en-NO" sz="1800" b="0" i="0" u="none" strike="noStrike" cap="none" spc="0" normalizeH="0" baseline="0" dirty="0">
+                    <a:ln>
+                      <a:noFill/>
+                    </a:ln>
+                    <a:solidFill>
+                      <a:srgbClr val="000000"/>
+                    </a:solidFill>
+                    <a:effectLst/>
+                    <a:uFillTx/>
+                    <a:latin typeface="Source Sans Pro" panose="020B0503030403020204" pitchFamily="34" charset="0"/>
+                    <a:ea typeface="Source Sans Pro" panose="020B0503030403020204" pitchFamily="34" charset="0"/>
+                    <a:sym typeface="Source Sans Pro"/>
+                  </a:rPr>
+                  <a:t>Public health surveillance</a:t>
+                </a:r>
+              </a:p>
+            </p:txBody>
+          </p:sp>
+        </p:grpSp>
+        <p:grpSp>
+          <p:nvGrpSpPr>
+            <p:cNvPr id="31" name="Group 30">
+              <a:extLst>
+                <a:ext uri="{FF2B5EF4-FFF2-40B4-BE49-F238E27FC236}">
+                  <a16:creationId xmlns:a16="http://schemas.microsoft.com/office/drawing/2014/main" id="{B7C9C796-7E55-1543-AA19-2078D811D500}"/>
+                </a:ext>
+              </a:extLst>
+            </p:cNvPr>
+            <p:cNvGrpSpPr/>
+            <p:nvPr/>
+          </p:nvGrpSpPr>
+          <p:grpSpPr>
+            <a:xfrm>
+              <a:off x="5708160" y="5155520"/>
+              <a:ext cx="3070760" cy="3649033"/>
+              <a:chOff x="5354698" y="5246492"/>
+              <a:chExt cx="3070760" cy="3649033"/>
+            </a:xfrm>
+          </p:grpSpPr>
+          <p:pic>
+            <p:nvPicPr>
+              <p:cNvPr id="45" name="Picture 44">
+                <a:extLst>
+                  <a:ext uri="{FF2B5EF4-FFF2-40B4-BE49-F238E27FC236}">
+                    <a16:creationId xmlns:a16="http://schemas.microsoft.com/office/drawing/2014/main" id="{2C4CD69E-CBC5-AB42-8271-EF0C7C7F26ED}"/>
+                  </a:ext>
+                </a:extLst>
+              </p:cNvPr>
+              <p:cNvPicPr>
+                <a:picLocks noChangeAspect="1"/>
+              </p:cNvPicPr>
+              <p:nvPr/>
+            </p:nvPicPr>
+            <p:blipFill>
+              <a:blip r:embed="rId10">
+                <a:extLst>
+                  <a:ext uri="{28A0092B-C50C-407E-A947-70E740481C1C}">
+                    <a14:useLocalDpi xmlns:a14="http://schemas.microsoft.com/office/drawing/2010/main" val="0"/>
+                  </a:ext>
+                </a:extLst>
+              </a:blip>
+              <a:srcRect/>
+              <a:stretch/>
+            </p:blipFill>
+            <p:spPr>
+              <a:xfrm>
+                <a:off x="7043864" y="6722334"/>
+                <a:ext cx="1250527" cy="1440000"/>
+              </a:xfrm>
+              <a:prstGeom prst="rect">
+                <a:avLst/>
+              </a:prstGeom>
+            </p:spPr>
+          </p:pic>
+          <p:pic>
+            <p:nvPicPr>
+              <p:cNvPr id="46" name="Picture 45">
+                <a:extLst>
+                  <a:ext uri="{FF2B5EF4-FFF2-40B4-BE49-F238E27FC236}">
+                    <a16:creationId xmlns:a16="http://schemas.microsoft.com/office/drawing/2014/main" id="{62F561B3-CD69-2A49-8A8C-3A10A4F28A63}"/>
+                  </a:ext>
+                </a:extLst>
+              </p:cNvPr>
+              <p:cNvPicPr>
+                <a:picLocks noChangeAspect="1"/>
+              </p:cNvPicPr>
+              <p:nvPr/>
+            </p:nvPicPr>
+            <p:blipFill>
+              <a:blip r:embed="rId11">
+                <a:extLst>
+                  <a:ext uri="{28A0092B-C50C-407E-A947-70E740481C1C}">
+                    <a14:useLocalDpi xmlns:a14="http://schemas.microsoft.com/office/drawing/2010/main" val="0"/>
+                  </a:ext>
+                </a:extLst>
+              </a:blip>
+              <a:srcRect/>
+              <a:stretch/>
+            </p:blipFill>
+            <p:spPr>
+              <a:xfrm>
+                <a:off x="5492656" y="6722334"/>
+                <a:ext cx="1250527" cy="1440000"/>
+              </a:xfrm>
+              <a:prstGeom prst="rect">
+                <a:avLst/>
+              </a:prstGeom>
+            </p:spPr>
+          </p:pic>
+          <p:pic>
+            <p:nvPicPr>
+              <p:cNvPr id="47" name="Picture 46">
+                <a:extLst>
+                  <a:ext uri="{FF2B5EF4-FFF2-40B4-BE49-F238E27FC236}">
+                    <a16:creationId xmlns:a16="http://schemas.microsoft.com/office/drawing/2014/main" id="{19CC17A5-583B-C441-9AED-9131B13A8788}"/>
+                  </a:ext>
+                </a:extLst>
+              </p:cNvPr>
+              <p:cNvPicPr>
+                <a:picLocks noChangeAspect="1"/>
+              </p:cNvPicPr>
+              <p:nvPr/>
+            </p:nvPicPr>
+            <p:blipFill>
+              <a:blip r:embed="rId12">
+                <a:extLst>
+                  <a:ext uri="{28A0092B-C50C-407E-A947-70E740481C1C}">
+                    <a14:useLocalDpi xmlns:a14="http://schemas.microsoft.com/office/drawing/2010/main" val="0"/>
+                  </a:ext>
+                </a:extLst>
+              </a:blip>
+              <a:srcRect/>
+              <a:stretch/>
+            </p:blipFill>
+            <p:spPr>
+              <a:xfrm>
+                <a:off x="6268260" y="5407954"/>
+                <a:ext cx="1250527" cy="1440000"/>
+              </a:xfrm>
+              <a:prstGeom prst="rect">
+                <a:avLst/>
+              </a:prstGeom>
+            </p:spPr>
+          </p:pic>
+          <p:sp>
+            <p:nvSpPr>
+              <p:cNvPr id="48" name="Rectangle 47">
+                <a:extLst>
+                  <a:ext uri="{FF2B5EF4-FFF2-40B4-BE49-F238E27FC236}">
+                    <a16:creationId xmlns:a16="http://schemas.microsoft.com/office/drawing/2014/main" id="{8467DD9D-DB38-CC4D-B371-3B0F35B5C9AF}"/>
+                  </a:ext>
+                </a:extLst>
+              </p:cNvPr>
+              <p:cNvSpPr/>
+              <p:nvPr/>
+            </p:nvSpPr>
+            <p:spPr>
+              <a:xfrm>
+                <a:off x="5354698" y="5246492"/>
+                <a:ext cx="3070760" cy="3649033"/>
+              </a:xfrm>
+              <a:prstGeom prst="rect">
+                <a:avLst/>
+              </a:prstGeom>
+              <a:noFill/>
+              <a:ln w="38100" cap="flat">
+                <a:solidFill>
+                  <a:srgbClr val="77B6CD"/>
+                </a:solidFill>
+                <a:miter lim="400000"/>
+              </a:ln>
+              <a:effectLst/>
+              <a:sp3d/>
+            </p:spPr>
+            <p:style>
+              <a:lnRef idx="0">
+                <a:scrgbClr r="0" g="0" b="0"/>
+              </a:lnRef>
+              <a:fillRef idx="0">
+                <a:scrgbClr r="0" g="0" b="0"/>
+              </a:fillRef>
+              <a:effectRef idx="0">
+                <a:scrgbClr r="0" g="0" b="0"/>
+              </a:effectRef>
+              <a:fontRef idx="none"/>
+            </p:style>
+            <p:txBody>
+              <a:bodyPr rot="0" spcFirstLastPara="1" vertOverflow="overflow" horzOverflow="overflow" vert="horz" wrap="square" lIns="54570" tIns="54570" rIns="54570" bIns="54570" numCol="1" spcCol="38100" rtlCol="0" anchor="ctr">
+                <a:spAutoFit/>
+              </a:bodyPr>
+              <a:lstStyle/>
+              <a:p>
+                <a:pPr marL="0" marR="0" indent="0" algn="l" defTabSz="584200" rtl="0" fontAlgn="auto" latinLnBrk="0" hangingPunct="0">
+                  <a:lnSpc>
+                    <a:spcPct val="80000"/>
+                  </a:lnSpc>
+                  <a:spcBef>
+                    <a:spcPts val="0"/>
+                  </a:spcBef>
+                  <a:spcAft>
+                    <a:spcPts val="0"/>
+                  </a:spcAft>
+                  <a:buClrTx/>
+                  <a:buSzTx/>
+                  <a:buFontTx/>
+                  <a:buNone/>
+                  <a:tabLst/>
+                </a:pPr>
+                <a:endParaRPr kumimoji="0" lang="en-NO" sz="1200" b="0" i="0" u="none" strike="noStrike" cap="none" spc="0" normalizeH="0" baseline="0">
+                  <a:ln>
+                    <a:noFill/>
+                  </a:ln>
+                  <a:solidFill>
+                    <a:srgbClr val="000000"/>
+                  </a:solidFill>
+                  <a:effectLst/>
+                  <a:uFillTx/>
+                  <a:latin typeface="Source Sans Pro"/>
+                  <a:ea typeface="Source Sans Pro"/>
+                  <a:cs typeface="Source Sans Pro"/>
+                  <a:sym typeface="Source Sans Pro"/>
+                </a:endParaRPr>
+              </a:p>
+            </p:txBody>
+          </p:sp>
+          <p:sp>
+            <p:nvSpPr>
+              <p:cNvPr id="49" name="Rectangle 48">
+                <a:extLst>
+                  <a:ext uri="{FF2B5EF4-FFF2-40B4-BE49-F238E27FC236}">
+                    <a16:creationId xmlns:a16="http://schemas.microsoft.com/office/drawing/2014/main" id="{03DB613F-B4BC-9B40-B263-77B5B72330D5}"/>
+                  </a:ext>
+                </a:extLst>
+              </p:cNvPr>
+              <p:cNvSpPr/>
+              <p:nvPr/>
+            </p:nvSpPr>
+            <p:spPr>
+              <a:xfrm>
+                <a:off x="5354698" y="8563134"/>
+                <a:ext cx="3070760" cy="332390"/>
+              </a:xfrm>
+              <a:prstGeom prst="rect">
+                <a:avLst/>
+              </a:prstGeom>
+              <a:noFill/>
+              <a:ln w="12700" cap="flat">
+                <a:noFill/>
+                <a:miter lim="400000"/>
+              </a:ln>
+              <a:effectLst/>
+              <a:sp3d/>
+            </p:spPr>
+            <p:style>
+              <a:lnRef idx="0">
+                <a:scrgbClr r="0" g="0" b="0"/>
+              </a:lnRef>
+              <a:fillRef idx="0">
+                <a:scrgbClr r="0" g="0" b="0"/>
+              </a:fillRef>
+              <a:effectRef idx="0">
+                <a:scrgbClr r="0" g="0" b="0"/>
+              </a:effectRef>
+              <a:fontRef idx="none"/>
+            </p:style>
+            <p:txBody>
+              <a:bodyPr rot="0" spcFirstLastPara="1" vertOverflow="overflow" horzOverflow="overflow" vert="horz" wrap="square" lIns="54570" tIns="54570" rIns="54570" bIns="54570" numCol="1" spcCol="38100" rtlCol="0" anchor="ctr">
+                <a:spAutoFit/>
+              </a:bodyPr>
+              <a:lstStyle/>
+              <a:p>
+                <a:pPr marL="0" marR="0" indent="0" algn="ctr" defTabSz="584200" rtl="0" fontAlgn="auto" latinLnBrk="0" hangingPunct="0">
+                  <a:lnSpc>
+                    <a:spcPct val="80000"/>
+                  </a:lnSpc>
+                  <a:spcBef>
+                    <a:spcPts val="0"/>
+                  </a:spcBef>
+                  <a:spcAft>
+                    <a:spcPts val="0"/>
+                  </a:spcAft>
+                  <a:buClrTx/>
+                  <a:buSzTx/>
+                  <a:buFontTx/>
+                  <a:buNone/>
+                  <a:tabLst/>
+                </a:pPr>
+                <a:r>
+                  <a:rPr kumimoji="0" lang="en-NO" sz="1800" b="0" i="0" u="none" strike="noStrike" cap="none" spc="0" normalizeH="0" baseline="0" dirty="0">
+                    <a:ln>
+                      <a:noFill/>
+                    </a:ln>
+                    <a:solidFill>
+                      <a:srgbClr val="000000"/>
+                    </a:solidFill>
+                    <a:effectLst/>
+                    <a:uFillTx/>
+                    <a:latin typeface="Source Sans Pro" panose="020B0503030403020204" pitchFamily="34" charset="0"/>
+                    <a:ea typeface="Source Sans Pro" panose="020B0503030403020204" pitchFamily="34" charset="0"/>
+                    <a:sym typeface="Source Sans Pro"/>
+                  </a:rPr>
+                  <a:t>Helper functions</a:t>
+                </a:r>
+              </a:p>
+            </p:txBody>
+          </p:sp>
+          <p:cxnSp>
+            <p:nvCxnSpPr>
+              <p:cNvPr id="50" name="Straight Arrow Connector 49">
+                <a:extLst>
+                  <a:ext uri="{FF2B5EF4-FFF2-40B4-BE49-F238E27FC236}">
+                    <a16:creationId xmlns:a16="http://schemas.microsoft.com/office/drawing/2014/main" id="{2FC46E57-33B2-8545-B4CE-B57611734510}"/>
+                  </a:ext>
+                </a:extLst>
+              </p:cNvPr>
+              <p:cNvCxnSpPr>
+                <a:cxnSpLocks/>
+              </p:cNvCxnSpPr>
+              <p:nvPr/>
+            </p:nvCxnSpPr>
+            <p:spPr>
+              <a:xfrm flipH="1" flipV="1">
+                <a:off x="7187426" y="6652336"/>
+                <a:ext cx="164633" cy="229138"/>
+              </a:xfrm>
+              <a:prstGeom prst="straightConnector1">
+                <a:avLst/>
+              </a:prstGeom>
+              <a:noFill/>
+              <a:ln w="47625" cap="flat">
+                <a:solidFill>
+                  <a:srgbClr val="77B6CD"/>
+                </a:solidFill>
+                <a:prstDash val="solid"/>
+                <a:miter lim="400000"/>
+                <a:tailEnd type="triangle"/>
+              </a:ln>
+              <a:effectLst/>
+              <a:sp3d/>
+            </p:spPr>
+            <p:style>
+              <a:lnRef idx="0">
+                <a:scrgbClr r="0" g="0" b="0"/>
+              </a:lnRef>
+              <a:fillRef idx="0">
+                <a:scrgbClr r="0" g="0" b="0"/>
+              </a:fillRef>
+              <a:effectRef idx="0">
+                <a:scrgbClr r="0" g="0" b="0"/>
+              </a:effectRef>
+              <a:fontRef idx="none"/>
+            </p:style>
+          </p:cxnSp>
+          <p:cxnSp>
+            <p:nvCxnSpPr>
+              <p:cNvPr id="51" name="Straight Arrow Connector 50">
+                <a:extLst>
+                  <a:ext uri="{FF2B5EF4-FFF2-40B4-BE49-F238E27FC236}">
+                    <a16:creationId xmlns:a16="http://schemas.microsoft.com/office/drawing/2014/main" id="{418A09FE-3930-5B4C-BA0E-240BCB0AF9FD}"/>
+                  </a:ext>
+                </a:extLst>
+              </p:cNvPr>
+              <p:cNvCxnSpPr>
+                <a:cxnSpLocks/>
+              </p:cNvCxnSpPr>
+              <p:nvPr/>
+            </p:nvCxnSpPr>
+            <p:spPr>
+              <a:xfrm flipV="1">
+                <a:off x="6425430" y="6655111"/>
+                <a:ext cx="164633" cy="229138"/>
+              </a:xfrm>
+              <a:prstGeom prst="straightConnector1">
+                <a:avLst/>
+              </a:prstGeom>
+              <a:noFill/>
+              <a:ln w="47625" cap="flat">
+                <a:solidFill>
+                  <a:srgbClr val="77B6CD"/>
+                </a:solidFill>
+                <a:prstDash val="solid"/>
+                <a:miter lim="400000"/>
+                <a:tailEnd type="triangle"/>
+              </a:ln>
+              <a:effectLst/>
+              <a:sp3d/>
+            </p:spPr>
+            <p:style>
+              <a:lnRef idx="0">
+                <a:scrgbClr r="0" g="0" b="0"/>
+              </a:lnRef>
+              <a:fillRef idx="0">
+                <a:scrgbClr r="0" g="0" b="0"/>
+              </a:fillRef>
+              <a:effectRef idx="0">
+                <a:scrgbClr r="0" g="0" b="0"/>
+              </a:effectRef>
+              <a:fontRef idx="none"/>
+            </p:style>
+          </p:cxnSp>
+        </p:grpSp>
+        <p:grpSp>
+          <p:nvGrpSpPr>
+            <p:cNvPr id="32" name="Group 31">
+              <a:extLst>
+                <a:ext uri="{FF2B5EF4-FFF2-40B4-BE49-F238E27FC236}">
+                  <a16:creationId xmlns:a16="http://schemas.microsoft.com/office/drawing/2014/main" id="{9A51AA0F-2D62-DB4D-A018-66D6825675C3}"/>
+                </a:ext>
+              </a:extLst>
+            </p:cNvPr>
+            <p:cNvGrpSpPr/>
+            <p:nvPr/>
+          </p:nvGrpSpPr>
+          <p:grpSpPr>
+            <a:xfrm>
+              <a:off x="9707642" y="5792036"/>
+              <a:ext cx="3070760" cy="2376000"/>
+              <a:chOff x="5285913" y="7258793"/>
+              <a:chExt cx="3070760" cy="2376000"/>
+            </a:xfrm>
+          </p:grpSpPr>
+          <p:pic>
+            <p:nvPicPr>
+              <p:cNvPr id="40" name="Picture 39">
+                <a:extLst>
+                  <a:ext uri="{FF2B5EF4-FFF2-40B4-BE49-F238E27FC236}">
+                    <a16:creationId xmlns:a16="http://schemas.microsoft.com/office/drawing/2014/main" id="{BB8CC753-3DEF-0A46-892A-8322F6CA61EF}"/>
+                  </a:ext>
+                </a:extLst>
+              </p:cNvPr>
+              <p:cNvPicPr>
+                <a:picLocks noChangeAspect="1"/>
+              </p:cNvPicPr>
+              <p:nvPr/>
+            </p:nvPicPr>
+            <p:blipFill>
+              <a:blip r:embed="rId13">
+                <a:extLst>
+                  <a:ext uri="{28A0092B-C50C-407E-A947-70E740481C1C}">
+                    <a14:useLocalDpi xmlns:a14="http://schemas.microsoft.com/office/drawing/2010/main" val="0"/>
+                  </a:ext>
+                </a:extLst>
+              </a:blip>
+              <a:srcRect/>
+              <a:stretch/>
+            </p:blipFill>
+            <p:spPr>
+              <a:xfrm>
+                <a:off x="6975079" y="7454483"/>
+                <a:ext cx="1250526" cy="1440000"/>
+              </a:xfrm>
+              <a:prstGeom prst="rect">
+                <a:avLst/>
+              </a:prstGeom>
+            </p:spPr>
+          </p:pic>
+          <p:pic>
+            <p:nvPicPr>
+              <p:cNvPr id="41" name="Picture 40">
+                <a:extLst>
+                  <a:ext uri="{FF2B5EF4-FFF2-40B4-BE49-F238E27FC236}">
+                    <a16:creationId xmlns:a16="http://schemas.microsoft.com/office/drawing/2014/main" id="{D43B9232-AAB1-F24A-B4E4-54EA82FF9CC1}"/>
+                  </a:ext>
+                </a:extLst>
+              </p:cNvPr>
+              <p:cNvPicPr>
+                <a:picLocks noChangeAspect="1"/>
+              </p:cNvPicPr>
+              <p:nvPr/>
+            </p:nvPicPr>
+            <p:blipFill>
+              <a:blip r:embed="rId14">
+                <a:extLst>
+                  <a:ext uri="{28A0092B-C50C-407E-A947-70E740481C1C}">
+                    <a14:useLocalDpi xmlns:a14="http://schemas.microsoft.com/office/drawing/2010/main" val="0"/>
+                  </a:ext>
+                </a:extLst>
+              </a:blip>
+              <a:srcRect/>
+              <a:stretch/>
+            </p:blipFill>
+            <p:spPr>
+              <a:xfrm>
+                <a:off x="5423871" y="7454483"/>
+                <a:ext cx="1250526" cy="1440000"/>
+              </a:xfrm>
+              <a:prstGeom prst="rect">
+                <a:avLst/>
+              </a:prstGeom>
+            </p:spPr>
+          </p:pic>
+          <p:sp>
+            <p:nvSpPr>
+              <p:cNvPr id="42" name="Rectangle 41">
+                <a:extLst>
+                  <a:ext uri="{FF2B5EF4-FFF2-40B4-BE49-F238E27FC236}">
+                    <a16:creationId xmlns:a16="http://schemas.microsoft.com/office/drawing/2014/main" id="{1B7B20BE-6114-B047-977F-BF6C07E3D7D3}"/>
+                  </a:ext>
+                </a:extLst>
+              </p:cNvPr>
+              <p:cNvSpPr>
+                <a:spLocks/>
+              </p:cNvSpPr>
+              <p:nvPr/>
+            </p:nvSpPr>
+            <p:spPr>
+              <a:xfrm>
+                <a:off x="5285913" y="7258793"/>
+                <a:ext cx="3070760" cy="2376000"/>
+              </a:xfrm>
+              <a:prstGeom prst="rect">
+                <a:avLst/>
+              </a:prstGeom>
+              <a:noFill/>
+              <a:ln w="38100" cap="flat">
+                <a:solidFill>
+                  <a:srgbClr val="77B6CD"/>
+                </a:solidFill>
+                <a:miter lim="400000"/>
+              </a:ln>
+              <a:effectLst/>
+              <a:sp3d/>
+            </p:spPr>
+            <p:style>
+              <a:lnRef idx="0">
+                <a:scrgbClr r="0" g="0" b="0"/>
+              </a:lnRef>
+              <a:fillRef idx="0">
+                <a:scrgbClr r="0" g="0" b="0"/>
+              </a:fillRef>
+              <a:effectRef idx="0">
+                <a:scrgbClr r="0" g="0" b="0"/>
+              </a:effectRef>
+              <a:fontRef idx="none"/>
+            </p:style>
+            <p:txBody>
+              <a:bodyPr rot="0" spcFirstLastPara="1" vertOverflow="overflow" horzOverflow="overflow" vert="horz" wrap="square" lIns="54570" tIns="54570" rIns="54570" bIns="54570" numCol="1" spcCol="38100" rtlCol="0" anchor="ctr">
+                <a:spAutoFit/>
+              </a:bodyPr>
+              <a:lstStyle/>
+              <a:p>
+                <a:pPr marL="0" marR="0" indent="0" algn="l" defTabSz="584200" rtl="0" fontAlgn="auto" latinLnBrk="0" hangingPunct="0">
+                  <a:lnSpc>
+                    <a:spcPct val="80000"/>
+                  </a:lnSpc>
+                  <a:spcBef>
+                    <a:spcPts val="0"/>
+                  </a:spcBef>
+                  <a:spcAft>
+                    <a:spcPts val="0"/>
+                  </a:spcAft>
+                  <a:buClrTx/>
+                  <a:buSzTx/>
+                  <a:buFontTx/>
+                  <a:buNone/>
+                  <a:tabLst/>
+                </a:pPr>
+                <a:endParaRPr kumimoji="0" lang="en-NO" sz="1200" b="0" i="0" u="none" strike="noStrike" cap="none" spc="0" normalizeH="0" baseline="0">
+                  <a:ln>
+                    <a:noFill/>
+                  </a:ln>
+                  <a:solidFill>
+                    <a:srgbClr val="000000"/>
+                  </a:solidFill>
+                  <a:effectLst/>
+                  <a:uFillTx/>
+                  <a:latin typeface="Source Sans Pro"/>
+                  <a:ea typeface="Source Sans Pro"/>
+                  <a:cs typeface="Source Sans Pro"/>
+                  <a:sym typeface="Source Sans Pro"/>
+                </a:endParaRPr>
+              </a:p>
+            </p:txBody>
+          </p:sp>
+          <p:sp>
+            <p:nvSpPr>
+              <p:cNvPr id="43" name="Rectangle 42">
+                <a:extLst>
+                  <a:ext uri="{FF2B5EF4-FFF2-40B4-BE49-F238E27FC236}">
+                    <a16:creationId xmlns:a16="http://schemas.microsoft.com/office/drawing/2014/main" id="{5792409A-D3A8-9640-8220-8234C4F94956}"/>
+                  </a:ext>
+                </a:extLst>
+              </p:cNvPr>
+              <p:cNvSpPr/>
+              <p:nvPr/>
+            </p:nvSpPr>
+            <p:spPr>
+              <a:xfrm>
+                <a:off x="5285913" y="9295283"/>
+                <a:ext cx="3070760" cy="332390"/>
+              </a:xfrm>
+              <a:prstGeom prst="rect">
+                <a:avLst/>
+              </a:prstGeom>
+              <a:noFill/>
+              <a:ln w="12700" cap="flat">
+                <a:noFill/>
+                <a:miter lim="400000"/>
+              </a:ln>
+              <a:effectLst/>
+              <a:sp3d/>
+            </p:spPr>
+            <p:style>
+              <a:lnRef idx="0">
+                <a:scrgbClr r="0" g="0" b="0"/>
+              </a:lnRef>
+              <a:fillRef idx="0">
+                <a:scrgbClr r="0" g="0" b="0"/>
+              </a:fillRef>
+              <a:effectRef idx="0">
+                <a:scrgbClr r="0" g="0" b="0"/>
+              </a:effectRef>
+              <a:fontRef idx="none"/>
+            </p:style>
+            <p:txBody>
+              <a:bodyPr rot="0" spcFirstLastPara="1" vertOverflow="overflow" horzOverflow="overflow" vert="horz" wrap="square" lIns="54570" tIns="54570" rIns="54570" bIns="54570" numCol="1" spcCol="38100" rtlCol="0" anchor="ctr">
+                <a:spAutoFit/>
+              </a:bodyPr>
+              <a:lstStyle/>
+              <a:p>
+                <a:pPr marL="0" marR="0" indent="0" algn="ctr" defTabSz="584200" rtl="0" fontAlgn="auto" latinLnBrk="0" hangingPunct="0">
+                  <a:lnSpc>
+                    <a:spcPct val="80000"/>
+                  </a:lnSpc>
+                  <a:spcBef>
+                    <a:spcPts val="0"/>
+                  </a:spcBef>
+                  <a:spcAft>
+                    <a:spcPts val="0"/>
+                  </a:spcAft>
+                  <a:buClrTx/>
+                  <a:buSzTx/>
+                  <a:buFontTx/>
+                  <a:buNone/>
+                  <a:tabLst/>
+                </a:pPr>
+                <a:r>
+                  <a:rPr kumimoji="0" lang="en-NO" sz="1800" b="0" i="0" u="none" strike="noStrike" cap="none" spc="0" normalizeH="0" baseline="0" dirty="0">
+                    <a:ln>
+                      <a:noFill/>
+                    </a:ln>
+                    <a:solidFill>
+                      <a:srgbClr val="000000"/>
+                    </a:solidFill>
+                    <a:effectLst/>
+                    <a:uFillTx/>
+                    <a:latin typeface="Source Sans Pro" panose="020B0503030403020204" pitchFamily="34" charset="0"/>
+                    <a:ea typeface="Source Sans Pro" panose="020B0503030403020204" pitchFamily="34" charset="0"/>
+                    <a:sym typeface="Source Sans Pro"/>
+                  </a:rPr>
+                  <a:t>Structural data</a:t>
+                </a:r>
+              </a:p>
+            </p:txBody>
+          </p:sp>
+          <p:cxnSp>
+            <p:nvCxnSpPr>
+              <p:cNvPr id="44" name="Straight Arrow Connector 43">
+                <a:extLst>
+                  <a:ext uri="{FF2B5EF4-FFF2-40B4-BE49-F238E27FC236}">
+                    <a16:creationId xmlns:a16="http://schemas.microsoft.com/office/drawing/2014/main" id="{A0AB6CF0-BB00-E24A-BDBF-5344F550CB54}"/>
+                  </a:ext>
+                </a:extLst>
+              </p:cNvPr>
+              <p:cNvCxnSpPr>
+                <a:cxnSpLocks/>
+                <a:stCxn id="41" idx="3"/>
+                <a:endCxn id="40" idx="1"/>
+              </p:cNvCxnSpPr>
+              <p:nvPr/>
+            </p:nvCxnSpPr>
+            <p:spPr>
+              <a:xfrm>
+                <a:off x="6674397" y="8174483"/>
+                <a:ext cx="300682" cy="0"/>
+              </a:xfrm>
+              <a:prstGeom prst="straightConnector1">
+                <a:avLst/>
+              </a:prstGeom>
+              <a:noFill/>
+              <a:ln w="47625" cap="flat">
+                <a:solidFill>
+                  <a:srgbClr val="77B6CD"/>
+                </a:solidFill>
+                <a:prstDash val="solid"/>
+                <a:miter lim="400000"/>
+                <a:tailEnd type="triangle"/>
+              </a:ln>
+              <a:effectLst/>
+              <a:sp3d/>
+            </p:spPr>
+            <p:style>
+              <a:lnRef idx="0">
+                <a:scrgbClr r="0" g="0" b="0"/>
+              </a:lnRef>
+              <a:fillRef idx="0">
+                <a:scrgbClr r="0" g="0" b="0"/>
+              </a:fillRef>
+              <a:effectRef idx="0">
+                <a:scrgbClr r="0" g="0" b="0"/>
+              </a:effectRef>
+              <a:fontRef idx="none"/>
+            </p:style>
+          </p:cxnSp>
+        </p:grpSp>
+        <p:grpSp>
+          <p:nvGrpSpPr>
+            <p:cNvPr id="33" name="Group 32">
+              <a:extLst>
+                <a:ext uri="{FF2B5EF4-FFF2-40B4-BE49-F238E27FC236}">
+                  <a16:creationId xmlns:a16="http://schemas.microsoft.com/office/drawing/2014/main" id="{8046DD52-70B3-E641-B20D-F131ECAE4CAC}"/>
+                </a:ext>
+              </a:extLst>
+            </p:cNvPr>
+            <p:cNvGrpSpPr/>
+            <p:nvPr/>
+          </p:nvGrpSpPr>
+          <p:grpSpPr>
+            <a:xfrm>
+              <a:off x="1713169" y="5155520"/>
+              <a:ext cx="3070760" cy="3649033"/>
+              <a:chOff x="9977709" y="2993972"/>
+              <a:chExt cx="3070760" cy="3649033"/>
+            </a:xfrm>
+          </p:grpSpPr>
+          <p:pic>
+            <p:nvPicPr>
+              <p:cNvPr id="34" name="Picture 33">
+                <a:extLst>
+                  <a:ext uri="{FF2B5EF4-FFF2-40B4-BE49-F238E27FC236}">
+                    <a16:creationId xmlns:a16="http://schemas.microsoft.com/office/drawing/2014/main" id="{16994875-2314-9741-A9E9-77F861EEA86A}"/>
+                  </a:ext>
+                </a:extLst>
+              </p:cNvPr>
+              <p:cNvPicPr>
+                <a:picLocks noChangeAspect="1"/>
+              </p:cNvPicPr>
+              <p:nvPr/>
+            </p:nvPicPr>
+            <p:blipFill>
+              <a:blip r:embed="rId15">
+                <a:extLst>
+                  <a:ext uri="{28A0092B-C50C-407E-A947-70E740481C1C}">
+                    <a14:useLocalDpi xmlns:a14="http://schemas.microsoft.com/office/drawing/2010/main" val="0"/>
+                  </a:ext>
+                </a:extLst>
+              </a:blip>
+              <a:srcRect/>
+              <a:stretch/>
+            </p:blipFill>
+            <p:spPr>
+              <a:xfrm>
+                <a:off x="11666875" y="4469814"/>
+                <a:ext cx="1250526" cy="1440000"/>
+              </a:xfrm>
+              <a:prstGeom prst="rect">
+                <a:avLst/>
+              </a:prstGeom>
+            </p:spPr>
+          </p:pic>
+          <p:pic>
+            <p:nvPicPr>
+              <p:cNvPr id="35" name="Picture 34">
+                <a:extLst>
+                  <a:ext uri="{FF2B5EF4-FFF2-40B4-BE49-F238E27FC236}">
+                    <a16:creationId xmlns:a16="http://schemas.microsoft.com/office/drawing/2014/main" id="{1DF32880-95DA-9146-8B51-9A7D590A12E9}"/>
+                  </a:ext>
+                </a:extLst>
+              </p:cNvPr>
+              <p:cNvPicPr>
+                <a:picLocks noChangeAspect="1"/>
+              </p:cNvPicPr>
+              <p:nvPr/>
+            </p:nvPicPr>
+            <p:blipFill>
+              <a:blip r:embed="rId16">
+                <a:extLst>
+                  <a:ext uri="{28A0092B-C50C-407E-A947-70E740481C1C}">
+                    <a14:useLocalDpi xmlns:a14="http://schemas.microsoft.com/office/drawing/2010/main" val="0"/>
+                  </a:ext>
+                </a:extLst>
+              </a:blip>
+              <a:srcRect/>
+              <a:stretch/>
+            </p:blipFill>
+            <p:spPr>
+              <a:xfrm>
+                <a:off x="10121983" y="4469814"/>
+                <a:ext cx="1237894" cy="1440000"/>
+              </a:xfrm>
+              <a:prstGeom prst="rect">
+                <a:avLst/>
+              </a:prstGeom>
+            </p:spPr>
+          </p:pic>
+          <p:pic>
+            <p:nvPicPr>
+              <p:cNvPr id="36" name="Picture 35">
+                <a:extLst>
+                  <a:ext uri="{FF2B5EF4-FFF2-40B4-BE49-F238E27FC236}">
+                    <a16:creationId xmlns:a16="http://schemas.microsoft.com/office/drawing/2014/main" id="{28B76A9A-6C9B-1C45-9968-3953376C5E87}"/>
+                  </a:ext>
+                </a:extLst>
+              </p:cNvPr>
+              <p:cNvPicPr>
+                <a:picLocks noChangeAspect="1"/>
+              </p:cNvPicPr>
+              <p:nvPr/>
+            </p:nvPicPr>
+            <p:blipFill>
+              <a:blip r:embed="rId17">
+                <a:extLst>
+                  <a:ext uri="{28A0092B-C50C-407E-A947-70E740481C1C}">
+                    <a14:useLocalDpi xmlns:a14="http://schemas.microsoft.com/office/drawing/2010/main" val="0"/>
+                  </a:ext>
+                </a:extLst>
+              </a:blip>
+              <a:srcRect/>
+              <a:stretch/>
+            </p:blipFill>
+            <p:spPr>
+              <a:xfrm>
+                <a:off x="10891271" y="3155434"/>
+                <a:ext cx="1250526" cy="1440000"/>
+              </a:xfrm>
+              <a:prstGeom prst="rect">
+                <a:avLst/>
+              </a:prstGeom>
+            </p:spPr>
+          </p:pic>
+          <p:sp>
+            <p:nvSpPr>
+              <p:cNvPr id="37" name="Rectangle 36">
+                <a:extLst>
+                  <a:ext uri="{FF2B5EF4-FFF2-40B4-BE49-F238E27FC236}">
+                    <a16:creationId xmlns:a16="http://schemas.microsoft.com/office/drawing/2014/main" id="{042A71EC-D4C3-AB44-B0A7-A4E7FEED5DC5}"/>
+                  </a:ext>
+                </a:extLst>
+              </p:cNvPr>
+              <p:cNvSpPr/>
+              <p:nvPr/>
+            </p:nvSpPr>
+            <p:spPr>
+              <a:xfrm>
+                <a:off x="9977709" y="2993972"/>
+                <a:ext cx="3070760" cy="3649033"/>
+              </a:xfrm>
+              <a:prstGeom prst="rect">
+                <a:avLst/>
+              </a:prstGeom>
+              <a:noFill/>
+              <a:ln w="38100" cap="flat">
+                <a:solidFill>
+                  <a:srgbClr val="77B6CD"/>
+                </a:solidFill>
+                <a:miter lim="400000"/>
+              </a:ln>
+              <a:effectLst/>
+              <a:sp3d/>
+            </p:spPr>
+            <p:style>
+              <a:lnRef idx="0">
+                <a:scrgbClr r="0" g="0" b="0"/>
+              </a:lnRef>
+              <a:fillRef idx="0">
+                <a:scrgbClr r="0" g="0" b="0"/>
+              </a:fillRef>
+              <a:effectRef idx="0">
+                <a:scrgbClr r="0" g="0" b="0"/>
+              </a:effectRef>
+              <a:fontRef idx="none"/>
+            </p:style>
+            <p:txBody>
+              <a:bodyPr rot="0" spcFirstLastPara="1" vertOverflow="overflow" horzOverflow="overflow" vert="horz" wrap="square" lIns="54570" tIns="54570" rIns="54570" bIns="54570" numCol="1" spcCol="38100" rtlCol="0" anchor="ctr">
+                <a:spAutoFit/>
+              </a:bodyPr>
+              <a:lstStyle/>
+              <a:p>
+                <a:pPr marL="0" marR="0" indent="0" algn="l" defTabSz="584200" rtl="0" fontAlgn="auto" latinLnBrk="0" hangingPunct="0">
+                  <a:lnSpc>
+                    <a:spcPct val="80000"/>
+                  </a:lnSpc>
+                  <a:spcBef>
+                    <a:spcPts val="0"/>
+                  </a:spcBef>
+                  <a:spcAft>
+                    <a:spcPts val="0"/>
+                  </a:spcAft>
+                  <a:buClrTx/>
+                  <a:buSzTx/>
+                  <a:buFontTx/>
+                  <a:buNone/>
+                  <a:tabLst/>
+                </a:pPr>
+                <a:endParaRPr kumimoji="0" lang="en-NO" sz="1200" b="0" i="0" u="none" strike="noStrike" cap="none" spc="0" normalizeH="0" baseline="0">
+                  <a:ln>
+                    <a:noFill/>
+                  </a:ln>
+                  <a:solidFill>
+                    <a:srgbClr val="000000"/>
+                  </a:solidFill>
+                  <a:effectLst/>
+                  <a:uFillTx/>
+                  <a:latin typeface="Source Sans Pro"/>
+                  <a:ea typeface="Source Sans Pro"/>
+                  <a:cs typeface="Source Sans Pro"/>
+                  <a:sym typeface="Source Sans Pro"/>
+                </a:endParaRPr>
+              </a:p>
+            </p:txBody>
+          </p:sp>
+          <p:sp>
+            <p:nvSpPr>
+              <p:cNvPr id="38" name="Rectangle 37">
+                <a:extLst>
+                  <a:ext uri="{FF2B5EF4-FFF2-40B4-BE49-F238E27FC236}">
+                    <a16:creationId xmlns:a16="http://schemas.microsoft.com/office/drawing/2014/main" id="{F0074C5F-95BE-AF4A-BEB8-7D87EE8C1F47}"/>
+                  </a:ext>
+                </a:extLst>
+              </p:cNvPr>
+              <p:cNvSpPr/>
+              <p:nvPr/>
+            </p:nvSpPr>
+            <p:spPr>
+              <a:xfrm>
+                <a:off x="9977709" y="6083732"/>
+                <a:ext cx="3070760" cy="553404"/>
+              </a:xfrm>
+              <a:prstGeom prst="rect">
+                <a:avLst/>
+              </a:prstGeom>
+              <a:noFill/>
+              <a:ln w="12700" cap="flat">
+                <a:noFill/>
+                <a:miter lim="400000"/>
+              </a:ln>
+              <a:effectLst/>
+              <a:sp3d/>
+            </p:spPr>
+            <p:style>
+              <a:lnRef idx="0">
+                <a:scrgbClr r="0" g="0" b="0"/>
+              </a:lnRef>
+              <a:fillRef idx="0">
+                <a:scrgbClr r="0" g="0" b="0"/>
+              </a:fillRef>
+              <a:effectRef idx="0">
+                <a:scrgbClr r="0" g="0" b="0"/>
+              </a:effectRef>
+              <a:fontRef idx="none"/>
+            </p:style>
+            <p:txBody>
+              <a:bodyPr rot="0" spcFirstLastPara="1" vertOverflow="overflow" horzOverflow="overflow" vert="horz" wrap="square" lIns="54570" tIns="54570" rIns="54570" bIns="54570" numCol="1" spcCol="38100" rtlCol="0" anchor="ctr">
+                <a:spAutoFit/>
+              </a:bodyPr>
+              <a:lstStyle/>
+              <a:p>
+                <a:pPr marL="0" marR="0" indent="0" algn="ctr" defTabSz="584200" rtl="0" fontAlgn="auto" latinLnBrk="0" hangingPunct="0">
+                  <a:lnSpc>
+                    <a:spcPct val="80000"/>
+                  </a:lnSpc>
+                  <a:spcBef>
+                    <a:spcPts val="0"/>
+                  </a:spcBef>
+                  <a:spcAft>
+                    <a:spcPts val="0"/>
+                  </a:spcAft>
+                  <a:buClrTx/>
+                  <a:buSzTx/>
+                  <a:buFontTx/>
+                  <a:buNone/>
+                  <a:tabLst/>
+                </a:pPr>
+                <a:r>
+                  <a:rPr kumimoji="0" lang="en-NO" sz="1800" b="0" i="0" u="none" strike="noStrike" cap="none" spc="0" normalizeH="0" baseline="0" dirty="0">
+                    <a:ln>
+                      <a:noFill/>
+                    </a:ln>
+                    <a:solidFill>
+                      <a:srgbClr val="000000"/>
+                    </a:solidFill>
+                    <a:effectLst/>
+                    <a:uFillTx/>
+                    <a:latin typeface="Source Sans Pro" panose="020B0503030403020204" pitchFamily="34" charset="0"/>
+                    <a:ea typeface="Source Sans Pro" panose="020B0503030403020204" pitchFamily="34" charset="0"/>
+                    <a:sym typeface="Source Sans Pro"/>
+                  </a:rPr>
+                  <a:t>Analysis planning and file organization</a:t>
+                </a:r>
+              </a:p>
+            </p:txBody>
+          </p:sp>
+          <p:cxnSp>
+            <p:nvCxnSpPr>
+              <p:cNvPr id="39" name="Straight Arrow Connector 38">
+                <a:extLst>
+                  <a:ext uri="{FF2B5EF4-FFF2-40B4-BE49-F238E27FC236}">
+                    <a16:creationId xmlns:a16="http://schemas.microsoft.com/office/drawing/2014/main" id="{1AB37384-1BE9-5847-A048-1F363D956C43}"/>
+                  </a:ext>
+                </a:extLst>
+              </p:cNvPr>
+              <p:cNvCxnSpPr>
+                <a:cxnSpLocks/>
+              </p:cNvCxnSpPr>
+              <p:nvPr/>
+            </p:nvCxnSpPr>
+            <p:spPr>
+              <a:xfrm flipH="1" flipV="1">
+                <a:off x="11810437" y="4399816"/>
+                <a:ext cx="164633" cy="229138"/>
+              </a:xfrm>
+              <a:prstGeom prst="straightConnector1">
+                <a:avLst/>
+              </a:prstGeom>
+              <a:noFill/>
+              <a:ln w="47625" cap="flat">
+                <a:solidFill>
+                  <a:srgbClr val="77B6CD"/>
+                </a:solidFill>
+                <a:prstDash val="solid"/>
+                <a:miter lim="400000"/>
+                <a:tailEnd type="triangle"/>
+              </a:ln>
+              <a:effectLst/>
+              <a:sp3d/>
+            </p:spPr>
+            <p:style>
+              <a:lnRef idx="0">
+                <a:scrgbClr r="0" g="0" b="0"/>
+              </a:lnRef>
+              <a:fillRef idx="0">
+                <a:scrgbClr r="0" g="0" b="0"/>
+              </a:fillRef>
+              <a:effectRef idx="0">
+                <a:scrgbClr r="0" g="0" b="0"/>
+              </a:effectRef>
+              <a:fontRef idx="none"/>
+            </p:style>
+          </p:cxnSp>
+        </p:grpSp>
+      </p:grpSp>
+      <p:cxnSp>
+        <p:nvCxnSpPr>
+          <p:cNvPr id="57" name="Straight Arrow Connector 56">
+            <a:extLst>
+              <a:ext uri="{FF2B5EF4-FFF2-40B4-BE49-F238E27FC236}">
+                <a16:creationId xmlns:a16="http://schemas.microsoft.com/office/drawing/2014/main" id="{DEB17DDF-439A-4D45-BCC4-B955BBFF2782}"/>
+              </a:ext>
+            </a:extLst>
+          </p:cNvPr>
+          <p:cNvCxnSpPr>
+            <a:cxnSpLocks/>
+            <a:stCxn id="48" idx="0"/>
+            <a:endCxn id="55" idx="2"/>
+          </p:cNvCxnSpPr>
+          <p:nvPr/>
+        </p:nvCxnSpPr>
+        <p:spPr>
+          <a:xfrm flipV="1">
+            <a:off x="6982755" y="4494066"/>
+            <a:ext cx="0" cy="809358"/>
+          </a:xfrm>
+          <a:prstGeom prst="straightConnector1">
+            <a:avLst/>
+          </a:prstGeom>
+          <a:noFill/>
+          <a:ln w="47625" cap="flat">
+            <a:solidFill>
+              <a:srgbClr val="77B6CD"/>
+            </a:solidFill>
+            <a:prstDash val="solid"/>
+            <a:miter lim="400000"/>
+            <a:tailEnd type="triangle"/>
+          </a:ln>
+          <a:effectLst/>
+          <a:sp3d/>
+        </p:spPr>
+        <p:style>
+          <a:lnRef idx="0">
+            <a:scrgbClr r="0" g="0" b="0"/>
+          </a:lnRef>
+          <a:fillRef idx="0">
+            <a:scrgbClr r="0" g="0" b="0"/>
+          </a:fillRef>
+          <a:effectRef idx="0">
+            <a:scrgbClr r="0" g="0" b="0"/>
+          </a:effectRef>
+          <a:fontRef idx="none"/>
+        </p:style>
+      </p:cxnSp>
+      <p:cxnSp>
+        <p:nvCxnSpPr>
+          <p:cNvPr id="58" name="Straight Arrow Connector 57">
+            <a:extLst>
+              <a:ext uri="{FF2B5EF4-FFF2-40B4-BE49-F238E27FC236}">
+                <a16:creationId xmlns:a16="http://schemas.microsoft.com/office/drawing/2014/main" id="{7FA1D1BF-FCE8-7041-A6F0-61D87EEA4260}"/>
+              </a:ext>
+            </a:extLst>
+          </p:cNvPr>
+          <p:cNvCxnSpPr>
+            <a:cxnSpLocks/>
+            <a:stCxn id="42" idx="1"/>
+            <a:endCxn id="48" idx="3"/>
+          </p:cNvCxnSpPr>
+          <p:nvPr/>
+        </p:nvCxnSpPr>
+        <p:spPr>
+          <a:xfrm flipH="1">
+            <a:off x="8518135" y="7127940"/>
+            <a:ext cx="928722" cy="1"/>
+          </a:xfrm>
+          <a:prstGeom prst="straightConnector1">
+            <a:avLst/>
+          </a:prstGeom>
+          <a:noFill/>
+          <a:ln w="47625" cap="flat">
+            <a:solidFill>
+              <a:srgbClr val="77B6CD"/>
+            </a:solidFill>
+            <a:prstDash val="solid"/>
+            <a:miter lim="400000"/>
+            <a:tailEnd type="triangle"/>
+          </a:ln>
+          <a:effectLst/>
+          <a:sp3d/>
+        </p:spPr>
+        <p:style>
+          <a:lnRef idx="0">
+            <a:scrgbClr r="0" g="0" b="0"/>
+          </a:lnRef>
+          <a:fillRef idx="0">
+            <a:scrgbClr r="0" g="0" b="0"/>
+          </a:fillRef>
+          <a:effectRef idx="0">
+            <a:scrgbClr r="0" g="0" b="0"/>
+          </a:effectRef>
+          <a:fontRef idx="none"/>
+        </p:style>
+      </p:cxnSp>
     </p:spTree>
+    <p:extLst>
+      <p:ext uri="{BB962C8B-B14F-4D97-AF65-F5344CB8AC3E}">
+        <p14:creationId xmlns:p14="http://schemas.microsoft.com/office/powerpoint/2010/main" val="2372336782"/>
+      </p:ext>
+    </p:extLst>
   </p:cSld>
   <p:clrMapOvr>
     <a:masterClrMapping/>
@@ -10281,15 +12322,6 @@
 </file>
 
 <file path=customXml/item1.xml><?xml version="1.0" encoding="utf-8"?>
-<?mso-contentType ?>
-<FormTemplates xmlns="http://schemas.microsoft.com/sharepoint/v3/contenttype/forms">
-  <Display>DocumentLibraryForm</Display>
-  <Edit>DocumentLibraryForm</Edit>
-  <New>DocumentLibraryForm</New>
-</FormTemplates>
-</file>
-
-<file path=customXml/item2.xml><?xml version="1.0" encoding="utf-8"?>
 <ct:contentTypeSchema xmlns:ct="http://schemas.microsoft.com/office/2006/metadata/contentType" xmlns:ma="http://schemas.microsoft.com/office/2006/metadata/properties/metaAttributes" ct:_="" ma:_="" ma:contentTypeName="Document" ma:contentTypeID="0x010100015CD9422D4BDE46A334095E56D78D07" ma:contentTypeVersion="28" ma:contentTypeDescription="Opprett et nytt dokument." ma:contentTypeScope="" ma:versionID="caf2d3b5ec96617048f19c418986ca0e">
   <xsd:schema xmlns:xsd="http://www.w3.org/2001/XMLSchema" xmlns:xs="http://www.w3.org/2001/XMLSchema" xmlns:p="http://schemas.microsoft.com/office/2006/metadata/properties" xmlns:ns2="ef5dd856-6a32-4f72-920b-b3c650540c6d" xmlns:ns3="9e7c1b5f-6b93-4ee4-9fa2-fda8f1b47cf5" xmlns:ns4="8e6eb821-ce73-48ba-8377-72b4b239edb4" targetNamespace="http://schemas.microsoft.com/office/2006/metadata/properties" ma:root="true" ma:fieldsID="3132385cd8d9c3ebe310a20dd1fcb244" ns2:_="" ns3:_="" ns4:_="">
     <xsd:import namespace="ef5dd856-6a32-4f72-920b-b3c650540c6d"/>
@@ -10553,6 +12585,15 @@
 </ct:contentTypeSchema>
 </file>
 
+<file path=customXml/item2.xml><?xml version="1.0" encoding="utf-8"?>
+<?mso-contentType ?>
+<FormTemplates xmlns="http://schemas.microsoft.com/sharepoint/v3/contenttype/forms">
+  <Display>DocumentLibraryForm</Display>
+  <Edit>DocumentLibraryForm</Edit>
+  <New>DocumentLibraryForm</New>
+</FormTemplates>
+</file>
+
 <file path=customXml/item3.xml><?xml version="1.0" encoding="utf-8"?>
 <p:properties xmlns:p="http://schemas.microsoft.com/office/2006/metadata/properties" xmlns:xsi="http://www.w3.org/2001/XMLSchema-instance" xmlns:pc="http://schemas.microsoft.com/office/infopath/2007/PartnerControls">
   <documentManagement>
@@ -10572,14 +12613,6 @@
 </file>
 
 <file path=customXml/itemProps1.xml><?xml version="1.0" encoding="utf-8"?>
-<ds:datastoreItem xmlns:ds="http://schemas.openxmlformats.org/officeDocument/2006/customXml" ds:itemID="{1397C913-CF67-4D4B-B20C-8D2FAA47BA9C}">
-  <ds:schemaRefs>
-    <ds:schemaRef ds:uri="http://schemas.microsoft.com/sharepoint/v3/contenttype/forms"/>
-  </ds:schemaRefs>
-</ds:datastoreItem>
-</file>
-
-<file path=customXml/itemProps2.xml><?xml version="1.0" encoding="utf-8"?>
 <ds:datastoreItem xmlns:ds="http://schemas.openxmlformats.org/officeDocument/2006/customXml" ds:itemID="{5A1F8013-CD6C-4F36-962D-06CC17C99746}">
   <ds:schemaRefs>
     <ds:schemaRef ds:uri="http://schemas.microsoft.com/office/2006/metadata/contentType"/>
@@ -10599,20 +12632,28 @@
 </ds:datastoreItem>
 </file>
 
+<file path=customXml/itemProps2.xml><?xml version="1.0" encoding="utf-8"?>
+<ds:datastoreItem xmlns:ds="http://schemas.openxmlformats.org/officeDocument/2006/customXml" ds:itemID="{1397C913-CF67-4D4B-B20C-8D2FAA47BA9C}">
+  <ds:schemaRefs>
+    <ds:schemaRef ds:uri="http://schemas.microsoft.com/sharepoint/v3/contenttype/forms"/>
+  </ds:schemaRefs>
+</ds:datastoreItem>
+</file>
+
 <file path=customXml/itemProps3.xml><?xml version="1.0" encoding="utf-8"?>
 <ds:datastoreItem xmlns:ds="http://schemas.openxmlformats.org/officeDocument/2006/customXml" ds:itemID="{82D19A56-9F48-4776-A41F-6747BEDA6F33}">
   <ds:schemaRefs>
-    <ds:schemaRef ds:uri="http://purl.org/dc/dcmitype/"/>
+    <ds:schemaRef ds:uri="8e6eb821-ce73-48ba-8377-72b4b239edb4"/>
+    <ds:schemaRef ds:uri="http://schemas.microsoft.com/office/2006/metadata/properties"/>
+    <ds:schemaRef ds:uri="http://www.w3.org/XML/1998/namespace"/>
+    <ds:schemaRef ds:uri="http://schemas.microsoft.com/office/infopath/2007/PartnerControls"/>
+    <ds:schemaRef ds:uri="http://purl.org/dc/terms/"/>
+    <ds:schemaRef ds:uri="http://purl.org/dc/elements/1.1/"/>
     <ds:schemaRef ds:uri="http://schemas.openxmlformats.org/package/2006/metadata/core-properties"/>
     <ds:schemaRef ds:uri="http://schemas.microsoft.com/office/2006/documentManagement/types"/>
-    <ds:schemaRef ds:uri="http://purl.org/dc/elements/1.1/"/>
     <ds:schemaRef ds:uri="9e7c1b5f-6b93-4ee4-9fa2-fda8f1b47cf5"/>
-    <ds:schemaRef ds:uri="http://schemas.microsoft.com/office/2006/metadata/properties"/>
-    <ds:schemaRef ds:uri="http://schemas.microsoft.com/office/infopath/2007/PartnerControls"/>
-    <ds:schemaRef ds:uri="http://www.w3.org/XML/1998/namespace"/>
-    <ds:schemaRef ds:uri="8e6eb821-ce73-48ba-8377-72b4b239edb4"/>
-    <ds:schemaRef ds:uri="http://purl.org/dc/terms/"/>
     <ds:schemaRef ds:uri="ef5dd856-6a32-4f72-920b-b3c650540c6d"/>
+    <ds:schemaRef ds:uri="http://purl.org/dc/dcmitype/"/>
   </ds:schemaRefs>
 </ds:datastoreItem>
 </file>
--- a/csverse/hex/hex_dependencies.pptx
+++ b/csverse/hex/hex_dependencies.pptx
@@ -5416,7 +5416,7 @@
           </a:ln>
           <a:extLst>
             <a:ext uri="{C572A759-6A51-4108-AA02-DFA0A04FC94B}">
-              <ma14:wrappingTextBoxFlag xmlns="" xmlns:m="http://schemas.openxmlformats.org/officeDocument/2006/math" xmlns:a14="http://schemas.microsoft.com/office/drawing/2010/main" xmlns:ma14="http://schemas.microsoft.com/office/mac/drawingml/2011/main" val="1"/>
+              <ma14:wrappingTextBoxFlag xmlns:ma14="http://schemas.microsoft.com/office/mac/drawingml/2011/main" xmlns:a14="http://schemas.microsoft.com/office/drawing/2010/main" xmlns:m="http://schemas.openxmlformats.org/officeDocument/2006/math" xmlns="" val="1"/>
             </a:ext>
           </a:extLst>
         </p:spPr>
@@ -5455,7 +5455,7 @@
           </a:ln>
           <a:extLst>
             <a:ext uri="{C572A759-6A51-4108-AA02-DFA0A04FC94B}">
-              <ma14:wrappingTextBoxFlag xmlns="" xmlns:m="http://schemas.openxmlformats.org/officeDocument/2006/math" xmlns:a14="http://schemas.microsoft.com/office/drawing/2010/main" xmlns:ma14="http://schemas.microsoft.com/office/mac/drawingml/2011/main" val="1"/>
+              <ma14:wrappingTextBoxFlag xmlns:ma14="http://schemas.microsoft.com/office/mac/drawingml/2011/main" xmlns:a14="http://schemas.microsoft.com/office/drawing/2010/main" xmlns:m="http://schemas.openxmlformats.org/officeDocument/2006/math" xmlns="" val="1"/>
             </a:ext>
           </a:extLst>
         </p:spPr>
@@ -6551,7 +6551,7 @@
           </a:ln>
           <a:extLst>
             <a:ext uri="{C572A759-6A51-4108-AA02-DFA0A04FC94B}">
-              <ma14:wrappingTextBoxFlag xmlns="" xmlns:m="http://schemas.openxmlformats.org/officeDocument/2006/math" xmlns:a14="http://schemas.microsoft.com/office/drawing/2010/main" xmlns:ma14="http://schemas.microsoft.com/office/mac/drawingml/2011/main" val="1"/>
+              <ma14:wrappingTextBoxFlag xmlns:ma14="http://schemas.microsoft.com/office/mac/drawingml/2011/main" xmlns:a14="http://schemas.microsoft.com/office/drawing/2010/main" xmlns:m="http://schemas.openxmlformats.org/officeDocument/2006/math" xmlns="" val="1"/>
             </a:ext>
           </a:extLst>
         </p:spPr>
@@ -6638,7 +6638,7 @@
             </a:r>
             <a:r>
               <a:rPr lang="en-US" sz="1800" dirty="0"/>
-              <a:t>22</a:t>
+              <a:t>23</a:t>
             </a:r>
             <a:r>
               <a:rPr sz="1800" dirty="0"/>
@@ -6646,7 +6646,7 @@
             </a:r>
             <a:r>
               <a:rPr lang="en-US" sz="1800" dirty="0"/>
-              <a:t>11-17</a:t>
+              <a:t>03-07</a:t>
             </a:r>
             <a:endParaRPr sz="1800" dirty="0"/>
           </a:p>
@@ -7356,7 +7356,7 @@
         <p:spPr>
           <a:xfrm>
             <a:off x="2367209" y="4930634"/>
-            <a:ext cx="1248000" cy="1440000"/>
+            <a:ext cx="1248000" cy="1439999"/>
           </a:xfrm>
           <a:prstGeom prst="rect">
             <a:avLst/>
@@ -8503,7 +8503,7 @@
           </a:ln>
           <a:extLst>
             <a:ext uri="{C572A759-6A51-4108-AA02-DFA0A04FC94B}">
-              <ma14:wrappingTextBoxFlag xmlns="" xmlns:m="http://schemas.openxmlformats.org/officeDocument/2006/math" xmlns:a14="http://schemas.microsoft.com/office/drawing/2010/main" xmlns:ma14="http://schemas.microsoft.com/office/mac/drawingml/2011/main" val="1"/>
+              <ma14:wrappingTextBoxFlag xmlns:ma14="http://schemas.microsoft.com/office/mac/drawingml/2011/main" xmlns:a14="http://schemas.microsoft.com/office/drawing/2010/main" xmlns:m="http://schemas.openxmlformats.org/officeDocument/2006/math" xmlns="" val="1"/>
             </a:ext>
           </a:extLst>
         </p:spPr>
@@ -12322,6 +12322,33 @@
 </file>
 
 <file path=customXml/item1.xml><?xml version="1.0" encoding="utf-8"?>
+<p:properties xmlns:p="http://schemas.microsoft.com/office/2006/metadata/properties" xmlns:xsi="http://www.w3.org/2001/XMLSchema-instance" xmlns:pc="http://schemas.microsoft.com/office/infopath/2007/PartnerControls">
+  <documentManagement>
+    <FHI_TopicTaxHTField xmlns="9e7c1b5f-6b93-4ee4-9fa2-fda8f1b47cf5">
+      <Terms xmlns="http://schemas.microsoft.com/office/infopath/2007/PartnerControls"/>
+    </FHI_TopicTaxHTField>
+    <TaxCatchAll xmlns="ef5dd856-6a32-4f72-920b-b3c650540c6d" xsi:nil="true"/>
+    <TaxKeywordTaxHTField xmlns="ef5dd856-6a32-4f72-920b-b3c650540c6d">
+      <Terms xmlns="http://schemas.microsoft.com/office/infopath/2007/PartnerControls"/>
+    </TaxKeywordTaxHTField>
+    <d03b2acdc0904ed5b54b2c96476ff0da xmlns="ef5dd856-6a32-4f72-920b-b3c650540c6d" xsi:nil="true"/>
+    <lcf76f155ced4ddcb4097134ff3c332f xmlns="8e6eb821-ce73-48ba-8377-72b4b239edb4">
+      <Terms xmlns="http://schemas.microsoft.com/office/infopath/2007/PartnerControls"/>
+    </lcf76f155ced4ddcb4097134ff3c332f>
+  </documentManagement>
+</p:properties>
+</file>
+
+<file path=customXml/item2.xml><?xml version="1.0" encoding="utf-8"?>
+<?mso-contentType ?>
+<FormTemplates xmlns="http://schemas.microsoft.com/sharepoint/v3/contenttype/forms">
+  <Display>DocumentLibraryForm</Display>
+  <Edit>DocumentLibraryForm</Edit>
+  <New>DocumentLibraryForm</New>
+</FormTemplates>
+</file>
+
+<file path=customXml/item3.xml><?xml version="1.0" encoding="utf-8"?>
 <ct:contentTypeSchema xmlns:ct="http://schemas.microsoft.com/office/2006/metadata/contentType" xmlns:ma="http://schemas.microsoft.com/office/2006/metadata/properties/metaAttributes" ct:_="" ma:_="" ma:contentTypeName="Document" ma:contentTypeID="0x010100015CD9422D4BDE46A334095E56D78D07" ma:contentTypeVersion="28" ma:contentTypeDescription="Opprett et nytt dokument." ma:contentTypeScope="" ma:versionID="caf2d3b5ec96617048f19c418986ca0e">
   <xsd:schema xmlns:xsd="http://www.w3.org/2001/XMLSchema" xmlns:xs="http://www.w3.org/2001/XMLSchema" xmlns:p="http://schemas.microsoft.com/office/2006/metadata/properties" xmlns:ns2="ef5dd856-6a32-4f72-920b-b3c650540c6d" xmlns:ns3="9e7c1b5f-6b93-4ee4-9fa2-fda8f1b47cf5" xmlns:ns4="8e6eb821-ce73-48ba-8377-72b4b239edb4" targetNamespace="http://schemas.microsoft.com/office/2006/metadata/properties" ma:root="true" ma:fieldsID="3132385cd8d9c3ebe310a20dd1fcb244" ns2:_="" ns3:_="" ns4:_="">
     <xsd:import namespace="ef5dd856-6a32-4f72-920b-b3c650540c6d"/>
@@ -12585,34 +12612,33 @@
 </ct:contentTypeSchema>
 </file>
 
-<file path=customXml/item2.xml><?xml version="1.0" encoding="utf-8"?>
-<?mso-contentType ?>
-<FormTemplates xmlns="http://schemas.microsoft.com/sharepoint/v3/contenttype/forms">
-  <Display>DocumentLibraryForm</Display>
-  <Edit>DocumentLibraryForm</Edit>
-  <New>DocumentLibraryForm</New>
-</FormTemplates>
+<file path=customXml/itemProps1.xml><?xml version="1.0" encoding="utf-8"?>
+<ds:datastoreItem xmlns:ds="http://schemas.openxmlformats.org/officeDocument/2006/customXml" ds:itemID="{82D19A56-9F48-4776-A41F-6747BEDA6F33}">
+  <ds:schemaRefs>
+    <ds:schemaRef ds:uri="8e6eb821-ce73-48ba-8377-72b4b239edb4"/>
+    <ds:schemaRef ds:uri="http://schemas.microsoft.com/office/2006/metadata/properties"/>
+    <ds:schemaRef ds:uri="http://www.w3.org/XML/1998/namespace"/>
+    <ds:schemaRef ds:uri="http://schemas.microsoft.com/office/infopath/2007/PartnerControls"/>
+    <ds:schemaRef ds:uri="http://purl.org/dc/terms/"/>
+    <ds:schemaRef ds:uri="http://purl.org/dc/elements/1.1/"/>
+    <ds:schemaRef ds:uri="http://schemas.openxmlformats.org/package/2006/metadata/core-properties"/>
+    <ds:schemaRef ds:uri="http://schemas.microsoft.com/office/2006/documentManagement/types"/>
+    <ds:schemaRef ds:uri="9e7c1b5f-6b93-4ee4-9fa2-fda8f1b47cf5"/>
+    <ds:schemaRef ds:uri="ef5dd856-6a32-4f72-920b-b3c650540c6d"/>
+    <ds:schemaRef ds:uri="http://purl.org/dc/dcmitype/"/>
+  </ds:schemaRefs>
+</ds:datastoreItem>
 </file>
 
-<file path=customXml/item3.xml><?xml version="1.0" encoding="utf-8"?>
-<p:properties xmlns:p="http://schemas.microsoft.com/office/2006/metadata/properties" xmlns:xsi="http://www.w3.org/2001/XMLSchema-instance" xmlns:pc="http://schemas.microsoft.com/office/infopath/2007/PartnerControls">
-  <documentManagement>
-    <FHI_TopicTaxHTField xmlns="9e7c1b5f-6b93-4ee4-9fa2-fda8f1b47cf5">
-      <Terms xmlns="http://schemas.microsoft.com/office/infopath/2007/PartnerControls"/>
-    </FHI_TopicTaxHTField>
-    <TaxCatchAll xmlns="ef5dd856-6a32-4f72-920b-b3c650540c6d" xsi:nil="true"/>
-    <TaxKeywordTaxHTField xmlns="ef5dd856-6a32-4f72-920b-b3c650540c6d">
-      <Terms xmlns="http://schemas.microsoft.com/office/infopath/2007/PartnerControls"/>
-    </TaxKeywordTaxHTField>
-    <d03b2acdc0904ed5b54b2c96476ff0da xmlns="ef5dd856-6a32-4f72-920b-b3c650540c6d" xsi:nil="true"/>
-    <lcf76f155ced4ddcb4097134ff3c332f xmlns="8e6eb821-ce73-48ba-8377-72b4b239edb4">
-      <Terms xmlns="http://schemas.microsoft.com/office/infopath/2007/PartnerControls"/>
-    </lcf76f155ced4ddcb4097134ff3c332f>
-  </documentManagement>
-</p:properties>
+<file path=customXml/itemProps2.xml><?xml version="1.0" encoding="utf-8"?>
+<ds:datastoreItem xmlns:ds="http://schemas.openxmlformats.org/officeDocument/2006/customXml" ds:itemID="{1397C913-CF67-4D4B-B20C-8D2FAA47BA9C}">
+  <ds:schemaRefs>
+    <ds:schemaRef ds:uri="http://schemas.microsoft.com/sharepoint/v3/contenttype/forms"/>
+  </ds:schemaRefs>
+</ds:datastoreItem>
 </file>
 
-<file path=customXml/itemProps1.xml><?xml version="1.0" encoding="utf-8"?>
+<file path=customXml/itemProps3.xml><?xml version="1.0" encoding="utf-8"?>
 <ds:datastoreItem xmlns:ds="http://schemas.openxmlformats.org/officeDocument/2006/customXml" ds:itemID="{5A1F8013-CD6C-4F36-962D-06CC17C99746}">
   <ds:schemaRefs>
     <ds:schemaRef ds:uri="http://schemas.microsoft.com/office/2006/metadata/contentType"/>
@@ -12630,30 +12656,4 @@
     <ds:schemaRef ds:uri="http://schemas.microsoft.com/internal/obd"/>
   </ds:schemaRefs>
 </ds:datastoreItem>
-</file>
-
-<file path=customXml/itemProps2.xml><?xml version="1.0" encoding="utf-8"?>
-<ds:datastoreItem xmlns:ds="http://schemas.openxmlformats.org/officeDocument/2006/customXml" ds:itemID="{1397C913-CF67-4D4B-B20C-8D2FAA47BA9C}">
-  <ds:schemaRefs>
-    <ds:schemaRef ds:uri="http://schemas.microsoft.com/sharepoint/v3/contenttype/forms"/>
-  </ds:schemaRefs>
-</ds:datastoreItem>
-</file>
-
-<file path=customXml/itemProps3.xml><?xml version="1.0" encoding="utf-8"?>
-<ds:datastoreItem xmlns:ds="http://schemas.openxmlformats.org/officeDocument/2006/customXml" ds:itemID="{82D19A56-9F48-4776-A41F-6747BEDA6F33}">
-  <ds:schemaRefs>
-    <ds:schemaRef ds:uri="8e6eb821-ce73-48ba-8377-72b4b239edb4"/>
-    <ds:schemaRef ds:uri="http://schemas.microsoft.com/office/2006/metadata/properties"/>
-    <ds:schemaRef ds:uri="http://www.w3.org/XML/1998/namespace"/>
-    <ds:schemaRef ds:uri="http://schemas.microsoft.com/office/infopath/2007/PartnerControls"/>
-    <ds:schemaRef ds:uri="http://purl.org/dc/terms/"/>
-    <ds:schemaRef ds:uri="http://purl.org/dc/elements/1.1/"/>
-    <ds:schemaRef ds:uri="http://schemas.openxmlformats.org/package/2006/metadata/core-properties"/>
-    <ds:schemaRef ds:uri="http://schemas.microsoft.com/office/2006/documentManagement/types"/>
-    <ds:schemaRef ds:uri="9e7c1b5f-6b93-4ee4-9fa2-fda8f1b47cf5"/>
-    <ds:schemaRef ds:uri="ef5dd856-6a32-4f72-920b-b3c650540c6d"/>
-    <ds:schemaRef ds:uri="http://purl.org/dc/dcmitype/"/>
-  </ds:schemaRefs>
-</ds:datastoreItem>
 </file>
--- a/csverse/hex/hex_dependencies.pptx
+++ b/csverse/hex/hex_dependencies.pptx
@@ -6503,37 +6503,6 @@
       </p:sp>
       <p:sp>
         <p:nvSpPr>
-          <p:cNvPr id="151" name="Four Column Layout : : CHEAT SHEET"/>
-          <p:cNvSpPr txBox="1">
-            <a:spLocks noGrp="1"/>
-          </p:cNvSpPr>
-          <p:nvPr>
-            <p:ph type="title"/>
-          </p:nvPr>
-        </p:nvSpPr>
-        <p:spPr>
-          <a:xfrm>
-            <a:off x="275721" y="361177"/>
-            <a:ext cx="10898129" cy="803346"/>
-          </a:xfrm>
-          <a:prstGeom prst="rect">
-            <a:avLst/>
-          </a:prstGeom>
-        </p:spPr>
-        <p:txBody>
-          <a:bodyPr lIns="0" tIns="0" rIns="0" bIns="0" anchor="t"/>
-          <a:lstStyle/>
-          <a:p>
-            <a:r>
-              <a:rPr lang="en-US" dirty="0" err="1"/>
-              <a:t>csverse</a:t>
-            </a:r>
-            <a:endParaRPr dirty="0"/>
-          </a:p>
-        </p:txBody>
-      </p:sp>
-      <p:sp>
-        <p:nvSpPr>
           <p:cNvPr id="152" name="RStudio® is a trademark of RStudio, Inc.  •  CC BY SA Your Name •  your@email.com  •  844-448-1212 • your.website.com •  Learn more at webpage or vignette   •  package version  0.5.0 •  Updated: 2017-01"/>
           <p:cNvSpPr txBox="1"/>
           <p:nvPr/>
@@ -6646,7 +6615,7 @@
             </a:r>
             <a:r>
               <a:rPr lang="en-US" sz="1800" dirty="0"/>
-              <a:t>03-07</a:t>
+              <a:t>05-30</a:t>
             </a:r>
             <a:endParaRPr sz="1800" dirty="0"/>
           </a:p>
@@ -6680,203 +6649,263 @@
         <p:spPr>
           <a:xfrm>
             <a:off x="103158" y="8900158"/>
-            <a:ext cx="1555408" cy="1794701"/>
+            <a:ext cx="1555407" cy="1794700"/>
           </a:xfrm>
           <a:prstGeom prst="rect">
             <a:avLst/>
           </a:prstGeom>
         </p:spPr>
       </p:pic>
-      <p:grpSp>
-        <p:nvGrpSpPr>
-          <p:cNvPr id="39" name="Group 38">
+      <p:pic>
+        <p:nvPicPr>
+          <p:cNvPr id="196" name="Picture 195">
             <a:extLst>
               <a:ext uri="{FF2B5EF4-FFF2-40B4-BE49-F238E27FC236}">
-                <a16:creationId xmlns:a16="http://schemas.microsoft.com/office/drawing/2014/main" id="{DC34FC81-BB57-02D3-CE9C-89F7E7EAFEBB}"/>
+                <a16:creationId xmlns:a16="http://schemas.microsoft.com/office/drawing/2014/main" id="{C88FFDAE-9049-C741-BC00-134962EC79F7}"/>
               </a:ext>
             </a:extLst>
           </p:cNvPr>
-          <p:cNvGrpSpPr/>
+          <p:cNvPicPr>
+            <a:picLocks noChangeAspect="1"/>
+          </p:cNvPicPr>
           <p:nvPr/>
-        </p:nvGrpSpPr>
-        <p:grpSpPr>
+        </p:nvPicPr>
+        <p:blipFill>
+          <a:blip r:embed="rId5">
+            <a:extLst>
+              <a:ext uri="{28A0092B-C50C-407E-A947-70E740481C1C}">
+                <a14:useLocalDpi xmlns:a14="http://schemas.microsoft.com/office/drawing/2010/main" val="0"/>
+              </a:ext>
+            </a:extLst>
+          </a:blip>
+          <a:srcRect/>
+          <a:stretch/>
+        </p:blipFill>
+        <p:spPr>
+          <a:xfrm>
+            <a:off x="7119883" y="1736943"/>
+            <a:ext cx="1239287" cy="1434964"/>
+          </a:xfrm>
+          <a:prstGeom prst="rect">
+            <a:avLst/>
+          </a:prstGeom>
+        </p:spPr>
+      </p:pic>
+      <p:pic>
+        <p:nvPicPr>
+          <p:cNvPr id="6" name="Picture 5">
+            <a:extLst>
+              <a:ext uri="{FF2B5EF4-FFF2-40B4-BE49-F238E27FC236}">
+                <a16:creationId xmlns:a16="http://schemas.microsoft.com/office/drawing/2014/main" id="{81A8D09D-EBB5-364E-B607-6D63E12085D5}"/>
+              </a:ext>
+            </a:extLst>
+          </p:cNvPr>
+          <p:cNvPicPr>
+            <a:picLocks noChangeAspect="1"/>
+          </p:cNvPicPr>
+          <p:nvPr/>
+        </p:nvPicPr>
+        <p:blipFill>
+          <a:blip r:embed="rId6">
+            <a:extLst>
+              <a:ext uri="{28A0092B-C50C-407E-A947-70E740481C1C}">
+                <a14:useLocalDpi xmlns:a14="http://schemas.microsoft.com/office/drawing/2010/main" val="0"/>
+              </a:ext>
+            </a:extLst>
+          </a:blip>
+          <a:srcRect/>
+          <a:stretch/>
+        </p:blipFill>
+        <p:spPr>
+          <a:xfrm>
+            <a:off x="5568675" y="1736943"/>
+            <a:ext cx="1239287" cy="1434964"/>
+          </a:xfrm>
+          <a:prstGeom prst="rect">
+            <a:avLst/>
+          </a:prstGeom>
+        </p:spPr>
+      </p:pic>
+      <p:pic>
+        <p:nvPicPr>
+          <p:cNvPr id="7" name="Picture 6">
+            <a:extLst>
+              <a:ext uri="{FF2B5EF4-FFF2-40B4-BE49-F238E27FC236}">
+                <a16:creationId xmlns:a16="http://schemas.microsoft.com/office/drawing/2014/main" id="{C2630B92-4EE7-7543-8C69-1098641035D6}"/>
+              </a:ext>
+            </a:extLst>
+          </p:cNvPr>
+          <p:cNvPicPr>
+            <a:picLocks noChangeAspect="1"/>
+          </p:cNvPicPr>
+          <p:nvPr/>
+        </p:nvPicPr>
+        <p:blipFill>
+          <a:blip r:embed="rId7">
+            <a:extLst>
+              <a:ext uri="{28A0092B-C50C-407E-A947-70E740481C1C}">
+                <a14:useLocalDpi xmlns:a14="http://schemas.microsoft.com/office/drawing/2010/main" val="0"/>
+              </a:ext>
+            </a:extLst>
+          </a:blip>
+          <a:srcRect/>
+          <a:stretch/>
+        </p:blipFill>
+        <p:spPr>
+          <a:xfrm>
+            <a:off x="6344279" y="422563"/>
+            <a:ext cx="1239287" cy="1434964"/>
+          </a:xfrm>
+          <a:prstGeom prst="rect">
+            <a:avLst/>
+          </a:prstGeom>
+        </p:spPr>
+      </p:pic>
+      <p:sp>
+        <p:nvSpPr>
+          <p:cNvPr id="40" name="Rectangle 39">
+            <a:extLst>
+              <a:ext uri="{FF2B5EF4-FFF2-40B4-BE49-F238E27FC236}">
+                <a16:creationId xmlns:a16="http://schemas.microsoft.com/office/drawing/2014/main" id="{AFDAFAEB-D9A8-4145-9D42-61F9004F8739}"/>
+              </a:ext>
+            </a:extLst>
+          </p:cNvPr>
+          <p:cNvSpPr/>
+          <p:nvPr/>
+        </p:nvSpPr>
+        <p:spPr>
           <a:xfrm>
             <a:off x="5428543" y="262549"/>
             <a:ext cx="3070760" cy="3649033"/>
-            <a:chOff x="3447347" y="262549"/>
-            <a:chExt cx="3070760" cy="3649033"/>
           </a:xfrm>
-        </p:grpSpPr>
-        <p:pic>
-          <p:nvPicPr>
-            <p:cNvPr id="196" name="Picture 195">
-              <a:extLst>
-                <a:ext uri="{FF2B5EF4-FFF2-40B4-BE49-F238E27FC236}">
-                  <a16:creationId xmlns:a16="http://schemas.microsoft.com/office/drawing/2014/main" id="{C88FFDAE-9049-C741-BC00-134962EC79F7}"/>
-                </a:ext>
-              </a:extLst>
-            </p:cNvPr>
-            <p:cNvPicPr>
-              <a:picLocks noChangeAspect="1"/>
-            </p:cNvPicPr>
-            <p:nvPr/>
-          </p:nvPicPr>
-          <p:blipFill>
-            <a:blip r:embed="rId5">
-              <a:extLst>
-                <a:ext uri="{28A0092B-C50C-407E-A947-70E740481C1C}">
-                  <a14:useLocalDpi xmlns:a14="http://schemas.microsoft.com/office/drawing/2010/main" val="0"/>
-                </a:ext>
-              </a:extLst>
-            </a:blip>
-            <a:srcRect/>
-            <a:stretch/>
-          </p:blipFill>
-          <p:spPr>
-            <a:xfrm>
-              <a:off x="5136513" y="1736943"/>
-              <a:ext cx="1243636" cy="1434964"/>
-            </a:xfrm>
-            <a:prstGeom prst="rect">
-              <a:avLst/>
-            </a:prstGeom>
-          </p:spPr>
-        </p:pic>
-        <p:pic>
-          <p:nvPicPr>
-            <p:cNvPr id="6" name="Picture 5">
-              <a:extLst>
-                <a:ext uri="{FF2B5EF4-FFF2-40B4-BE49-F238E27FC236}">
-                  <a16:creationId xmlns:a16="http://schemas.microsoft.com/office/drawing/2014/main" id="{81A8D09D-EBB5-364E-B607-6D63E12085D5}"/>
-                </a:ext>
-              </a:extLst>
-            </p:cNvPr>
-            <p:cNvPicPr>
-              <a:picLocks noChangeAspect="1"/>
-            </p:cNvPicPr>
-            <p:nvPr/>
-          </p:nvPicPr>
-          <p:blipFill>
-            <a:blip r:embed="rId6">
-              <a:extLst>
-                <a:ext uri="{28A0092B-C50C-407E-A947-70E740481C1C}">
-                  <a14:useLocalDpi xmlns:a14="http://schemas.microsoft.com/office/drawing/2010/main" val="0"/>
-                </a:ext>
-              </a:extLst>
-            </a:blip>
-            <a:srcRect/>
-            <a:stretch/>
-          </p:blipFill>
-          <p:spPr>
-            <a:xfrm>
-              <a:off x="3585305" y="1736943"/>
-              <a:ext cx="1243636" cy="1434964"/>
-            </a:xfrm>
-            <a:prstGeom prst="rect">
-              <a:avLst/>
-            </a:prstGeom>
-          </p:spPr>
-        </p:pic>
-        <p:pic>
-          <p:nvPicPr>
-            <p:cNvPr id="7" name="Picture 6">
-              <a:extLst>
-                <a:ext uri="{FF2B5EF4-FFF2-40B4-BE49-F238E27FC236}">
-                  <a16:creationId xmlns:a16="http://schemas.microsoft.com/office/drawing/2014/main" id="{C2630B92-4EE7-7543-8C69-1098641035D6}"/>
-                </a:ext>
-              </a:extLst>
-            </p:cNvPr>
-            <p:cNvPicPr>
-              <a:picLocks noChangeAspect="1"/>
-            </p:cNvPicPr>
-            <p:nvPr/>
-          </p:nvPicPr>
-          <p:blipFill>
-            <a:blip r:embed="rId7">
-              <a:extLst>
-                <a:ext uri="{28A0092B-C50C-407E-A947-70E740481C1C}">
-                  <a14:useLocalDpi xmlns:a14="http://schemas.microsoft.com/office/drawing/2010/main" val="0"/>
-                </a:ext>
-              </a:extLst>
-            </a:blip>
-            <a:srcRect/>
-            <a:stretch/>
-          </p:blipFill>
-          <p:spPr>
-            <a:xfrm>
-              <a:off x="4360909" y="422563"/>
-              <a:ext cx="1243636" cy="1434964"/>
-            </a:xfrm>
-            <a:prstGeom prst="rect">
-              <a:avLst/>
-            </a:prstGeom>
-          </p:spPr>
-        </p:pic>
-        <p:sp>
-          <p:nvSpPr>
-            <p:cNvPr id="40" name="Rectangle 39">
-              <a:extLst>
-                <a:ext uri="{FF2B5EF4-FFF2-40B4-BE49-F238E27FC236}">
-                  <a16:creationId xmlns:a16="http://schemas.microsoft.com/office/drawing/2014/main" id="{AFDAFAEB-D9A8-4145-9D42-61F9004F8739}"/>
-                </a:ext>
-              </a:extLst>
-            </p:cNvPr>
-            <p:cNvSpPr/>
-            <p:nvPr/>
-          </p:nvSpPr>
-          <p:spPr>
-            <a:xfrm>
-              <a:off x="3447347" y="262549"/>
-              <a:ext cx="3070760" cy="3649033"/>
-            </a:xfrm>
-            <a:prstGeom prst="rect">
-              <a:avLst/>
-            </a:prstGeom>
+          <a:prstGeom prst="rect">
+            <a:avLst/>
+          </a:prstGeom>
+          <a:noFill/>
+          <a:ln w="38100" cap="flat">
+            <a:solidFill>
+              <a:srgbClr val="77B6CD"/>
+            </a:solidFill>
+            <a:miter lim="400000"/>
+          </a:ln>
+          <a:effectLst/>
+          <a:sp3d/>
+        </p:spPr>
+        <p:style>
+          <a:lnRef idx="0">
+            <a:scrgbClr r="0" g="0" b="0"/>
+          </a:lnRef>
+          <a:fillRef idx="0">
+            <a:scrgbClr r="0" g="0" b="0"/>
+          </a:fillRef>
+          <a:effectRef idx="0">
+            <a:scrgbClr r="0" g="0" b="0"/>
+          </a:effectRef>
+          <a:fontRef idx="none"/>
+        </p:style>
+        <p:txBody>
+          <a:bodyPr rot="0" spcFirstLastPara="1" vertOverflow="overflow" horzOverflow="overflow" vert="horz" wrap="square" lIns="54570" tIns="54570" rIns="54570" bIns="54570" numCol="1" spcCol="38100" rtlCol="0" anchor="ctr">
+            <a:spAutoFit/>
+          </a:bodyPr>
+          <a:lstStyle/>
+          <a:p>
+            <a:pPr marL="0" marR="0" indent="0" algn="l" defTabSz="584200" rtl="0" fontAlgn="auto" latinLnBrk="0" hangingPunct="0">
+              <a:lnSpc>
+                <a:spcPct val="80000"/>
+              </a:lnSpc>
+              <a:spcBef>
+                <a:spcPts val="0"/>
+              </a:spcBef>
+              <a:spcAft>
+                <a:spcPts val="0"/>
+              </a:spcAft>
+              <a:buClrTx/>
+              <a:buSzTx/>
+              <a:buFontTx/>
+              <a:buNone/>
+              <a:tabLst/>
+            </a:pPr>
+            <a:endParaRPr kumimoji="0" lang="en-NO" sz="1200" b="0" i="0" u="none" strike="noStrike" cap="none" spc="0" normalizeH="0" baseline="0">
+              <a:ln>
+                <a:noFill/>
+              </a:ln>
+              <a:solidFill>
+                <a:srgbClr val="000000"/>
+              </a:solidFill>
+              <a:effectLst/>
+              <a:uFillTx/>
+              <a:latin typeface="Source Sans Pro"/>
+              <a:ea typeface="Source Sans Pro"/>
+              <a:cs typeface="Source Sans Pro"/>
+              <a:sym typeface="Source Sans Pro"/>
+            </a:endParaRPr>
+          </a:p>
+        </p:txBody>
+      </p:sp>
+      <p:sp>
+        <p:nvSpPr>
+          <p:cNvPr id="41" name="Rectangle 40">
+            <a:extLst>
+              <a:ext uri="{FF2B5EF4-FFF2-40B4-BE49-F238E27FC236}">
+                <a16:creationId xmlns:a16="http://schemas.microsoft.com/office/drawing/2014/main" id="{44B0BF31-91FB-7840-B840-D0B79AEF28D1}"/>
+              </a:ext>
+            </a:extLst>
+          </p:cNvPr>
+          <p:cNvSpPr/>
+          <p:nvPr/>
+        </p:nvSpPr>
+        <p:spPr>
+          <a:xfrm>
+            <a:off x="5428543" y="3579191"/>
+            <a:ext cx="3070760" cy="332390"/>
+          </a:xfrm>
+          <a:prstGeom prst="rect">
+            <a:avLst/>
+          </a:prstGeom>
+          <a:noFill/>
+          <a:ln w="12700" cap="flat">
             <a:noFill/>
-            <a:ln w="38100" cap="flat">
-              <a:solidFill>
-                <a:srgbClr val="77B6CD"/>
-              </a:solidFill>
-              <a:miter lim="400000"/>
-            </a:ln>
-            <a:effectLst/>
-            <a:sp3d/>
-          </p:spPr>
-          <p:style>
-            <a:lnRef idx="0">
-              <a:scrgbClr r="0" g="0" b="0"/>
-            </a:lnRef>
-            <a:fillRef idx="0">
-              <a:scrgbClr r="0" g="0" b="0"/>
-            </a:fillRef>
-            <a:effectRef idx="0">
-              <a:scrgbClr r="0" g="0" b="0"/>
-            </a:effectRef>
-            <a:fontRef idx="none"/>
-          </p:style>
-          <p:txBody>
-            <a:bodyPr rot="0" spcFirstLastPara="1" vertOverflow="overflow" horzOverflow="overflow" vert="horz" wrap="square" lIns="54570" tIns="54570" rIns="54570" bIns="54570" numCol="1" spcCol="38100" rtlCol="0" anchor="ctr">
-              <a:spAutoFit/>
-            </a:bodyPr>
-            <a:lstStyle/>
-            <a:p>
-              <a:pPr marL="0" marR="0" indent="0" algn="l" defTabSz="584200" rtl="0" fontAlgn="auto" latinLnBrk="0" hangingPunct="0">
-                <a:lnSpc>
-                  <a:spcPct val="80000"/>
-                </a:lnSpc>
-                <a:spcBef>
-                  <a:spcPts val="0"/>
-                </a:spcBef>
-                <a:spcAft>
-                  <a:spcPts val="0"/>
-                </a:spcAft>
-                <a:buClrTx/>
-                <a:buSzTx/>
-                <a:buFontTx/>
-                <a:buNone/>
-                <a:tabLst/>
-              </a:pPr>
-              <a:endParaRPr kumimoji="0" lang="en-NO" sz="1200" b="0" i="0" u="none" strike="noStrike" cap="none" spc="0" normalizeH="0" baseline="0">
+            <a:miter lim="400000"/>
+          </a:ln>
+          <a:effectLst/>
+          <a:sp3d/>
+        </p:spPr>
+        <p:style>
+          <a:lnRef idx="0">
+            <a:scrgbClr r="0" g="0" b="0"/>
+          </a:lnRef>
+          <a:fillRef idx="0">
+            <a:scrgbClr r="0" g="0" b="0"/>
+          </a:fillRef>
+          <a:effectRef idx="0">
+            <a:scrgbClr r="0" g="0" b="0"/>
+          </a:effectRef>
+          <a:fontRef idx="none"/>
+        </p:style>
+        <p:txBody>
+          <a:bodyPr rot="0" spcFirstLastPara="1" vertOverflow="overflow" horzOverflow="overflow" vert="horz" wrap="square" lIns="54570" tIns="54570" rIns="54570" bIns="54570" numCol="1" spcCol="38100" rtlCol="0" anchor="ctr">
+            <a:spAutoFit/>
+          </a:bodyPr>
+          <a:lstStyle/>
+          <a:p>
+            <a:pPr marL="0" marR="0" indent="0" algn="ctr" defTabSz="584200" rtl="0" fontAlgn="auto" latinLnBrk="0" hangingPunct="0">
+              <a:lnSpc>
+                <a:spcPct val="80000"/>
+              </a:lnSpc>
+              <a:spcBef>
+                <a:spcPts val="0"/>
+              </a:spcBef>
+              <a:spcAft>
+                <a:spcPts val="0"/>
+              </a:spcAft>
+              <a:buClrTx/>
+              <a:buSzTx/>
+              <a:buFontTx/>
+              <a:buNone/>
+              <a:tabLst/>
+            </a:pPr>
+            <a:r>
+              <a:rPr kumimoji="0" lang="en-NO" sz="1800" b="0" i="0" u="none" strike="noStrike" cap="none" spc="0" normalizeH="0" baseline="0" dirty="0">
                 <a:ln>
                   <a:noFill/>
                 </a:ln>
@@ -6885,96 +6914,15 @@
                 </a:solidFill>
                 <a:effectLst/>
                 <a:uFillTx/>
-                <a:latin typeface="Source Sans Pro"/>
-                <a:ea typeface="Source Sans Pro"/>
-                <a:cs typeface="Source Sans Pro"/>
+                <a:latin typeface="Source Sans Pro" panose="020B0503030403020204" pitchFamily="34" charset="0"/>
+                <a:ea typeface="Source Sans Pro" panose="020B0503030403020204" pitchFamily="34" charset="0"/>
                 <a:sym typeface="Source Sans Pro"/>
-              </a:endParaRPr>
-            </a:p>
-          </p:txBody>
-        </p:sp>
-        <p:sp>
-          <p:nvSpPr>
-            <p:cNvPr id="41" name="Rectangle 40">
-              <a:extLst>
-                <a:ext uri="{FF2B5EF4-FFF2-40B4-BE49-F238E27FC236}">
-                  <a16:creationId xmlns:a16="http://schemas.microsoft.com/office/drawing/2014/main" id="{44B0BF31-91FB-7840-B840-D0B79AEF28D1}"/>
-                </a:ext>
-              </a:extLst>
-            </p:cNvPr>
-            <p:cNvSpPr/>
-            <p:nvPr/>
-          </p:nvSpPr>
-          <p:spPr>
-            <a:xfrm>
-              <a:off x="3447347" y="3579191"/>
-              <a:ext cx="3070760" cy="332390"/>
-            </a:xfrm>
-            <a:prstGeom prst="rect">
-              <a:avLst/>
-            </a:prstGeom>
-            <a:noFill/>
-            <a:ln w="12700" cap="flat">
-              <a:noFill/>
-              <a:miter lim="400000"/>
-            </a:ln>
-            <a:effectLst/>
-            <a:sp3d/>
-          </p:spPr>
-          <p:style>
-            <a:lnRef idx="0">
-              <a:scrgbClr r="0" g="0" b="0"/>
-            </a:lnRef>
-            <a:fillRef idx="0">
-              <a:scrgbClr r="0" g="0" b="0"/>
-            </a:fillRef>
-            <a:effectRef idx="0">
-              <a:scrgbClr r="0" g="0" b="0"/>
-            </a:effectRef>
-            <a:fontRef idx="none"/>
-          </p:style>
-          <p:txBody>
-            <a:bodyPr rot="0" spcFirstLastPara="1" vertOverflow="overflow" horzOverflow="overflow" vert="horz" wrap="square" lIns="54570" tIns="54570" rIns="54570" bIns="54570" numCol="1" spcCol="38100" rtlCol="0" anchor="ctr">
-              <a:spAutoFit/>
-            </a:bodyPr>
-            <a:lstStyle/>
-            <a:p>
-              <a:pPr marL="0" marR="0" indent="0" algn="ctr" defTabSz="584200" rtl="0" fontAlgn="auto" latinLnBrk="0" hangingPunct="0">
-                <a:lnSpc>
-                  <a:spcPct val="80000"/>
-                </a:lnSpc>
-                <a:spcBef>
-                  <a:spcPts val="0"/>
-                </a:spcBef>
-                <a:spcAft>
-                  <a:spcPts val="0"/>
-                </a:spcAft>
-                <a:buClrTx/>
-                <a:buSzTx/>
-                <a:buFontTx/>
-                <a:buNone/>
-                <a:tabLst/>
-              </a:pPr>
-              <a:r>
-                <a:rPr kumimoji="0" lang="en-NO" sz="1800" b="0" i="0" u="none" strike="noStrike" cap="none" spc="0" normalizeH="0" baseline="0" dirty="0">
-                  <a:ln>
-                    <a:noFill/>
-                  </a:ln>
-                  <a:solidFill>
-                    <a:srgbClr val="000000"/>
-                  </a:solidFill>
-                  <a:effectLst/>
-                  <a:uFillTx/>
-                  <a:latin typeface="Source Sans Pro" panose="020B0503030403020204" pitchFamily="34" charset="0"/>
-                  <a:ea typeface="Source Sans Pro" panose="020B0503030403020204" pitchFamily="34" charset="0"/>
-                  <a:sym typeface="Source Sans Pro"/>
-                </a:rPr>
-                <a:t>Public health surveillance</a:t>
-              </a:r>
-            </a:p>
-          </p:txBody>
-        </p:sp>
-      </p:grpSp>
+              </a:rPr>
+              <a:t>Public health surveillance</a:t>
+            </a:r>
+          </a:p>
+        </p:txBody>
+      </p:sp>
       <p:pic>
         <p:nvPicPr>
           <p:cNvPr id="80" name="Picture 79">
@@ -7002,8 +6950,8 @@
         </p:blipFill>
         <p:spPr>
           <a:xfrm>
-            <a:off x="11141338" y="4964709"/>
-            <a:ext cx="1248000" cy="1440000"/>
+            <a:off x="11145398" y="4969394"/>
+            <a:ext cx="1239879" cy="1430629"/>
           </a:xfrm>
           <a:prstGeom prst="rect">
             <a:avLst/>
@@ -7037,8 +6985,8 @@
         </p:blipFill>
         <p:spPr>
           <a:xfrm>
-            <a:off x="9590130" y="4964709"/>
-            <a:ext cx="1248000" cy="1440000"/>
+            <a:off x="9592312" y="4967227"/>
+            <a:ext cx="1243636" cy="1434964"/>
           </a:xfrm>
           <a:prstGeom prst="rect">
             <a:avLst/>
@@ -7285,8 +7233,8 @@
         </p:blipFill>
         <p:spPr>
           <a:xfrm>
-            <a:off x="3142813" y="6245014"/>
-            <a:ext cx="1248000" cy="1440000"/>
+            <a:off x="3144995" y="6245014"/>
+            <a:ext cx="1243635" cy="1439999"/>
           </a:xfrm>
           <a:prstGeom prst="rect">
             <a:avLst/>
@@ -7320,8 +7268,8 @@
         </p:blipFill>
         <p:spPr>
           <a:xfrm>
-            <a:off x="1596658" y="6250844"/>
-            <a:ext cx="1237894" cy="1428339"/>
+            <a:off x="1598822" y="6250844"/>
+            <a:ext cx="1233565" cy="1428339"/>
           </a:xfrm>
           <a:prstGeom prst="rect">
             <a:avLst/>
@@ -7355,8 +7303,8 @@
         </p:blipFill>
         <p:spPr>
           <a:xfrm>
-            <a:off x="2367209" y="4930634"/>
-            <a:ext cx="1248000" cy="1439999"/>
+            <a:off x="2371269" y="4932809"/>
+            <a:ext cx="1239878" cy="1435648"/>
           </a:xfrm>
           <a:prstGeom prst="rect">
             <a:avLst/>
@@ -7667,196 +7615,256 @@
           <a:fontRef idx="none"/>
         </p:style>
       </p:cxnSp>
-      <p:grpSp>
-        <p:nvGrpSpPr>
-          <p:cNvPr id="42" name="Group 41">
+      <p:pic>
+        <p:nvPicPr>
+          <p:cNvPr id="62" name="Picture 61">
             <a:extLst>
               <a:ext uri="{FF2B5EF4-FFF2-40B4-BE49-F238E27FC236}">
-                <a16:creationId xmlns:a16="http://schemas.microsoft.com/office/drawing/2014/main" id="{714E1A74-618A-43E7-9B98-9E28D7C9D853}"/>
+                <a16:creationId xmlns:a16="http://schemas.microsoft.com/office/drawing/2014/main" id="{4D9173B3-F66E-B048-85A1-6F041094453F}"/>
               </a:ext>
             </a:extLst>
           </p:cNvPr>
-          <p:cNvGrpSpPr/>
+          <p:cNvPicPr>
+            <a:picLocks noChangeAspect="1"/>
+          </p:cNvPicPr>
           <p:nvPr/>
-        </p:nvGrpSpPr>
-        <p:grpSpPr>
+        </p:nvPicPr>
+        <p:blipFill>
+          <a:blip r:embed="rId13">
+            <a:extLst>
+              <a:ext uri="{28A0092B-C50C-407E-A947-70E740481C1C}">
+                <a14:useLocalDpi xmlns:a14="http://schemas.microsoft.com/office/drawing/2010/main" val="0"/>
+              </a:ext>
+            </a:extLst>
+          </a:blip>
+          <a:srcRect/>
+          <a:stretch/>
+        </p:blipFill>
+        <p:spPr>
+          <a:xfrm>
+            <a:off x="7124906" y="6249699"/>
+            <a:ext cx="1236132" cy="1430629"/>
+          </a:xfrm>
+          <a:prstGeom prst="rect">
+            <a:avLst/>
+          </a:prstGeom>
+        </p:spPr>
+      </p:pic>
+      <p:pic>
+        <p:nvPicPr>
+          <p:cNvPr id="63" name="Picture 62">
+            <a:extLst>
+              <a:ext uri="{FF2B5EF4-FFF2-40B4-BE49-F238E27FC236}">
+                <a16:creationId xmlns:a16="http://schemas.microsoft.com/office/drawing/2014/main" id="{0E5BDF93-3D66-CA4B-B5B5-345329776071}"/>
+              </a:ext>
+            </a:extLst>
+          </p:cNvPr>
+          <p:cNvPicPr>
+            <a:picLocks noChangeAspect="1"/>
+          </p:cNvPicPr>
+          <p:nvPr/>
+        </p:nvPicPr>
+        <p:blipFill>
+          <a:blip r:embed="rId14">
+            <a:extLst>
+              <a:ext uri="{28A0092B-C50C-407E-A947-70E740481C1C}">
+                <a14:useLocalDpi xmlns:a14="http://schemas.microsoft.com/office/drawing/2010/main" val="0"/>
+              </a:ext>
+            </a:extLst>
+          </a:blip>
+          <a:srcRect/>
+          <a:stretch/>
+        </p:blipFill>
+        <p:spPr>
+          <a:xfrm>
+            <a:off x="5571825" y="6247189"/>
+            <a:ext cx="1239878" cy="1435649"/>
+          </a:xfrm>
+          <a:prstGeom prst="rect">
+            <a:avLst/>
+          </a:prstGeom>
+        </p:spPr>
+      </p:pic>
+      <p:pic>
+        <p:nvPicPr>
+          <p:cNvPr id="64" name="Picture 63">
+            <a:extLst>
+              <a:ext uri="{FF2B5EF4-FFF2-40B4-BE49-F238E27FC236}">
+                <a16:creationId xmlns:a16="http://schemas.microsoft.com/office/drawing/2014/main" id="{AF2C97DD-C15D-FC45-AF16-D4CB119459EF}"/>
+              </a:ext>
+            </a:extLst>
+          </p:cNvPr>
+          <p:cNvPicPr>
+            <a:picLocks noChangeAspect="1"/>
+          </p:cNvPicPr>
+          <p:nvPr/>
+        </p:nvPicPr>
+        <p:blipFill>
+          <a:blip r:embed="rId15">
+            <a:extLst>
+              <a:ext uri="{28A0092B-C50C-407E-A947-70E740481C1C}">
+                <a14:useLocalDpi xmlns:a14="http://schemas.microsoft.com/office/drawing/2010/main" val="0"/>
+              </a:ext>
+            </a:extLst>
+          </a:blip>
+          <a:srcRect/>
+          <a:stretch/>
+        </p:blipFill>
+        <p:spPr>
+          <a:xfrm>
+            <a:off x="6345550" y="4930634"/>
+            <a:ext cx="1243635" cy="1439999"/>
+          </a:xfrm>
+          <a:prstGeom prst="rect">
+            <a:avLst/>
+          </a:prstGeom>
+        </p:spPr>
+      </p:pic>
+      <p:sp>
+        <p:nvSpPr>
+          <p:cNvPr id="65" name="Rectangle 64">
+            <a:extLst>
+              <a:ext uri="{FF2B5EF4-FFF2-40B4-BE49-F238E27FC236}">
+                <a16:creationId xmlns:a16="http://schemas.microsoft.com/office/drawing/2014/main" id="{E6836A9A-4741-3440-A7A5-441F532606C7}"/>
+              </a:ext>
+            </a:extLst>
+          </p:cNvPr>
+          <p:cNvSpPr/>
+          <p:nvPr/>
+        </p:nvSpPr>
+        <p:spPr>
           <a:xfrm>
             <a:off x="5428543" y="4769171"/>
             <a:ext cx="3070760" cy="5040000"/>
-            <a:chOff x="5447375" y="4769171"/>
-            <a:chExt cx="3070760" cy="5040000"/>
           </a:xfrm>
-        </p:grpSpPr>
-        <p:pic>
-          <p:nvPicPr>
-            <p:cNvPr id="62" name="Picture 61">
-              <a:extLst>
-                <a:ext uri="{FF2B5EF4-FFF2-40B4-BE49-F238E27FC236}">
-                  <a16:creationId xmlns:a16="http://schemas.microsoft.com/office/drawing/2014/main" id="{4D9173B3-F66E-B048-85A1-6F041094453F}"/>
-                </a:ext>
-              </a:extLst>
-            </p:cNvPr>
-            <p:cNvPicPr>
-              <a:picLocks noChangeAspect="1"/>
-            </p:cNvPicPr>
-            <p:nvPr/>
-          </p:nvPicPr>
-          <p:blipFill>
-            <a:blip r:embed="rId13">
-              <a:extLst>
-                <a:ext uri="{28A0092B-C50C-407E-A947-70E740481C1C}">
-                  <a14:useLocalDpi xmlns:a14="http://schemas.microsoft.com/office/drawing/2010/main" val="0"/>
-                </a:ext>
-              </a:extLst>
-            </a:blip>
-            <a:srcRect/>
-            <a:stretch/>
-          </p:blipFill>
-          <p:spPr>
-            <a:xfrm>
-              <a:off x="7141865" y="6245014"/>
-              <a:ext cx="1239879" cy="1440000"/>
-            </a:xfrm>
-            <a:prstGeom prst="rect">
-              <a:avLst/>
-            </a:prstGeom>
-          </p:spPr>
-        </p:pic>
-        <p:pic>
-          <p:nvPicPr>
-            <p:cNvPr id="63" name="Picture 62">
-              <a:extLst>
-                <a:ext uri="{FF2B5EF4-FFF2-40B4-BE49-F238E27FC236}">
-                  <a16:creationId xmlns:a16="http://schemas.microsoft.com/office/drawing/2014/main" id="{0E5BDF93-3D66-CA4B-B5B5-345329776071}"/>
-                </a:ext>
-              </a:extLst>
-            </p:cNvPr>
-            <p:cNvPicPr>
-              <a:picLocks noChangeAspect="1"/>
-            </p:cNvPicPr>
-            <p:nvPr/>
-          </p:nvPicPr>
-          <p:blipFill>
-            <a:blip r:embed="rId14">
-              <a:extLst>
-                <a:ext uri="{28A0092B-C50C-407E-A947-70E740481C1C}">
-                  <a14:useLocalDpi xmlns:a14="http://schemas.microsoft.com/office/drawing/2010/main" val="0"/>
-                </a:ext>
-              </a:extLst>
-            </a:blip>
-            <a:srcRect/>
-            <a:stretch/>
-          </p:blipFill>
-          <p:spPr>
-            <a:xfrm>
-              <a:off x="5590657" y="6245014"/>
-              <a:ext cx="1239879" cy="1440000"/>
-            </a:xfrm>
-            <a:prstGeom prst="rect">
-              <a:avLst/>
-            </a:prstGeom>
-          </p:spPr>
-        </p:pic>
-        <p:pic>
-          <p:nvPicPr>
-            <p:cNvPr id="64" name="Picture 63">
-              <a:extLst>
-                <a:ext uri="{FF2B5EF4-FFF2-40B4-BE49-F238E27FC236}">
-                  <a16:creationId xmlns:a16="http://schemas.microsoft.com/office/drawing/2014/main" id="{AF2C97DD-C15D-FC45-AF16-D4CB119459EF}"/>
-                </a:ext>
-              </a:extLst>
-            </p:cNvPr>
-            <p:cNvPicPr>
-              <a:picLocks noChangeAspect="1"/>
-            </p:cNvPicPr>
-            <p:nvPr/>
-          </p:nvPicPr>
-          <p:blipFill>
-            <a:blip r:embed="rId15">
-              <a:extLst>
-                <a:ext uri="{28A0092B-C50C-407E-A947-70E740481C1C}">
-                  <a14:useLocalDpi xmlns:a14="http://schemas.microsoft.com/office/drawing/2010/main" val="0"/>
-                </a:ext>
-              </a:extLst>
-            </a:blip>
-            <a:srcRect/>
-            <a:stretch/>
-          </p:blipFill>
-          <p:spPr>
-            <a:xfrm>
-              <a:off x="6362200" y="4930634"/>
-              <a:ext cx="1248000" cy="1440000"/>
-            </a:xfrm>
-            <a:prstGeom prst="rect">
-              <a:avLst/>
-            </a:prstGeom>
-          </p:spPr>
-        </p:pic>
-        <p:sp>
-          <p:nvSpPr>
-            <p:cNvPr id="65" name="Rectangle 64">
-              <a:extLst>
-                <a:ext uri="{FF2B5EF4-FFF2-40B4-BE49-F238E27FC236}">
-                  <a16:creationId xmlns:a16="http://schemas.microsoft.com/office/drawing/2014/main" id="{E6836A9A-4741-3440-A7A5-441F532606C7}"/>
-                </a:ext>
-              </a:extLst>
-            </p:cNvPr>
-            <p:cNvSpPr/>
-            <p:nvPr/>
-          </p:nvSpPr>
-          <p:spPr>
-            <a:xfrm>
-              <a:off x="5447375" y="4769171"/>
-              <a:ext cx="3070760" cy="5040000"/>
-            </a:xfrm>
-            <a:prstGeom prst="rect">
-              <a:avLst/>
-            </a:prstGeom>
+          <a:prstGeom prst="rect">
+            <a:avLst/>
+          </a:prstGeom>
+          <a:noFill/>
+          <a:ln w="38100" cap="flat">
+            <a:solidFill>
+              <a:srgbClr val="77B6CD"/>
+            </a:solidFill>
+            <a:miter lim="400000"/>
+          </a:ln>
+          <a:effectLst/>
+          <a:sp3d/>
+        </p:spPr>
+        <p:style>
+          <a:lnRef idx="0">
+            <a:scrgbClr r="0" g="0" b="0"/>
+          </a:lnRef>
+          <a:fillRef idx="0">
+            <a:scrgbClr r="0" g="0" b="0"/>
+          </a:fillRef>
+          <a:effectRef idx="0">
+            <a:scrgbClr r="0" g="0" b="0"/>
+          </a:effectRef>
+          <a:fontRef idx="none"/>
+        </p:style>
+        <p:txBody>
+          <a:bodyPr rot="0" spcFirstLastPara="1" vertOverflow="overflow" horzOverflow="overflow" vert="horz" wrap="square" lIns="54570" tIns="54570" rIns="54570" bIns="54570" numCol="1" spcCol="38100" rtlCol="0" anchor="ctr">
+            <a:spAutoFit/>
+          </a:bodyPr>
+          <a:lstStyle/>
+          <a:p>
+            <a:pPr marL="0" marR="0" indent="0" algn="l" defTabSz="584200" rtl="0" fontAlgn="auto" latinLnBrk="0" hangingPunct="0">
+              <a:lnSpc>
+                <a:spcPct val="80000"/>
+              </a:lnSpc>
+              <a:spcBef>
+                <a:spcPts val="0"/>
+              </a:spcBef>
+              <a:spcAft>
+                <a:spcPts val="0"/>
+              </a:spcAft>
+              <a:buClrTx/>
+              <a:buSzTx/>
+              <a:buFontTx/>
+              <a:buNone/>
+              <a:tabLst/>
+            </a:pPr>
+            <a:endParaRPr kumimoji="0" lang="en-NO" sz="1200" b="0" i="0" u="none" strike="noStrike" cap="none" spc="0" normalizeH="0" baseline="0">
+              <a:ln>
+                <a:noFill/>
+              </a:ln>
+              <a:solidFill>
+                <a:srgbClr val="000000"/>
+              </a:solidFill>
+              <a:effectLst/>
+              <a:uFillTx/>
+              <a:latin typeface="Source Sans Pro"/>
+              <a:ea typeface="Source Sans Pro"/>
+              <a:cs typeface="Source Sans Pro"/>
+              <a:sym typeface="Source Sans Pro"/>
+            </a:endParaRPr>
+          </a:p>
+        </p:txBody>
+      </p:sp>
+      <p:sp>
+        <p:nvSpPr>
+          <p:cNvPr id="66" name="Rectangle 65">
+            <a:extLst>
+              <a:ext uri="{FF2B5EF4-FFF2-40B4-BE49-F238E27FC236}">
+                <a16:creationId xmlns:a16="http://schemas.microsoft.com/office/drawing/2014/main" id="{85AEB998-A796-584A-BDEA-4F88B9644EF6}"/>
+              </a:ext>
+            </a:extLst>
+          </p:cNvPr>
+          <p:cNvSpPr/>
+          <p:nvPr/>
+        </p:nvSpPr>
+        <p:spPr>
+          <a:xfrm>
+            <a:off x="5428543" y="9472819"/>
+            <a:ext cx="3070760" cy="332390"/>
+          </a:xfrm>
+          <a:prstGeom prst="rect">
+            <a:avLst/>
+          </a:prstGeom>
+          <a:noFill/>
+          <a:ln w="12700" cap="flat">
             <a:noFill/>
-            <a:ln w="38100" cap="flat">
-              <a:solidFill>
-                <a:srgbClr val="77B6CD"/>
-              </a:solidFill>
-              <a:miter lim="400000"/>
-            </a:ln>
-            <a:effectLst/>
-            <a:sp3d/>
-          </p:spPr>
-          <p:style>
-            <a:lnRef idx="0">
-              <a:scrgbClr r="0" g="0" b="0"/>
-            </a:lnRef>
-            <a:fillRef idx="0">
-              <a:scrgbClr r="0" g="0" b="0"/>
-            </a:fillRef>
-            <a:effectRef idx="0">
-              <a:scrgbClr r="0" g="0" b="0"/>
-            </a:effectRef>
-            <a:fontRef idx="none"/>
-          </p:style>
-          <p:txBody>
-            <a:bodyPr rot="0" spcFirstLastPara="1" vertOverflow="overflow" horzOverflow="overflow" vert="horz" wrap="square" lIns="54570" tIns="54570" rIns="54570" bIns="54570" numCol="1" spcCol="38100" rtlCol="0" anchor="ctr">
-              <a:spAutoFit/>
-            </a:bodyPr>
-            <a:lstStyle/>
-            <a:p>
-              <a:pPr marL="0" marR="0" indent="0" algn="l" defTabSz="584200" rtl="0" fontAlgn="auto" latinLnBrk="0" hangingPunct="0">
-                <a:lnSpc>
-                  <a:spcPct val="80000"/>
-                </a:lnSpc>
-                <a:spcBef>
-                  <a:spcPts val="0"/>
-                </a:spcBef>
-                <a:spcAft>
-                  <a:spcPts val="0"/>
-                </a:spcAft>
-                <a:buClrTx/>
-                <a:buSzTx/>
-                <a:buFontTx/>
-                <a:buNone/>
-                <a:tabLst/>
-              </a:pPr>
-              <a:endParaRPr kumimoji="0" lang="en-NO" sz="1200" b="0" i="0" u="none" strike="noStrike" cap="none" spc="0" normalizeH="0" baseline="0">
+            <a:miter lim="400000"/>
+          </a:ln>
+          <a:effectLst/>
+          <a:sp3d/>
+        </p:spPr>
+        <p:style>
+          <a:lnRef idx="0">
+            <a:scrgbClr r="0" g="0" b="0"/>
+          </a:lnRef>
+          <a:fillRef idx="0">
+            <a:scrgbClr r="0" g="0" b="0"/>
+          </a:fillRef>
+          <a:effectRef idx="0">
+            <a:scrgbClr r="0" g="0" b="0"/>
+          </a:effectRef>
+          <a:fontRef idx="none"/>
+        </p:style>
+        <p:txBody>
+          <a:bodyPr rot="0" spcFirstLastPara="1" vertOverflow="overflow" horzOverflow="overflow" vert="horz" wrap="square" lIns="54570" tIns="54570" rIns="54570" bIns="54570" numCol="1" spcCol="38100" rtlCol="0" anchor="ctr">
+            <a:spAutoFit/>
+          </a:bodyPr>
+          <a:lstStyle/>
+          <a:p>
+            <a:pPr marL="0" marR="0" indent="0" algn="ctr" defTabSz="584200" rtl="0" fontAlgn="auto" latinLnBrk="0" hangingPunct="0">
+              <a:lnSpc>
+                <a:spcPct val="80000"/>
+              </a:lnSpc>
+              <a:spcBef>
+                <a:spcPts val="0"/>
+              </a:spcBef>
+              <a:spcAft>
+                <a:spcPts val="0"/>
+              </a:spcAft>
+              <a:buClrTx/>
+              <a:buSzTx/>
+              <a:buFontTx/>
+              <a:buNone/>
+              <a:tabLst/>
+            </a:pPr>
+            <a:r>
+              <a:rPr kumimoji="0" lang="en-NO" sz="1800" b="0" i="0" u="none" strike="noStrike" cap="none" spc="0" normalizeH="0" baseline="0" dirty="0">
                 <a:ln>
                   <a:noFill/>
                 </a:ln>
@@ -7865,260 +7873,179 @@
                 </a:solidFill>
                 <a:effectLst/>
                 <a:uFillTx/>
-                <a:latin typeface="Source Sans Pro"/>
-                <a:ea typeface="Source Sans Pro"/>
-                <a:cs typeface="Source Sans Pro"/>
+                <a:latin typeface="Source Sans Pro" panose="020B0503030403020204" pitchFamily="34" charset="0"/>
+                <a:ea typeface="Source Sans Pro" panose="020B0503030403020204" pitchFamily="34" charset="0"/>
                 <a:sym typeface="Source Sans Pro"/>
-              </a:endParaRPr>
-            </a:p>
-          </p:txBody>
-        </p:sp>
-        <p:sp>
-          <p:nvSpPr>
-            <p:cNvPr id="66" name="Rectangle 65">
-              <a:extLst>
-                <a:ext uri="{FF2B5EF4-FFF2-40B4-BE49-F238E27FC236}">
-                  <a16:creationId xmlns:a16="http://schemas.microsoft.com/office/drawing/2014/main" id="{85AEB998-A796-584A-BDEA-4F88B9644EF6}"/>
-                </a:ext>
-              </a:extLst>
-            </p:cNvPr>
-            <p:cNvSpPr/>
-            <p:nvPr/>
-          </p:nvSpPr>
-          <p:spPr>
-            <a:xfrm>
-              <a:off x="5447375" y="9472819"/>
-              <a:ext cx="3070760" cy="332390"/>
-            </a:xfrm>
-            <a:prstGeom prst="rect">
-              <a:avLst/>
-            </a:prstGeom>
-            <a:noFill/>
-            <a:ln w="12700" cap="flat">
-              <a:noFill/>
-              <a:miter lim="400000"/>
-            </a:ln>
-            <a:effectLst/>
-            <a:sp3d/>
-          </p:spPr>
-          <p:style>
-            <a:lnRef idx="0">
-              <a:scrgbClr r="0" g="0" b="0"/>
-            </a:lnRef>
-            <a:fillRef idx="0">
-              <a:scrgbClr r="0" g="0" b="0"/>
-            </a:fillRef>
-            <a:effectRef idx="0">
-              <a:scrgbClr r="0" g="0" b="0"/>
-            </a:effectRef>
-            <a:fontRef idx="none"/>
-          </p:style>
-          <p:txBody>
-            <a:bodyPr rot="0" spcFirstLastPara="1" vertOverflow="overflow" horzOverflow="overflow" vert="horz" wrap="square" lIns="54570" tIns="54570" rIns="54570" bIns="54570" numCol="1" spcCol="38100" rtlCol="0" anchor="ctr">
-              <a:spAutoFit/>
-            </a:bodyPr>
-            <a:lstStyle/>
-            <a:p>
-              <a:pPr marL="0" marR="0" indent="0" algn="ctr" defTabSz="584200" rtl="0" fontAlgn="auto" latinLnBrk="0" hangingPunct="0">
-                <a:lnSpc>
-                  <a:spcPct val="80000"/>
-                </a:lnSpc>
-                <a:spcBef>
-                  <a:spcPts val="0"/>
-                </a:spcBef>
-                <a:spcAft>
-                  <a:spcPts val="0"/>
-                </a:spcAft>
-                <a:buClrTx/>
-                <a:buSzTx/>
-                <a:buFontTx/>
-                <a:buNone/>
-                <a:tabLst/>
-              </a:pPr>
-              <a:r>
-                <a:rPr kumimoji="0" lang="en-NO" sz="1800" b="0" i="0" u="none" strike="noStrike" cap="none" spc="0" normalizeH="0" baseline="0" dirty="0">
-                  <a:ln>
-                    <a:noFill/>
-                  </a:ln>
-                  <a:solidFill>
-                    <a:srgbClr val="000000"/>
-                  </a:solidFill>
-                  <a:effectLst/>
-                  <a:uFillTx/>
-                  <a:latin typeface="Source Sans Pro" panose="020B0503030403020204" pitchFamily="34" charset="0"/>
-                  <a:ea typeface="Source Sans Pro" panose="020B0503030403020204" pitchFamily="34" charset="0"/>
-                  <a:sym typeface="Source Sans Pro"/>
-                </a:rPr>
-                <a:t>Helper functions</a:t>
-              </a:r>
-            </a:p>
-          </p:txBody>
-        </p:sp>
-        <p:cxnSp>
-          <p:nvCxnSpPr>
-            <p:cNvPr id="67" name="Straight Arrow Connector 66">
-              <a:extLst>
-                <a:ext uri="{FF2B5EF4-FFF2-40B4-BE49-F238E27FC236}">
-                  <a16:creationId xmlns:a16="http://schemas.microsoft.com/office/drawing/2014/main" id="{FDFF7B8F-CE9B-C845-9D24-2FF0C3EC91F2}"/>
-                </a:ext>
-              </a:extLst>
-            </p:cNvPr>
-            <p:cNvCxnSpPr>
-              <a:cxnSpLocks/>
-            </p:cNvCxnSpPr>
-            <p:nvPr/>
-          </p:nvCxnSpPr>
-          <p:spPr>
-            <a:xfrm flipH="1" flipV="1">
-              <a:off x="7280103" y="6175016"/>
-              <a:ext cx="164633" cy="229138"/>
-            </a:xfrm>
-            <a:prstGeom prst="straightConnector1">
-              <a:avLst/>
-            </a:prstGeom>
-            <a:noFill/>
-            <a:ln w="47625" cap="flat">
-              <a:solidFill>
-                <a:srgbClr val="77B6CD"/>
-              </a:solidFill>
-              <a:prstDash val="solid"/>
-              <a:miter lim="400000"/>
-              <a:tailEnd type="triangle"/>
-            </a:ln>
-            <a:effectLst/>
-            <a:sp3d/>
-          </p:spPr>
-          <p:style>
-            <a:lnRef idx="0">
-              <a:scrgbClr r="0" g="0" b="0"/>
-            </a:lnRef>
-            <a:fillRef idx="0">
-              <a:scrgbClr r="0" g="0" b="0"/>
-            </a:fillRef>
-            <a:effectRef idx="0">
-              <a:scrgbClr r="0" g="0" b="0"/>
-            </a:effectRef>
-            <a:fontRef idx="none"/>
-          </p:style>
-        </p:cxnSp>
-        <p:cxnSp>
-          <p:nvCxnSpPr>
-            <p:cNvPr id="77" name="Straight Arrow Connector 76">
-              <a:extLst>
-                <a:ext uri="{FF2B5EF4-FFF2-40B4-BE49-F238E27FC236}">
-                  <a16:creationId xmlns:a16="http://schemas.microsoft.com/office/drawing/2014/main" id="{2225A128-A1DD-9A48-A9FC-BDE9713FF451}"/>
-                </a:ext>
-              </a:extLst>
-            </p:cNvPr>
-            <p:cNvCxnSpPr>
-              <a:cxnSpLocks/>
-            </p:cNvCxnSpPr>
-            <p:nvPr/>
-          </p:nvCxnSpPr>
-          <p:spPr>
-            <a:xfrm flipV="1">
-              <a:off x="6518107" y="6177791"/>
-              <a:ext cx="164633" cy="229138"/>
-            </a:xfrm>
-            <a:prstGeom prst="straightConnector1">
-              <a:avLst/>
-            </a:prstGeom>
-            <a:noFill/>
-            <a:ln w="47625" cap="flat">
-              <a:solidFill>
-                <a:srgbClr val="77B6CD"/>
-              </a:solidFill>
-              <a:prstDash val="solid"/>
-              <a:miter lim="400000"/>
-              <a:tailEnd type="triangle"/>
-            </a:ln>
-            <a:effectLst/>
-            <a:sp3d/>
-          </p:spPr>
-          <p:style>
-            <a:lnRef idx="0">
-              <a:scrgbClr r="0" g="0" b="0"/>
-            </a:lnRef>
-            <a:fillRef idx="0">
-              <a:scrgbClr r="0" g="0" b="0"/>
-            </a:fillRef>
-            <a:effectRef idx="0">
-              <a:scrgbClr r="0" g="0" b="0"/>
-            </a:effectRef>
-            <a:fontRef idx="none"/>
-          </p:style>
-        </p:cxnSp>
-        <p:pic>
-          <p:nvPicPr>
-            <p:cNvPr id="55" name="Picture 54">
-              <a:extLst>
-                <a:ext uri="{FF2B5EF4-FFF2-40B4-BE49-F238E27FC236}">
-                  <a16:creationId xmlns:a16="http://schemas.microsoft.com/office/drawing/2014/main" id="{F6AE3816-6783-4EB5-0710-83FE58F18690}"/>
-                </a:ext>
-              </a:extLst>
-            </p:cNvPr>
-            <p:cNvPicPr>
-              <a:picLocks noChangeAspect="1"/>
-            </p:cNvPicPr>
-            <p:nvPr/>
-          </p:nvPicPr>
-          <p:blipFill>
-            <a:blip r:embed="rId16">
-              <a:extLst>
-                <a:ext uri="{28A0092B-C50C-407E-A947-70E740481C1C}">
-                  <a14:useLocalDpi xmlns:a14="http://schemas.microsoft.com/office/drawing/2010/main" val="0"/>
-                </a:ext>
-              </a:extLst>
-            </a:blip>
-            <a:srcRect/>
-            <a:stretch/>
-          </p:blipFill>
-          <p:spPr>
-            <a:xfrm>
-              <a:off x="5606297" y="7849493"/>
-              <a:ext cx="1232821" cy="1422485"/>
-            </a:xfrm>
-            <a:prstGeom prst="rect">
-              <a:avLst/>
-            </a:prstGeom>
-          </p:spPr>
-        </p:pic>
-        <p:pic>
-          <p:nvPicPr>
-            <p:cNvPr id="2" name="Picture 1">
-              <a:extLst>
-                <a:ext uri="{FF2B5EF4-FFF2-40B4-BE49-F238E27FC236}">
-                  <a16:creationId xmlns:a16="http://schemas.microsoft.com/office/drawing/2014/main" id="{36277B50-A2A7-32F5-B36D-DC0DC87BC541}"/>
-                </a:ext>
-              </a:extLst>
-            </p:cNvPr>
-            <p:cNvPicPr>
-              <a:picLocks noChangeAspect="1"/>
-            </p:cNvPicPr>
-            <p:nvPr/>
-          </p:nvPicPr>
-          <p:blipFill>
-            <a:blip r:embed="rId17">
-              <a:extLst>
-                <a:ext uri="{28A0092B-C50C-407E-A947-70E740481C1C}">
-                  <a14:useLocalDpi xmlns:a14="http://schemas.microsoft.com/office/drawing/2010/main" val="0"/>
-                </a:ext>
-              </a:extLst>
-            </a:blip>
-            <a:srcRect/>
-            <a:stretch/>
-          </p:blipFill>
-          <p:spPr>
-            <a:xfrm>
-              <a:off x="7138085" y="7835292"/>
-              <a:ext cx="1247438" cy="1439351"/>
-            </a:xfrm>
-            <a:prstGeom prst="rect">
-              <a:avLst/>
-            </a:prstGeom>
-          </p:spPr>
-        </p:pic>
-      </p:grpSp>
+              </a:rPr>
+              <a:t>Helper functions</a:t>
+            </a:r>
+          </a:p>
+        </p:txBody>
+      </p:sp>
+      <p:cxnSp>
+        <p:nvCxnSpPr>
+          <p:cNvPr id="67" name="Straight Arrow Connector 66">
+            <a:extLst>
+              <a:ext uri="{FF2B5EF4-FFF2-40B4-BE49-F238E27FC236}">
+                <a16:creationId xmlns:a16="http://schemas.microsoft.com/office/drawing/2014/main" id="{FDFF7B8F-CE9B-C845-9D24-2FF0C3EC91F2}"/>
+              </a:ext>
+            </a:extLst>
+          </p:cNvPr>
+          <p:cNvCxnSpPr>
+            <a:cxnSpLocks/>
+          </p:cNvCxnSpPr>
+          <p:nvPr/>
+        </p:nvCxnSpPr>
+        <p:spPr>
+          <a:xfrm flipH="1" flipV="1">
+            <a:off x="7261271" y="6175016"/>
+            <a:ext cx="164633" cy="229138"/>
+          </a:xfrm>
+          <a:prstGeom prst="straightConnector1">
+            <a:avLst/>
+          </a:prstGeom>
+          <a:noFill/>
+          <a:ln w="47625" cap="flat">
+            <a:solidFill>
+              <a:srgbClr val="77B6CD"/>
+            </a:solidFill>
+            <a:prstDash val="solid"/>
+            <a:miter lim="400000"/>
+            <a:tailEnd type="triangle"/>
+          </a:ln>
+          <a:effectLst/>
+          <a:sp3d/>
+        </p:spPr>
+        <p:style>
+          <a:lnRef idx="0">
+            <a:scrgbClr r="0" g="0" b="0"/>
+          </a:lnRef>
+          <a:fillRef idx="0">
+            <a:scrgbClr r="0" g="0" b="0"/>
+          </a:fillRef>
+          <a:effectRef idx="0">
+            <a:scrgbClr r="0" g="0" b="0"/>
+          </a:effectRef>
+          <a:fontRef idx="none"/>
+        </p:style>
+      </p:cxnSp>
+      <p:cxnSp>
+        <p:nvCxnSpPr>
+          <p:cNvPr id="77" name="Straight Arrow Connector 76">
+            <a:extLst>
+              <a:ext uri="{FF2B5EF4-FFF2-40B4-BE49-F238E27FC236}">
+                <a16:creationId xmlns:a16="http://schemas.microsoft.com/office/drawing/2014/main" id="{2225A128-A1DD-9A48-A9FC-BDE9713FF451}"/>
+              </a:ext>
+            </a:extLst>
+          </p:cNvPr>
+          <p:cNvCxnSpPr>
+            <a:cxnSpLocks/>
+          </p:cNvCxnSpPr>
+          <p:nvPr/>
+        </p:nvCxnSpPr>
+        <p:spPr>
+          <a:xfrm flipV="1">
+            <a:off x="6499275" y="6177791"/>
+            <a:ext cx="164633" cy="229138"/>
+          </a:xfrm>
+          <a:prstGeom prst="straightConnector1">
+            <a:avLst/>
+          </a:prstGeom>
+          <a:noFill/>
+          <a:ln w="47625" cap="flat">
+            <a:solidFill>
+              <a:srgbClr val="77B6CD"/>
+            </a:solidFill>
+            <a:prstDash val="solid"/>
+            <a:miter lim="400000"/>
+            <a:tailEnd type="triangle"/>
+          </a:ln>
+          <a:effectLst/>
+          <a:sp3d/>
+        </p:spPr>
+        <p:style>
+          <a:lnRef idx="0">
+            <a:scrgbClr r="0" g="0" b="0"/>
+          </a:lnRef>
+          <a:fillRef idx="0">
+            <a:scrgbClr r="0" g="0" b="0"/>
+          </a:fillRef>
+          <a:effectRef idx="0">
+            <a:scrgbClr r="0" g="0" b="0"/>
+          </a:effectRef>
+          <a:fontRef idx="none"/>
+        </p:style>
+      </p:cxnSp>
+      <p:pic>
+        <p:nvPicPr>
+          <p:cNvPr id="55" name="Picture 54">
+            <a:extLst>
+              <a:ext uri="{FF2B5EF4-FFF2-40B4-BE49-F238E27FC236}">
+                <a16:creationId xmlns:a16="http://schemas.microsoft.com/office/drawing/2014/main" id="{F6AE3816-6783-4EB5-0710-83FE58F18690}"/>
+              </a:ext>
+            </a:extLst>
+          </p:cNvPr>
+          <p:cNvPicPr>
+            <a:picLocks noChangeAspect="1"/>
+          </p:cNvPicPr>
+          <p:nvPr/>
+        </p:nvPicPr>
+        <p:blipFill>
+          <a:blip r:embed="rId16">
+            <a:extLst>
+              <a:ext uri="{28A0092B-C50C-407E-A947-70E740481C1C}">
+                <a14:useLocalDpi xmlns:a14="http://schemas.microsoft.com/office/drawing/2010/main" val="0"/>
+              </a:ext>
+            </a:extLst>
+          </a:blip>
+          <a:srcRect/>
+          <a:stretch/>
+        </p:blipFill>
+        <p:spPr>
+          <a:xfrm>
+            <a:off x="5591476" y="7849493"/>
+            <a:ext cx="1224798" cy="1422484"/>
+          </a:xfrm>
+          <a:prstGeom prst="rect">
+            <a:avLst/>
+          </a:prstGeom>
+        </p:spPr>
+      </p:pic>
+      <p:pic>
+        <p:nvPicPr>
+          <p:cNvPr id="2" name="Picture 1">
+            <a:extLst>
+              <a:ext uri="{FF2B5EF4-FFF2-40B4-BE49-F238E27FC236}">
+                <a16:creationId xmlns:a16="http://schemas.microsoft.com/office/drawing/2014/main" id="{36277B50-A2A7-32F5-B36D-DC0DC87BC541}"/>
+              </a:ext>
+            </a:extLst>
+          </p:cNvPr>
+          <p:cNvPicPr>
+            <a:picLocks noChangeAspect="1"/>
+          </p:cNvPicPr>
+          <p:nvPr/>
+        </p:nvPicPr>
+        <p:blipFill>
+          <a:blip r:embed="rId17">
+            <a:extLst>
+              <a:ext uri="{28A0092B-C50C-407E-A947-70E740481C1C}">
+                <a14:useLocalDpi xmlns:a14="http://schemas.microsoft.com/office/drawing/2010/main" val="0"/>
+              </a:ext>
+            </a:extLst>
+          </a:blip>
+          <a:srcRect/>
+          <a:stretch/>
+        </p:blipFill>
+        <p:spPr>
+          <a:xfrm>
+            <a:off x="7123311" y="7839975"/>
+            <a:ext cx="1239320" cy="1429984"/>
+          </a:xfrm>
+          <a:prstGeom prst="rect">
+            <a:avLst/>
+          </a:prstGeom>
+        </p:spPr>
+      </p:pic>
       <p:pic>
         <p:nvPicPr>
           <p:cNvPr id="5" name="Picture 4">
@@ -8141,14 +8068,13 @@
               </a:ext>
             </a:extLst>
           </a:blip>
-          <a:stretch>
-            <a:fillRect/>
-          </a:stretch>
+          <a:srcRect/>
+          <a:stretch/>
         </p:blipFill>
         <p:spPr>
           <a:xfrm>
-            <a:off x="11001626" y="554249"/>
-            <a:ext cx="1243636" cy="1440000"/>
+            <a:off x="11001626" y="556767"/>
+            <a:ext cx="1243636" cy="1434964"/>
           </a:xfrm>
           <a:prstGeom prst="rect">
             <a:avLst/>
@@ -8319,6 +8245,42 @@
           </a:p>
         </p:txBody>
       </p:sp>
+      <p:pic>
+        <p:nvPicPr>
+          <p:cNvPr id="10" name="Picture 9">
+            <a:extLst>
+              <a:ext uri="{FF2B5EF4-FFF2-40B4-BE49-F238E27FC236}">
+                <a16:creationId xmlns:a16="http://schemas.microsoft.com/office/drawing/2014/main" id="{2F366503-9319-2DC7-916B-006EF74F5057}"/>
+              </a:ext>
+            </a:extLst>
+          </p:cNvPr>
+          <p:cNvPicPr>
+            <a:picLocks noChangeAspect="1"/>
+          </p:cNvPicPr>
+          <p:nvPr/>
+        </p:nvPicPr>
+        <p:blipFill>
+          <a:blip r:embed="rId19">
+            <a:extLst>
+              <a:ext uri="{28A0092B-C50C-407E-A947-70E740481C1C}">
+                <a14:useLocalDpi xmlns:a14="http://schemas.microsoft.com/office/drawing/2010/main" val="0"/>
+              </a:ext>
+            </a:extLst>
+          </a:blip>
+          <a:stretch>
+            <a:fillRect/>
+          </a:stretch>
+        </p:blipFill>
+        <p:spPr>
+          <a:xfrm>
+            <a:off x="323369" y="262549"/>
+            <a:ext cx="3443444" cy="1021681"/>
+          </a:xfrm>
+          <a:prstGeom prst="rect">
+            <a:avLst/>
+          </a:prstGeom>
+        </p:spPr>
+      </p:pic>
     </p:spTree>
   </p:cSld>
   <p:clrMapOvr>
@@ -12322,24 +12284,6 @@
 </file>
 
 <file path=customXml/item1.xml><?xml version="1.0" encoding="utf-8"?>
-<p:properties xmlns:p="http://schemas.microsoft.com/office/2006/metadata/properties" xmlns:xsi="http://www.w3.org/2001/XMLSchema-instance" xmlns:pc="http://schemas.microsoft.com/office/infopath/2007/PartnerControls">
-  <documentManagement>
-    <FHI_TopicTaxHTField xmlns="9e7c1b5f-6b93-4ee4-9fa2-fda8f1b47cf5">
-      <Terms xmlns="http://schemas.microsoft.com/office/infopath/2007/PartnerControls"/>
-    </FHI_TopicTaxHTField>
-    <TaxCatchAll xmlns="ef5dd856-6a32-4f72-920b-b3c650540c6d" xsi:nil="true"/>
-    <TaxKeywordTaxHTField xmlns="ef5dd856-6a32-4f72-920b-b3c650540c6d">
-      <Terms xmlns="http://schemas.microsoft.com/office/infopath/2007/PartnerControls"/>
-    </TaxKeywordTaxHTField>
-    <d03b2acdc0904ed5b54b2c96476ff0da xmlns="ef5dd856-6a32-4f72-920b-b3c650540c6d" xsi:nil="true"/>
-    <lcf76f155ced4ddcb4097134ff3c332f xmlns="8e6eb821-ce73-48ba-8377-72b4b239edb4">
-      <Terms xmlns="http://schemas.microsoft.com/office/infopath/2007/PartnerControls"/>
-    </lcf76f155ced4ddcb4097134ff3c332f>
-  </documentManagement>
-</p:properties>
-</file>
-
-<file path=customXml/item2.xml><?xml version="1.0" encoding="utf-8"?>
 <?mso-contentType ?>
 <FormTemplates xmlns="http://schemas.microsoft.com/sharepoint/v3/contenttype/forms">
   <Display>DocumentLibraryForm</Display>
@@ -12348,7 +12292,7 @@
 </FormTemplates>
 </file>
 
-<file path=customXml/item3.xml><?xml version="1.0" encoding="utf-8"?>
+<file path=customXml/item2.xml><?xml version="1.0" encoding="utf-8"?>
 <ct:contentTypeSchema xmlns:ct="http://schemas.microsoft.com/office/2006/metadata/contentType" xmlns:ma="http://schemas.microsoft.com/office/2006/metadata/properties/metaAttributes" ct:_="" ma:_="" ma:contentTypeName="Document" ma:contentTypeID="0x010100015CD9422D4BDE46A334095E56D78D07" ma:contentTypeVersion="28" ma:contentTypeDescription="Opprett et nytt dokument." ma:contentTypeScope="" ma:versionID="caf2d3b5ec96617048f19c418986ca0e">
   <xsd:schema xmlns:xsd="http://www.w3.org/2001/XMLSchema" xmlns:xs="http://www.w3.org/2001/XMLSchema" xmlns:p="http://schemas.microsoft.com/office/2006/metadata/properties" xmlns:ns2="ef5dd856-6a32-4f72-920b-b3c650540c6d" xmlns:ns3="9e7c1b5f-6b93-4ee4-9fa2-fda8f1b47cf5" xmlns:ns4="8e6eb821-ce73-48ba-8377-72b4b239edb4" targetNamespace="http://schemas.microsoft.com/office/2006/metadata/properties" ma:root="true" ma:fieldsID="3132385cd8d9c3ebe310a20dd1fcb244" ns2:_="" ns3:_="" ns4:_="">
     <xsd:import namespace="ef5dd856-6a32-4f72-920b-b3c650540c6d"/>
@@ -12612,25 +12556,25 @@
 </ct:contentTypeSchema>
 </file>
 
-<file path=customXml/itemProps1.xml><?xml version="1.0" encoding="utf-8"?>
-<ds:datastoreItem xmlns:ds="http://schemas.openxmlformats.org/officeDocument/2006/customXml" ds:itemID="{82D19A56-9F48-4776-A41F-6747BEDA6F33}">
-  <ds:schemaRefs>
-    <ds:schemaRef ds:uri="8e6eb821-ce73-48ba-8377-72b4b239edb4"/>
-    <ds:schemaRef ds:uri="http://schemas.microsoft.com/office/2006/metadata/properties"/>
-    <ds:schemaRef ds:uri="http://www.w3.org/XML/1998/namespace"/>
-    <ds:schemaRef ds:uri="http://schemas.microsoft.com/office/infopath/2007/PartnerControls"/>
-    <ds:schemaRef ds:uri="http://purl.org/dc/terms/"/>
-    <ds:schemaRef ds:uri="http://purl.org/dc/elements/1.1/"/>
-    <ds:schemaRef ds:uri="http://schemas.openxmlformats.org/package/2006/metadata/core-properties"/>
-    <ds:schemaRef ds:uri="http://schemas.microsoft.com/office/2006/documentManagement/types"/>
-    <ds:schemaRef ds:uri="9e7c1b5f-6b93-4ee4-9fa2-fda8f1b47cf5"/>
-    <ds:schemaRef ds:uri="ef5dd856-6a32-4f72-920b-b3c650540c6d"/>
-    <ds:schemaRef ds:uri="http://purl.org/dc/dcmitype/"/>
-  </ds:schemaRefs>
-</ds:datastoreItem>
+<file path=customXml/item3.xml><?xml version="1.0" encoding="utf-8"?>
+<p:properties xmlns:p="http://schemas.microsoft.com/office/2006/metadata/properties" xmlns:xsi="http://www.w3.org/2001/XMLSchema-instance" xmlns:pc="http://schemas.microsoft.com/office/infopath/2007/PartnerControls">
+  <documentManagement>
+    <FHI_TopicTaxHTField xmlns="9e7c1b5f-6b93-4ee4-9fa2-fda8f1b47cf5">
+      <Terms xmlns="http://schemas.microsoft.com/office/infopath/2007/PartnerControls"/>
+    </FHI_TopicTaxHTField>
+    <TaxCatchAll xmlns="ef5dd856-6a32-4f72-920b-b3c650540c6d" xsi:nil="true"/>
+    <TaxKeywordTaxHTField xmlns="ef5dd856-6a32-4f72-920b-b3c650540c6d">
+      <Terms xmlns="http://schemas.microsoft.com/office/infopath/2007/PartnerControls"/>
+    </TaxKeywordTaxHTField>
+    <d03b2acdc0904ed5b54b2c96476ff0da xmlns="ef5dd856-6a32-4f72-920b-b3c650540c6d" xsi:nil="true"/>
+    <lcf76f155ced4ddcb4097134ff3c332f xmlns="8e6eb821-ce73-48ba-8377-72b4b239edb4">
+      <Terms xmlns="http://schemas.microsoft.com/office/infopath/2007/PartnerControls"/>
+    </lcf76f155ced4ddcb4097134ff3c332f>
+  </documentManagement>
+</p:properties>
 </file>
 
-<file path=customXml/itemProps2.xml><?xml version="1.0" encoding="utf-8"?>
+<file path=customXml/itemProps1.xml><?xml version="1.0" encoding="utf-8"?>
 <ds:datastoreItem xmlns:ds="http://schemas.openxmlformats.org/officeDocument/2006/customXml" ds:itemID="{1397C913-CF67-4D4B-B20C-8D2FAA47BA9C}">
   <ds:schemaRefs>
     <ds:schemaRef ds:uri="http://schemas.microsoft.com/sharepoint/v3/contenttype/forms"/>
@@ -12638,7 +12582,7 @@
 </ds:datastoreItem>
 </file>
 
-<file path=customXml/itemProps3.xml><?xml version="1.0" encoding="utf-8"?>
+<file path=customXml/itemProps2.xml><?xml version="1.0" encoding="utf-8"?>
 <ds:datastoreItem xmlns:ds="http://schemas.openxmlformats.org/officeDocument/2006/customXml" ds:itemID="{5A1F8013-CD6C-4F36-962D-06CC17C99746}">
   <ds:schemaRefs>
     <ds:schemaRef ds:uri="http://schemas.microsoft.com/office/2006/metadata/contentType"/>
@@ -12656,4 +12600,22 @@
     <ds:schemaRef ds:uri="http://schemas.microsoft.com/internal/obd"/>
   </ds:schemaRefs>
 </ds:datastoreItem>
+</file>
+
+<file path=customXml/itemProps3.xml><?xml version="1.0" encoding="utf-8"?>
+<ds:datastoreItem xmlns:ds="http://schemas.openxmlformats.org/officeDocument/2006/customXml" ds:itemID="{82D19A56-9F48-4776-A41F-6747BEDA6F33}">
+  <ds:schemaRefs>
+    <ds:schemaRef ds:uri="8e6eb821-ce73-48ba-8377-72b4b239edb4"/>
+    <ds:schemaRef ds:uri="http://schemas.microsoft.com/office/2006/metadata/properties"/>
+    <ds:schemaRef ds:uri="http://www.w3.org/XML/1998/namespace"/>
+    <ds:schemaRef ds:uri="http://schemas.microsoft.com/office/infopath/2007/PartnerControls"/>
+    <ds:schemaRef ds:uri="http://purl.org/dc/terms/"/>
+    <ds:schemaRef ds:uri="http://purl.org/dc/elements/1.1/"/>
+    <ds:schemaRef ds:uri="http://schemas.openxmlformats.org/package/2006/metadata/core-properties"/>
+    <ds:schemaRef ds:uri="http://schemas.microsoft.com/office/2006/documentManagement/types"/>
+    <ds:schemaRef ds:uri="9e7c1b5f-6b93-4ee4-9fa2-fda8f1b47cf5"/>
+    <ds:schemaRef ds:uri="ef5dd856-6a32-4f72-920b-b3c650540c6d"/>
+    <ds:schemaRef ds:uri="http://purl.org/dc/dcmitype/"/>
+  </ds:schemaRefs>
+</ds:datastoreItem>
 </file>
--- a/csverse/hex/hex_dependencies.pptx
+++ b/csverse/hex/hex_dependencies.pptx
@@ -5416,7 +5416,7 @@
           </a:ln>
           <a:extLst>
             <a:ext uri="{C572A759-6A51-4108-AA02-DFA0A04FC94B}">
-              <ma14:wrappingTextBoxFlag xmlns:ma14="http://schemas.microsoft.com/office/mac/drawingml/2011/main" xmlns:a14="http://schemas.microsoft.com/office/drawing/2010/main" xmlns:m="http://schemas.openxmlformats.org/officeDocument/2006/math" xmlns="" val="1"/>
+              <ma14:wrappingTextBoxFlag xmlns="" xmlns:m="http://schemas.openxmlformats.org/officeDocument/2006/math" xmlns:a14="http://schemas.microsoft.com/office/drawing/2010/main" xmlns:ma14="http://schemas.microsoft.com/office/mac/drawingml/2011/main" val="1"/>
             </a:ext>
           </a:extLst>
         </p:spPr>
@@ -5455,7 +5455,7 @@
           </a:ln>
           <a:extLst>
             <a:ext uri="{C572A759-6A51-4108-AA02-DFA0A04FC94B}">
-              <ma14:wrappingTextBoxFlag xmlns:ma14="http://schemas.microsoft.com/office/mac/drawingml/2011/main" xmlns:a14="http://schemas.microsoft.com/office/drawing/2010/main" xmlns:m="http://schemas.openxmlformats.org/officeDocument/2006/math" xmlns="" val="1"/>
+              <ma14:wrappingTextBoxFlag xmlns="" xmlns:m="http://schemas.openxmlformats.org/officeDocument/2006/math" xmlns:a14="http://schemas.microsoft.com/office/drawing/2010/main" xmlns:ma14="http://schemas.microsoft.com/office/mac/drawingml/2011/main" val="1"/>
             </a:ext>
           </a:extLst>
         </p:spPr>
@@ -6520,7 +6520,7 @@
           </a:ln>
           <a:extLst>
             <a:ext uri="{C572A759-6A51-4108-AA02-DFA0A04FC94B}">
-              <ma14:wrappingTextBoxFlag xmlns:ma14="http://schemas.microsoft.com/office/mac/drawingml/2011/main" xmlns:a14="http://schemas.microsoft.com/office/drawing/2010/main" xmlns:m="http://schemas.openxmlformats.org/officeDocument/2006/math" xmlns="" val="1"/>
+              <ma14:wrappingTextBoxFlag xmlns="" xmlns:m="http://schemas.openxmlformats.org/officeDocument/2006/math" xmlns:a14="http://schemas.microsoft.com/office/drawing/2010/main" xmlns:ma14="http://schemas.microsoft.com/office/mac/drawingml/2011/main" val="1"/>
             </a:ext>
           </a:extLst>
         </p:spPr>
@@ -6615,7 +6615,7 @@
             </a:r>
             <a:r>
               <a:rPr lang="en-US" sz="1800" dirty="0"/>
-              <a:t>05-30</a:t>
+              <a:t>12-06</a:t>
             </a:r>
             <a:endParaRPr sz="1800" dirty="0"/>
           </a:p>
@@ -6658,41 +6658,6 @@
       </p:pic>
       <p:pic>
         <p:nvPicPr>
-          <p:cNvPr id="196" name="Picture 195">
-            <a:extLst>
-              <a:ext uri="{FF2B5EF4-FFF2-40B4-BE49-F238E27FC236}">
-                <a16:creationId xmlns:a16="http://schemas.microsoft.com/office/drawing/2014/main" id="{C88FFDAE-9049-C741-BC00-134962EC79F7}"/>
-              </a:ext>
-            </a:extLst>
-          </p:cNvPr>
-          <p:cNvPicPr>
-            <a:picLocks noChangeAspect="1"/>
-          </p:cNvPicPr>
-          <p:nvPr/>
-        </p:nvPicPr>
-        <p:blipFill>
-          <a:blip r:embed="rId5">
-            <a:extLst>
-              <a:ext uri="{28A0092B-C50C-407E-A947-70E740481C1C}">
-                <a14:useLocalDpi xmlns:a14="http://schemas.microsoft.com/office/drawing/2010/main" val="0"/>
-              </a:ext>
-            </a:extLst>
-          </a:blip>
-          <a:srcRect/>
-          <a:stretch/>
-        </p:blipFill>
-        <p:spPr>
-          <a:xfrm>
-            <a:off x="7119883" y="1736943"/>
-            <a:ext cx="1239287" cy="1434964"/>
-          </a:xfrm>
-          <a:prstGeom prst="rect">
-            <a:avLst/>
-          </a:prstGeom>
-        </p:spPr>
-      </p:pic>
-      <p:pic>
-        <p:nvPicPr>
           <p:cNvPr id="6" name="Picture 5">
             <a:extLst>
               <a:ext uri="{FF2B5EF4-FFF2-40B4-BE49-F238E27FC236}">
@@ -6706,7 +6671,7 @@
           <p:nvPr/>
         </p:nvPicPr>
         <p:blipFill>
-          <a:blip r:embed="rId6">
+          <a:blip r:embed="rId5">
             <a:extLst>
               <a:ext uri="{28A0092B-C50C-407E-A947-70E740481C1C}">
                 <a14:useLocalDpi xmlns:a14="http://schemas.microsoft.com/office/drawing/2010/main" val="0"/>
@@ -6741,7 +6706,7 @@
           <p:nvPr/>
         </p:nvPicPr>
         <p:blipFill>
-          <a:blip r:embed="rId7">
+          <a:blip r:embed="rId6">
             <a:extLst>
               <a:ext uri="{28A0092B-C50C-407E-A947-70E740481C1C}">
                 <a14:useLocalDpi xmlns:a14="http://schemas.microsoft.com/office/drawing/2010/main" val="0"/>
@@ -6753,7 +6718,7 @@
         </p:blipFill>
         <p:spPr>
           <a:xfrm>
-            <a:off x="6344279" y="422563"/>
+            <a:off x="7097154" y="1736943"/>
             <a:ext cx="1239287" cy="1434964"/>
           </a:xfrm>
           <a:prstGeom prst="rect">
@@ -6775,8 +6740,8 @@
         </p:nvSpPr>
         <p:spPr>
           <a:xfrm>
-            <a:off x="5428543" y="262549"/>
-            <a:ext cx="3070760" cy="3649033"/>
+            <a:off x="5424272" y="1578846"/>
+            <a:ext cx="3070760" cy="2340000"/>
           </a:xfrm>
           <a:prstGeom prst="rect">
             <a:avLst/>
@@ -6938,7 +6903,7 @@
           <p:nvPr/>
         </p:nvPicPr>
         <p:blipFill>
-          <a:blip r:embed="rId8">
+          <a:blip r:embed="rId7">
             <a:extLst>
               <a:ext uri="{28A0092B-C50C-407E-A947-70E740481C1C}">
                 <a14:useLocalDpi xmlns:a14="http://schemas.microsoft.com/office/drawing/2010/main" val="0"/>
@@ -6973,7 +6938,7 @@
           <p:nvPr/>
         </p:nvPicPr>
         <p:blipFill>
-          <a:blip r:embed="rId9">
+          <a:blip r:embed="rId8">
             <a:extLst>
               <a:ext uri="{28A0092B-C50C-407E-A947-70E740481C1C}">
                 <a14:useLocalDpi xmlns:a14="http://schemas.microsoft.com/office/drawing/2010/main" val="0"/>
@@ -7221,7 +7186,7 @@
           <p:nvPr/>
         </p:nvPicPr>
         <p:blipFill>
-          <a:blip r:embed="rId10">
+          <a:blip r:embed="rId9">
             <a:extLst>
               <a:ext uri="{28A0092B-C50C-407E-A947-70E740481C1C}">
                 <a14:useLocalDpi xmlns:a14="http://schemas.microsoft.com/office/drawing/2010/main" val="0"/>
@@ -7256,7 +7221,7 @@
           <p:nvPr/>
         </p:nvPicPr>
         <p:blipFill>
-          <a:blip r:embed="rId11">
+          <a:blip r:embed="rId10">
             <a:extLst>
               <a:ext uri="{28A0092B-C50C-407E-A947-70E740481C1C}">
                 <a14:useLocalDpi xmlns:a14="http://schemas.microsoft.com/office/drawing/2010/main" val="0"/>
@@ -7291,7 +7256,7 @@
           <p:nvPr/>
         </p:nvPicPr>
         <p:blipFill>
-          <a:blip r:embed="rId12">
+          <a:blip r:embed="rId11">
             <a:extLst>
               <a:ext uri="{28A0092B-C50C-407E-A947-70E740481C1C}">
                 <a14:useLocalDpi xmlns:a14="http://schemas.microsoft.com/office/drawing/2010/main" val="0"/>
@@ -7630,7 +7595,7 @@
           <p:nvPr/>
         </p:nvPicPr>
         <p:blipFill>
-          <a:blip r:embed="rId13">
+          <a:blip r:embed="rId12">
             <a:extLst>
               <a:ext uri="{28A0092B-C50C-407E-A947-70E740481C1C}">
                 <a14:useLocalDpi xmlns:a14="http://schemas.microsoft.com/office/drawing/2010/main" val="0"/>
@@ -7665,7 +7630,7 @@
           <p:nvPr/>
         </p:nvPicPr>
         <p:blipFill>
-          <a:blip r:embed="rId14">
+          <a:blip r:embed="rId13">
             <a:extLst>
               <a:ext uri="{28A0092B-C50C-407E-A947-70E740481C1C}">
                 <a14:useLocalDpi xmlns:a14="http://schemas.microsoft.com/office/drawing/2010/main" val="0"/>
@@ -7700,7 +7665,7 @@
           <p:nvPr/>
         </p:nvPicPr>
         <p:blipFill>
-          <a:blip r:embed="rId15">
+          <a:blip r:embed="rId14">
             <a:extLst>
               <a:ext uri="{28A0092B-C50C-407E-A947-70E740481C1C}">
                 <a14:useLocalDpi xmlns:a14="http://schemas.microsoft.com/office/drawing/2010/main" val="0"/>
@@ -7991,7 +7956,7 @@
           <p:nvPr/>
         </p:nvPicPr>
         <p:blipFill>
-          <a:blip r:embed="rId16">
+          <a:blip r:embed="rId15">
             <a:extLst>
               <a:ext uri="{28A0092B-C50C-407E-A947-70E740481C1C}">
                 <a14:useLocalDpi xmlns:a14="http://schemas.microsoft.com/office/drawing/2010/main" val="0"/>
@@ -8026,7 +7991,7 @@
           <p:nvPr/>
         </p:nvPicPr>
         <p:blipFill>
-          <a:blip r:embed="rId17">
+          <a:blip r:embed="rId16">
             <a:extLst>
               <a:ext uri="{28A0092B-C50C-407E-A947-70E740481C1C}">
                 <a14:useLocalDpi xmlns:a14="http://schemas.microsoft.com/office/drawing/2010/main" val="0"/>
@@ -8061,7 +8026,7 @@
           <p:nvPr/>
         </p:nvPicPr>
         <p:blipFill>
-          <a:blip r:embed="rId18">
+          <a:blip r:embed="rId17">
             <a:extLst>
               <a:ext uri="{28A0092B-C50C-407E-A947-70E740481C1C}">
                 <a14:useLocalDpi xmlns:a14="http://schemas.microsoft.com/office/drawing/2010/main" val="0"/>
@@ -8073,8 +8038,8 @@
         </p:blipFill>
         <p:spPr>
           <a:xfrm>
-            <a:off x="11001626" y="556767"/>
-            <a:ext cx="1243636" cy="1434964"/>
+            <a:off x="11003456" y="556767"/>
+            <a:ext cx="1239975" cy="1434964"/>
           </a:xfrm>
           <a:prstGeom prst="rect">
             <a:avLst/>
@@ -8260,7 +8225,7 @@
           <p:nvPr/>
         </p:nvPicPr>
         <p:blipFill>
-          <a:blip r:embed="rId19">
+          <a:blip r:embed="rId18">
             <a:extLst>
               <a:ext uri="{28A0092B-C50C-407E-A947-70E740481C1C}">
                 <a14:useLocalDpi xmlns:a14="http://schemas.microsoft.com/office/drawing/2010/main" val="0"/>
@@ -8465,7 +8430,7 @@
           </a:ln>
           <a:extLst>
             <a:ext uri="{C572A759-6A51-4108-AA02-DFA0A04FC94B}">
-              <ma14:wrappingTextBoxFlag xmlns:ma14="http://schemas.microsoft.com/office/mac/drawingml/2011/main" xmlns:a14="http://schemas.microsoft.com/office/drawing/2010/main" xmlns:m="http://schemas.openxmlformats.org/officeDocument/2006/math" xmlns="" val="1"/>
+              <ma14:wrappingTextBoxFlag xmlns="" xmlns:m="http://schemas.openxmlformats.org/officeDocument/2006/math" xmlns:a14="http://schemas.microsoft.com/office/drawing/2010/main" xmlns:ma14="http://schemas.microsoft.com/office/mac/drawingml/2011/main" val="1"/>
             </a:ext>
           </a:extLst>
         </p:spPr>
@@ -12284,12 +12249,21 @@
 </file>
 
 <file path=customXml/item1.xml><?xml version="1.0" encoding="utf-8"?>
-<?mso-contentType ?>
-<FormTemplates xmlns="http://schemas.microsoft.com/sharepoint/v3/contenttype/forms">
-  <Display>DocumentLibraryForm</Display>
-  <Edit>DocumentLibraryForm</Edit>
-  <New>DocumentLibraryForm</New>
-</FormTemplates>
+<p:properties xmlns:p="http://schemas.microsoft.com/office/2006/metadata/properties" xmlns:xsi="http://www.w3.org/2001/XMLSchema-instance" xmlns:pc="http://schemas.microsoft.com/office/infopath/2007/PartnerControls">
+  <documentManagement>
+    <FHI_TopicTaxHTField xmlns="9e7c1b5f-6b93-4ee4-9fa2-fda8f1b47cf5">
+      <Terms xmlns="http://schemas.microsoft.com/office/infopath/2007/PartnerControls"/>
+    </FHI_TopicTaxHTField>
+    <TaxCatchAll xmlns="ef5dd856-6a32-4f72-920b-b3c650540c6d" xsi:nil="true"/>
+    <TaxKeywordTaxHTField xmlns="ef5dd856-6a32-4f72-920b-b3c650540c6d">
+      <Terms xmlns="http://schemas.microsoft.com/office/infopath/2007/PartnerControls"/>
+    </TaxKeywordTaxHTField>
+    <d03b2acdc0904ed5b54b2c96476ff0da xmlns="ef5dd856-6a32-4f72-920b-b3c650540c6d" xsi:nil="true"/>
+    <lcf76f155ced4ddcb4097134ff3c332f xmlns="8e6eb821-ce73-48ba-8377-72b4b239edb4">
+      <Terms xmlns="http://schemas.microsoft.com/office/infopath/2007/PartnerControls"/>
+    </lcf76f155ced4ddcb4097134ff3c332f>
+  </documentManagement>
+</p:properties>
 </file>
 
 <file path=customXml/item2.xml><?xml version="1.0" encoding="utf-8"?>
@@ -12557,27 +12531,28 @@
 </file>
 
 <file path=customXml/item3.xml><?xml version="1.0" encoding="utf-8"?>
-<p:properties xmlns:p="http://schemas.microsoft.com/office/2006/metadata/properties" xmlns:xsi="http://www.w3.org/2001/XMLSchema-instance" xmlns:pc="http://schemas.microsoft.com/office/infopath/2007/PartnerControls">
-  <documentManagement>
-    <FHI_TopicTaxHTField xmlns="9e7c1b5f-6b93-4ee4-9fa2-fda8f1b47cf5">
-      <Terms xmlns="http://schemas.microsoft.com/office/infopath/2007/PartnerControls"/>
-    </FHI_TopicTaxHTField>
-    <TaxCatchAll xmlns="ef5dd856-6a32-4f72-920b-b3c650540c6d" xsi:nil="true"/>
-    <TaxKeywordTaxHTField xmlns="ef5dd856-6a32-4f72-920b-b3c650540c6d">
-      <Terms xmlns="http://schemas.microsoft.com/office/infopath/2007/PartnerControls"/>
-    </TaxKeywordTaxHTField>
-    <d03b2acdc0904ed5b54b2c96476ff0da xmlns="ef5dd856-6a32-4f72-920b-b3c650540c6d" xsi:nil="true"/>
-    <lcf76f155ced4ddcb4097134ff3c332f xmlns="8e6eb821-ce73-48ba-8377-72b4b239edb4">
-      <Terms xmlns="http://schemas.microsoft.com/office/infopath/2007/PartnerControls"/>
-    </lcf76f155ced4ddcb4097134ff3c332f>
-  </documentManagement>
-</p:properties>
+<?mso-contentType ?>
+<FormTemplates xmlns="http://schemas.microsoft.com/sharepoint/v3/contenttype/forms">
+  <Display>DocumentLibraryForm</Display>
+  <Edit>DocumentLibraryForm</Edit>
+  <New>DocumentLibraryForm</New>
+</FormTemplates>
 </file>
 
 <file path=customXml/itemProps1.xml><?xml version="1.0" encoding="utf-8"?>
-<ds:datastoreItem xmlns:ds="http://schemas.openxmlformats.org/officeDocument/2006/customXml" ds:itemID="{1397C913-CF67-4D4B-B20C-8D2FAA47BA9C}">
+<ds:datastoreItem xmlns:ds="http://schemas.openxmlformats.org/officeDocument/2006/customXml" ds:itemID="{82D19A56-9F48-4776-A41F-6747BEDA6F33}">
   <ds:schemaRefs>
-    <ds:schemaRef ds:uri="http://schemas.microsoft.com/sharepoint/v3/contenttype/forms"/>
+    <ds:schemaRef ds:uri="8e6eb821-ce73-48ba-8377-72b4b239edb4"/>
+    <ds:schemaRef ds:uri="http://schemas.microsoft.com/office/2006/metadata/properties"/>
+    <ds:schemaRef ds:uri="http://www.w3.org/XML/1998/namespace"/>
+    <ds:schemaRef ds:uri="http://schemas.microsoft.com/office/infopath/2007/PartnerControls"/>
+    <ds:schemaRef ds:uri="http://purl.org/dc/terms/"/>
+    <ds:schemaRef ds:uri="http://purl.org/dc/elements/1.1/"/>
+    <ds:schemaRef ds:uri="http://schemas.openxmlformats.org/package/2006/metadata/core-properties"/>
+    <ds:schemaRef ds:uri="http://schemas.microsoft.com/office/2006/documentManagement/types"/>
+    <ds:schemaRef ds:uri="9e7c1b5f-6b93-4ee4-9fa2-fda8f1b47cf5"/>
+    <ds:schemaRef ds:uri="ef5dd856-6a32-4f72-920b-b3c650540c6d"/>
+    <ds:schemaRef ds:uri="http://purl.org/dc/dcmitype/"/>
   </ds:schemaRefs>
 </ds:datastoreItem>
 </file>
@@ -12603,19 +12578,9 @@
 </file>
 
 <file path=customXml/itemProps3.xml><?xml version="1.0" encoding="utf-8"?>
-<ds:datastoreItem xmlns:ds="http://schemas.openxmlformats.org/officeDocument/2006/customXml" ds:itemID="{82D19A56-9F48-4776-A41F-6747BEDA6F33}">
+<ds:datastoreItem xmlns:ds="http://schemas.openxmlformats.org/officeDocument/2006/customXml" ds:itemID="{1397C913-CF67-4D4B-B20C-8D2FAA47BA9C}">
   <ds:schemaRefs>
-    <ds:schemaRef ds:uri="8e6eb821-ce73-48ba-8377-72b4b239edb4"/>
-    <ds:schemaRef ds:uri="http://schemas.microsoft.com/office/2006/metadata/properties"/>
-    <ds:schemaRef ds:uri="http://www.w3.org/XML/1998/namespace"/>
-    <ds:schemaRef ds:uri="http://schemas.microsoft.com/office/infopath/2007/PartnerControls"/>
-    <ds:schemaRef ds:uri="http://purl.org/dc/terms/"/>
-    <ds:schemaRef ds:uri="http://purl.org/dc/elements/1.1/"/>
-    <ds:schemaRef ds:uri="http://schemas.openxmlformats.org/package/2006/metadata/core-properties"/>
-    <ds:schemaRef ds:uri="http://schemas.microsoft.com/office/2006/documentManagement/types"/>
-    <ds:schemaRef ds:uri="9e7c1b5f-6b93-4ee4-9fa2-fda8f1b47cf5"/>
-    <ds:schemaRef ds:uri="ef5dd856-6a32-4f72-920b-b3c650540c6d"/>
-    <ds:schemaRef ds:uri="http://purl.org/dc/dcmitype/"/>
+    <ds:schemaRef ds:uri="http://schemas.microsoft.com/sharepoint/v3/contenttype/forms"/>
   </ds:schemaRefs>
 </ds:datastoreItem>
 </file>